--- a/_DOCUMENTOS/Projeto Final.pptx
+++ b/_DOCUMENTOS/Projeto Final.pptx
@@ -1,36 +1,36 @@
 
 <file path=ppt/presentation.xml><?xml version="1.0" encoding="utf-8"?>
-<p:presentation xmlns:a="http://schemas.openxmlformats.org/drawingml/2006/main" xmlns:r="http://schemas.openxmlformats.org/officeDocument/2006/relationships" xmlns:mc="http://schemas.openxmlformats.org/markup-compatibility/2006" xmlns:mv="urn:schemas-microsoft-com:mac:vml" xmlns:p="http://schemas.openxmlformats.org/presentationml/2006/main" xmlns:c="http://schemas.openxmlformats.org/drawingml/2006/chart" xmlns:dgm="http://schemas.openxmlformats.org/drawingml/2006/diagram" xmlns:o="urn:schemas-microsoft-com:office:office" xmlns:v="urn:schemas-microsoft-com:vml" xmlns:pvml="urn:schemas-microsoft-com:office:powerpoint" xmlns:com="http://schemas.openxmlformats.org/drawingml/2006/compatibility" xmlns:p14="http://schemas.microsoft.com/office/powerpoint/2010/main" xmlns:p15="http://schemas.microsoft.com/office/powerpoint/2012/main" xmlns:ahyp="http://schemas.microsoft.com/office/drawing/2018/hyperlinkcolor" autoCompressPictures="0" embedTrueTypeFonts="1" strictFirstAndLastChars="0" saveSubsetFonts="1">
+<p:presentation xmlns:a="http://schemas.openxmlformats.org/drawingml/2006/main" xmlns:r="http://schemas.openxmlformats.org/officeDocument/2006/relationships" xmlns:p="http://schemas.openxmlformats.org/presentationml/2006/main" strictFirstAndLastChars="0" embedTrueTypeFonts="1" saveSubsetFonts="1" autoCompressPictures="0">
   <p:sldMasterIdLst>
-    <p:sldMasterId id="2147483659" r:id="rId4"/>
+    <p:sldMasterId id="2147483659" r:id="rId1"/>
   </p:sldMasterIdLst>
   <p:notesMasterIdLst>
-    <p:notesMasterId r:id="rId5"/>
+    <p:notesMasterId r:id="rId8"/>
   </p:notesMasterIdLst>
   <p:sldIdLst>
-    <p:sldId id="256" r:id="rId6"/>
-    <p:sldId id="257" r:id="rId7"/>
-    <p:sldId id="258" r:id="rId8"/>
-    <p:sldId id="259" r:id="rId9"/>
-    <p:sldId id="260" r:id="rId10"/>
-    <p:sldId id="261" r:id="rId11"/>
+    <p:sldId id="256" r:id="rId2"/>
+    <p:sldId id="257" r:id="rId3"/>
+    <p:sldId id="258" r:id="rId4"/>
+    <p:sldId id="259" r:id="rId5"/>
+    <p:sldId id="260" r:id="rId6"/>
+    <p:sldId id="261" r:id="rId7"/>
   </p:sldIdLst>
-  <p:sldSz cy="5143500" cx="9144000"/>
+  <p:sldSz cx="9144000" cy="5143500" type="screen16x9"/>
   <p:notesSz cx="6858000" cy="9144000"/>
   <p:embeddedFontLst>
     <p:embeddedFont>
-      <p:font typeface="Comfortaa Regular"/>
-      <p:regular r:id="rId12"/>
-      <p:bold r:id="rId13"/>
+      <p:font typeface="Comfortaa Regular" panose="020B0604020202020204" charset="0"/>
+      <p:regular r:id="rId9"/>
+      <p:bold r:id="rId10"/>
     </p:embeddedFont>
     <p:embeddedFont>
-      <p:font typeface="Comfortaa"/>
-      <p:regular r:id="rId14"/>
-      <p:bold r:id="rId15"/>
+      <p:font typeface="Comfortaa" panose="020B0604020202020204" charset="0"/>
+      <p:regular r:id="rId11"/>
+      <p:bold r:id="rId12"/>
     </p:embeddedFont>
   </p:embeddedFontLst>
   <p:defaultTextStyle>
-    <a:defPPr lvl="0" marR="0" rtl="0" algn="l">
+    <a:defPPr marR="0" lvl="0" algn="l" rtl="0">
       <a:lnSpc>
         <a:spcPct val="100000"/>
       </a:lnSpc>
@@ -41,7 +41,7 @@
         <a:spcPts val="0"/>
       </a:spcAft>
     </a:defPPr>
-    <a:lvl1pPr lvl="0" marR="0" rtl="0" algn="l">
+    <a:lvl1pPr marR="0" lvl="0" algn="l" rtl="0">
       <a:lnSpc>
         <a:spcPct val="100000"/>
       </a:lnSpc>
@@ -55,7 +55,7 @@
         <a:srgbClr val="000000"/>
       </a:buClr>
       <a:buFont typeface="Arial"/>
-      <a:defRPr b="0" i="0" sz="1400" u="none" cap="none" strike="noStrike">
+      <a:defRPr sz="1400" b="0" i="0" u="none" strike="noStrike" cap="none">
         <a:solidFill>
           <a:srgbClr val="000000"/>
         </a:solidFill>
@@ -65,7 +65,7 @@
         <a:sym typeface="Arial"/>
       </a:defRPr>
     </a:lvl1pPr>
-    <a:lvl2pPr lvl="1" marR="0" rtl="0" algn="l">
+    <a:lvl2pPr marR="0" lvl="1" algn="l" rtl="0">
       <a:lnSpc>
         <a:spcPct val="100000"/>
       </a:lnSpc>
@@ -79,7 +79,7 @@
         <a:srgbClr val="000000"/>
       </a:buClr>
       <a:buFont typeface="Arial"/>
-      <a:defRPr b="0" i="0" sz="1400" u="none" cap="none" strike="noStrike">
+      <a:defRPr sz="1400" b="0" i="0" u="none" strike="noStrike" cap="none">
         <a:solidFill>
           <a:srgbClr val="000000"/>
         </a:solidFill>
@@ -89,7 +89,7 @@
         <a:sym typeface="Arial"/>
       </a:defRPr>
     </a:lvl2pPr>
-    <a:lvl3pPr lvl="2" marR="0" rtl="0" algn="l">
+    <a:lvl3pPr marR="0" lvl="2" algn="l" rtl="0">
       <a:lnSpc>
         <a:spcPct val="100000"/>
       </a:lnSpc>
@@ -103,7 +103,7 @@
         <a:srgbClr val="000000"/>
       </a:buClr>
       <a:buFont typeface="Arial"/>
-      <a:defRPr b="0" i="0" sz="1400" u="none" cap="none" strike="noStrike">
+      <a:defRPr sz="1400" b="0" i="0" u="none" strike="noStrike" cap="none">
         <a:solidFill>
           <a:srgbClr val="000000"/>
         </a:solidFill>
@@ -113,7 +113,7 @@
         <a:sym typeface="Arial"/>
       </a:defRPr>
     </a:lvl3pPr>
-    <a:lvl4pPr lvl="3" marR="0" rtl="0" algn="l">
+    <a:lvl4pPr marR="0" lvl="3" algn="l" rtl="0">
       <a:lnSpc>
         <a:spcPct val="100000"/>
       </a:lnSpc>
@@ -127,7 +127,7 @@
         <a:srgbClr val="000000"/>
       </a:buClr>
       <a:buFont typeface="Arial"/>
-      <a:defRPr b="0" i="0" sz="1400" u="none" cap="none" strike="noStrike">
+      <a:defRPr sz="1400" b="0" i="0" u="none" strike="noStrike" cap="none">
         <a:solidFill>
           <a:srgbClr val="000000"/>
         </a:solidFill>
@@ -137,7 +137,7 @@
         <a:sym typeface="Arial"/>
       </a:defRPr>
     </a:lvl4pPr>
-    <a:lvl5pPr lvl="4" marR="0" rtl="0" algn="l">
+    <a:lvl5pPr marR="0" lvl="4" algn="l" rtl="0">
       <a:lnSpc>
         <a:spcPct val="100000"/>
       </a:lnSpc>
@@ -151,7 +151,7 @@
         <a:srgbClr val="000000"/>
       </a:buClr>
       <a:buFont typeface="Arial"/>
-      <a:defRPr b="0" i="0" sz="1400" u="none" cap="none" strike="noStrike">
+      <a:defRPr sz="1400" b="0" i="0" u="none" strike="noStrike" cap="none">
         <a:solidFill>
           <a:srgbClr val="000000"/>
         </a:solidFill>
@@ -161,7 +161,7 @@
         <a:sym typeface="Arial"/>
       </a:defRPr>
     </a:lvl5pPr>
-    <a:lvl6pPr lvl="5" marR="0" rtl="0" algn="l">
+    <a:lvl6pPr marR="0" lvl="5" algn="l" rtl="0">
       <a:lnSpc>
         <a:spcPct val="100000"/>
       </a:lnSpc>
@@ -175,7 +175,7 @@
         <a:srgbClr val="000000"/>
       </a:buClr>
       <a:buFont typeface="Arial"/>
-      <a:defRPr b="0" i="0" sz="1400" u="none" cap="none" strike="noStrike">
+      <a:defRPr sz="1400" b="0" i="0" u="none" strike="noStrike" cap="none">
         <a:solidFill>
           <a:srgbClr val="000000"/>
         </a:solidFill>
@@ -185,7 +185,7 @@
         <a:sym typeface="Arial"/>
       </a:defRPr>
     </a:lvl6pPr>
-    <a:lvl7pPr lvl="6" marR="0" rtl="0" algn="l">
+    <a:lvl7pPr marR="0" lvl="6" algn="l" rtl="0">
       <a:lnSpc>
         <a:spcPct val="100000"/>
       </a:lnSpc>
@@ -199,7 +199,7 @@
         <a:srgbClr val="000000"/>
       </a:buClr>
       <a:buFont typeface="Arial"/>
-      <a:defRPr b="0" i="0" sz="1400" u="none" cap="none" strike="noStrike">
+      <a:defRPr sz="1400" b="0" i="0" u="none" strike="noStrike" cap="none">
         <a:solidFill>
           <a:srgbClr val="000000"/>
         </a:solidFill>
@@ -209,7 +209,7 @@
         <a:sym typeface="Arial"/>
       </a:defRPr>
     </a:lvl7pPr>
-    <a:lvl8pPr lvl="7" marR="0" rtl="0" algn="l">
+    <a:lvl8pPr marR="0" lvl="7" algn="l" rtl="0">
       <a:lnSpc>
         <a:spcPct val="100000"/>
       </a:lnSpc>
@@ -223,7 +223,7 @@
         <a:srgbClr val="000000"/>
       </a:buClr>
       <a:buFont typeface="Arial"/>
-      <a:defRPr b="0" i="0" sz="1400" u="none" cap="none" strike="noStrike">
+      <a:defRPr sz="1400" b="0" i="0" u="none" strike="noStrike" cap="none">
         <a:solidFill>
           <a:srgbClr val="000000"/>
         </a:solidFill>
@@ -233,7 +233,7 @@
         <a:sym typeface="Arial"/>
       </a:defRPr>
     </a:lvl8pPr>
-    <a:lvl9pPr lvl="8" marR="0" rtl="0" algn="l">
+    <a:lvl9pPr marR="0" lvl="8" algn="l" rtl="0">
       <a:lnSpc>
         <a:spcPct val="100000"/>
       </a:lnSpc>
@@ -247,7 +247,7 @@
         <a:srgbClr val="000000"/>
       </a:buClr>
       <a:buFont typeface="Arial"/>
-      <a:defRPr b="0" i="0" sz="1400" u="none" cap="none" strike="noStrike">
+      <a:defRPr sz="1400" b="0" i="0" u="none" strike="noStrike" cap="none">
         <a:solidFill>
           <a:srgbClr val="000000"/>
         </a:solidFill>
@@ -260,7 +260,7 @@
   </p:defaultTextStyle>
   <p:extLst>
     <p:ext uri="{EFAFB233-063F-42B5-8137-9DF3F51BA10A}">
-      <p15:sldGuideLst>
+      <p15:sldGuideLst xmlns:p15="http://schemas.microsoft.com/office/powerpoint/2012/main">
         <p15:guide id="1" orient="horz" pos="1620">
           <p15:clr>
             <a:srgbClr val="A4A3A4"/>
@@ -278,11 +278,16 @@
 </file>
 
 <file path=ppt/notesMasters/notesMaster1.xml><?xml version="1.0" encoding="utf-8"?>
-<p:notesMaster xmlns:a="http://schemas.openxmlformats.org/drawingml/2006/main" xmlns:r="http://schemas.openxmlformats.org/officeDocument/2006/relationships" xmlns:mc="http://schemas.openxmlformats.org/markup-compatibility/2006" xmlns:mv="urn:schemas-microsoft-com:mac:vml" xmlns:p="http://schemas.openxmlformats.org/presentationml/2006/main" xmlns:c="http://schemas.openxmlformats.org/drawingml/2006/chart" xmlns:dgm="http://schemas.openxmlformats.org/drawingml/2006/diagram" xmlns:o="urn:schemas-microsoft-com:office:office" xmlns:v="urn:schemas-microsoft-com:vml" xmlns:pvml="urn:schemas-microsoft-com:office:powerpoint" xmlns:com="http://schemas.openxmlformats.org/drawingml/2006/compatibility" xmlns:p14="http://schemas.microsoft.com/office/powerpoint/2010/main" xmlns:p15="http://schemas.microsoft.com/office/powerpoint/2012/main" xmlns:ahyp="http://schemas.microsoft.com/office/drawing/2018/hyperlinkcolor">
+<p:notesMaster xmlns:a="http://schemas.openxmlformats.org/drawingml/2006/main" xmlns:r="http://schemas.openxmlformats.org/officeDocument/2006/relationships" xmlns:p="http://schemas.openxmlformats.org/presentationml/2006/main">
   <p:cSld>
+    <p:bg>
+      <p:bgRef idx="1001">
+        <a:schemeClr val="bg1"/>
+      </p:bgRef>
+    </p:bg>
     <p:spTree>
       <p:nvGrpSpPr>
-        <p:cNvPr id="2" name="Shape 2"/>
+        <p:cNvPr id="1" name="Shape 2"/>
         <p:cNvGrpSpPr/>
         <p:nvPr/>
       </p:nvGrpSpPr>
@@ -297,9 +302,11 @@
       <p:sp>
         <p:nvSpPr>
           <p:cNvPr id="3" name="Google Shape;3;n"/>
-          <p:cNvSpPr/>
+          <p:cNvSpPr>
+            <a:spLocks noGrp="1" noRot="1" noChangeAspect="1"/>
+          </p:cNvSpPr>
           <p:nvPr>
-            <p:ph idx="2" type="sldImg"/>
+            <p:ph type="sldImg" idx="2"/>
           </p:nvPr>
         </p:nvSpPr>
         <p:spPr>
@@ -308,9 +315,13 @@
             <a:ext cx="6096075" cy="3429000"/>
           </a:xfrm>
           <a:custGeom>
-            <a:rect b="b" l="l" r="r" t="t"/>
+            <a:avLst/>
+            <a:gdLst/>
+            <a:ahLst/>
+            <a:cxnLst/>
+            <a:rect l="l" t="t" r="r" b="b"/>
             <a:pathLst>
-              <a:path extrusionOk="0" h="120000" w="120000">
+              <a:path w="120000" h="120000" extrusionOk="0">
                 <a:moveTo>
                   <a:pt x="0" y="0"/>
                 </a:moveTo>
@@ -328,23 +339,25 @@
             </a:pathLst>
           </a:custGeom>
           <a:noFill/>
-          <a:ln cap="flat" cmpd="sng" w="9525">
+          <a:ln w="9525" cap="flat" cmpd="sng">
             <a:solidFill>
               <a:srgbClr val="000000"/>
             </a:solidFill>
             <a:prstDash val="solid"/>
             <a:round/>
-            <a:headEnd len="sm" w="sm" type="none"/>
-            <a:tailEnd len="sm" w="sm" type="none"/>
+            <a:headEnd type="none" w="sm" len="sm"/>
+            <a:tailEnd type="none" w="sm" len="sm"/>
           </a:ln>
         </p:spPr>
       </p:sp>
       <p:sp>
         <p:nvSpPr>
           <p:cNvPr id="4" name="Google Shape;4;n"/>
-          <p:cNvSpPr txBox="1"/>
+          <p:cNvSpPr txBox="1">
+            <a:spLocks noGrp="1"/>
+          </p:cNvSpPr>
           <p:nvPr>
-            <p:ph idx="1" type="body"/>
+            <p:ph type="body" idx="1"/>
           </p:nvPr>
         </p:nvSpPr>
         <p:spPr>
@@ -361,11 +374,11 @@
           </a:ln>
         </p:spPr>
         <p:txBody>
-          <a:bodyPr anchorCtr="0" anchor="t" bIns="91425" lIns="91425" spcFirstLastPara="1" rIns="91425" wrap="square" tIns="91425">
+          <a:bodyPr spcFirstLastPara="1" wrap="square" lIns="91425" tIns="91425" rIns="91425" bIns="91425" anchor="t" anchorCtr="0">
             <a:noAutofit/>
           </a:bodyPr>
           <a:lstStyle>
-            <a:lvl1pPr indent="-298450" lvl="0" marL="457200">
+            <a:lvl1pPr marL="457200" lvl="0" indent="-298450">
               <a:spcBef>
                 <a:spcPts val="0"/>
               </a:spcBef>
@@ -376,7 +389,7 @@
               <a:buChar char="●"/>
               <a:defRPr sz="1100"/>
             </a:lvl1pPr>
-            <a:lvl2pPr indent="-298450" lvl="1" marL="914400">
+            <a:lvl2pPr marL="914400" lvl="1" indent="-298450">
               <a:spcBef>
                 <a:spcPts val="0"/>
               </a:spcBef>
@@ -387,7 +400,7 @@
               <a:buChar char="○"/>
               <a:defRPr sz="1100"/>
             </a:lvl2pPr>
-            <a:lvl3pPr indent="-298450" lvl="2" marL="1371600">
+            <a:lvl3pPr marL="1371600" lvl="2" indent="-298450">
               <a:spcBef>
                 <a:spcPts val="0"/>
               </a:spcBef>
@@ -398,7 +411,7 @@
               <a:buChar char="■"/>
               <a:defRPr sz="1100"/>
             </a:lvl3pPr>
-            <a:lvl4pPr indent="-298450" lvl="3" marL="1828800">
+            <a:lvl4pPr marL="1828800" lvl="3" indent="-298450">
               <a:spcBef>
                 <a:spcPts val="0"/>
               </a:spcBef>
@@ -409,7 +422,7 @@
               <a:buChar char="●"/>
               <a:defRPr sz="1100"/>
             </a:lvl4pPr>
-            <a:lvl5pPr indent="-298450" lvl="4" marL="2286000">
+            <a:lvl5pPr marL="2286000" lvl="4" indent="-298450">
               <a:spcBef>
                 <a:spcPts val="0"/>
               </a:spcBef>
@@ -420,7 +433,7 @@
               <a:buChar char="○"/>
               <a:defRPr sz="1100"/>
             </a:lvl5pPr>
-            <a:lvl6pPr indent="-298450" lvl="5" marL="2743200">
+            <a:lvl6pPr marL="2743200" lvl="5" indent="-298450">
               <a:spcBef>
                 <a:spcPts val="0"/>
               </a:spcBef>
@@ -431,7 +444,7 @@
               <a:buChar char="■"/>
               <a:defRPr sz="1100"/>
             </a:lvl6pPr>
-            <a:lvl7pPr indent="-298450" lvl="6" marL="3200400">
+            <a:lvl7pPr marL="3200400" lvl="6" indent="-298450">
               <a:spcBef>
                 <a:spcPts val="0"/>
               </a:spcBef>
@@ -442,7 +455,7 @@
               <a:buChar char="●"/>
               <a:defRPr sz="1100"/>
             </a:lvl7pPr>
-            <a:lvl8pPr indent="-298450" lvl="7" marL="3657600">
+            <a:lvl8pPr marL="3657600" lvl="7" indent="-298450">
               <a:spcBef>
                 <a:spcPts val="0"/>
               </a:spcBef>
@@ -453,7 +466,7 @@
               <a:buChar char="○"/>
               <a:defRPr sz="1100"/>
             </a:lvl8pPr>
-            <a:lvl9pPr indent="-298450" lvl="8" marL="4114800">
+            <a:lvl9pPr marL="4114800" lvl="8" indent="-298450">
               <a:spcBef>
                 <a:spcPts val="0"/>
               </a:spcBef>
@@ -465,14 +478,21 @@
               <a:defRPr sz="1100"/>
             </a:lvl9pPr>
           </a:lstStyle>
-          <a:p/>
+          <a:p>
+            <a:endParaRPr/>
+          </a:p>
         </p:txBody>
       </p:sp>
     </p:spTree>
+    <p:extLst>
+      <p:ext uri="{BB962C8B-B14F-4D97-AF65-F5344CB8AC3E}">
+        <p14:creationId xmlns:p14="http://schemas.microsoft.com/office/powerpoint/2010/main" val="1271048704"/>
+      </p:ext>
+    </p:extLst>
   </p:cSld>
-  <p:clrMap accent1="accent1" accent2="accent2" accent3="accent3" accent4="accent4" accent5="accent5" accent6="accent6" bg1="lt1" bg2="dk2" tx1="dk1" tx2="lt2" folHlink="folHlink" hlink="hlink"/>
+  <p:clrMap bg1="lt1" tx1="dk1" bg2="dk2" tx2="lt2" accent1="accent1" accent2="accent2" accent3="accent3" accent4="accent4" accent5="accent5" accent6="accent6" hlink="hlink" folHlink="folHlink"/>
   <p:notesStyle>
-    <a:defPPr lvl="0" marR="0" rtl="0" algn="l">
+    <a:defPPr marR="0" lvl="0" algn="l" rtl="0">
       <a:lnSpc>
         <a:spcPct val="100000"/>
       </a:lnSpc>
@@ -483,7 +503,7 @@
         <a:spcPts val="0"/>
       </a:spcAft>
     </a:defPPr>
-    <a:lvl1pPr lvl="0" marR="0" rtl="0" algn="l">
+    <a:lvl1pPr marR="0" lvl="0" algn="l" rtl="0">
       <a:lnSpc>
         <a:spcPct val="100000"/>
       </a:lnSpc>
@@ -497,7 +517,7 @@
         <a:srgbClr val="000000"/>
       </a:buClr>
       <a:buFont typeface="Arial"/>
-      <a:defRPr b="0" i="0" sz="1400" u="none" cap="none" strike="noStrike">
+      <a:defRPr sz="1400" b="0" i="0" u="none" strike="noStrike" cap="none">
         <a:solidFill>
           <a:srgbClr val="000000"/>
         </a:solidFill>
@@ -507,7 +527,7 @@
         <a:sym typeface="Arial"/>
       </a:defRPr>
     </a:lvl1pPr>
-    <a:lvl2pPr lvl="1" marR="0" rtl="0" algn="l">
+    <a:lvl2pPr marR="0" lvl="1" algn="l" rtl="0">
       <a:lnSpc>
         <a:spcPct val="100000"/>
       </a:lnSpc>
@@ -521,7 +541,7 @@
         <a:srgbClr val="000000"/>
       </a:buClr>
       <a:buFont typeface="Arial"/>
-      <a:defRPr b="0" i="0" sz="1400" u="none" cap="none" strike="noStrike">
+      <a:defRPr sz="1400" b="0" i="0" u="none" strike="noStrike" cap="none">
         <a:solidFill>
           <a:srgbClr val="000000"/>
         </a:solidFill>
@@ -531,7 +551,7 @@
         <a:sym typeface="Arial"/>
       </a:defRPr>
     </a:lvl2pPr>
-    <a:lvl3pPr lvl="2" marR="0" rtl="0" algn="l">
+    <a:lvl3pPr marR="0" lvl="2" algn="l" rtl="0">
       <a:lnSpc>
         <a:spcPct val="100000"/>
       </a:lnSpc>
@@ -545,7 +565,7 @@
         <a:srgbClr val="000000"/>
       </a:buClr>
       <a:buFont typeface="Arial"/>
-      <a:defRPr b="0" i="0" sz="1400" u="none" cap="none" strike="noStrike">
+      <a:defRPr sz="1400" b="0" i="0" u="none" strike="noStrike" cap="none">
         <a:solidFill>
           <a:srgbClr val="000000"/>
         </a:solidFill>
@@ -555,7 +575,7 @@
         <a:sym typeface="Arial"/>
       </a:defRPr>
     </a:lvl3pPr>
-    <a:lvl4pPr lvl="3" marR="0" rtl="0" algn="l">
+    <a:lvl4pPr marR="0" lvl="3" algn="l" rtl="0">
       <a:lnSpc>
         <a:spcPct val="100000"/>
       </a:lnSpc>
@@ -569,7 +589,7 @@
         <a:srgbClr val="000000"/>
       </a:buClr>
       <a:buFont typeface="Arial"/>
-      <a:defRPr b="0" i="0" sz="1400" u="none" cap="none" strike="noStrike">
+      <a:defRPr sz="1400" b="0" i="0" u="none" strike="noStrike" cap="none">
         <a:solidFill>
           <a:srgbClr val="000000"/>
         </a:solidFill>
@@ -579,7 +599,7 @@
         <a:sym typeface="Arial"/>
       </a:defRPr>
     </a:lvl4pPr>
-    <a:lvl5pPr lvl="4" marR="0" rtl="0" algn="l">
+    <a:lvl5pPr marR="0" lvl="4" algn="l" rtl="0">
       <a:lnSpc>
         <a:spcPct val="100000"/>
       </a:lnSpc>
@@ -593,7 +613,7 @@
         <a:srgbClr val="000000"/>
       </a:buClr>
       <a:buFont typeface="Arial"/>
-      <a:defRPr b="0" i="0" sz="1400" u="none" cap="none" strike="noStrike">
+      <a:defRPr sz="1400" b="0" i="0" u="none" strike="noStrike" cap="none">
         <a:solidFill>
           <a:srgbClr val="000000"/>
         </a:solidFill>
@@ -603,7 +623,7 @@
         <a:sym typeface="Arial"/>
       </a:defRPr>
     </a:lvl5pPr>
-    <a:lvl6pPr lvl="5" marR="0" rtl="0" algn="l">
+    <a:lvl6pPr marR="0" lvl="5" algn="l" rtl="0">
       <a:lnSpc>
         <a:spcPct val="100000"/>
       </a:lnSpc>
@@ -617,7 +637,7 @@
         <a:srgbClr val="000000"/>
       </a:buClr>
       <a:buFont typeface="Arial"/>
-      <a:defRPr b="0" i="0" sz="1400" u="none" cap="none" strike="noStrike">
+      <a:defRPr sz="1400" b="0" i="0" u="none" strike="noStrike" cap="none">
         <a:solidFill>
           <a:srgbClr val="000000"/>
         </a:solidFill>
@@ -627,7 +647,7 @@
         <a:sym typeface="Arial"/>
       </a:defRPr>
     </a:lvl6pPr>
-    <a:lvl7pPr lvl="6" marR="0" rtl="0" algn="l">
+    <a:lvl7pPr marR="0" lvl="6" algn="l" rtl="0">
       <a:lnSpc>
         <a:spcPct val="100000"/>
       </a:lnSpc>
@@ -641,7 +661,7 @@
         <a:srgbClr val="000000"/>
       </a:buClr>
       <a:buFont typeface="Arial"/>
-      <a:defRPr b="0" i="0" sz="1400" u="none" cap="none" strike="noStrike">
+      <a:defRPr sz="1400" b="0" i="0" u="none" strike="noStrike" cap="none">
         <a:solidFill>
           <a:srgbClr val="000000"/>
         </a:solidFill>
@@ -651,7 +671,7 @@
         <a:sym typeface="Arial"/>
       </a:defRPr>
     </a:lvl7pPr>
-    <a:lvl8pPr lvl="7" marR="0" rtl="0" algn="l">
+    <a:lvl8pPr marR="0" lvl="7" algn="l" rtl="0">
       <a:lnSpc>
         <a:spcPct val="100000"/>
       </a:lnSpc>
@@ -665,7 +685,7 @@
         <a:srgbClr val="000000"/>
       </a:buClr>
       <a:buFont typeface="Arial"/>
-      <a:defRPr b="0" i="0" sz="1400" u="none" cap="none" strike="noStrike">
+      <a:defRPr sz="1400" b="0" i="0" u="none" strike="noStrike" cap="none">
         <a:solidFill>
           <a:srgbClr val="000000"/>
         </a:solidFill>
@@ -675,7 +695,7 @@
         <a:sym typeface="Arial"/>
       </a:defRPr>
     </a:lvl8pPr>
-    <a:lvl9pPr lvl="8" marR="0" rtl="0" algn="l">
+    <a:lvl9pPr marR="0" lvl="8" algn="l" rtl="0">
       <a:lnSpc>
         <a:spcPct val="100000"/>
       </a:lnSpc>
@@ -689,7 +709,7 @@
         <a:srgbClr val="000000"/>
       </a:buClr>
       <a:buFont typeface="Arial"/>
-      <a:defRPr b="0" i="0" sz="1400" u="none" cap="none" strike="noStrike">
+      <a:defRPr sz="1400" b="0" i="0" u="none" strike="noStrike" cap="none">
         <a:solidFill>
           <a:srgbClr val="000000"/>
         </a:solidFill>
@@ -704,11 +724,11 @@
 </file>
 
 <file path=ppt/notesSlides/notesSlide1.xml><?xml version="1.0" encoding="utf-8"?>
-<p:notes xmlns:a="http://schemas.openxmlformats.org/drawingml/2006/main" xmlns:r="http://schemas.openxmlformats.org/officeDocument/2006/relationships" xmlns:mc="http://schemas.openxmlformats.org/markup-compatibility/2006" xmlns:mv="urn:schemas-microsoft-com:mac:vml" xmlns:p="http://schemas.openxmlformats.org/presentationml/2006/main" xmlns:c="http://schemas.openxmlformats.org/drawingml/2006/chart" xmlns:dgm="http://schemas.openxmlformats.org/drawingml/2006/diagram" xmlns:o="urn:schemas-microsoft-com:office:office" xmlns:v="urn:schemas-microsoft-com:vml" xmlns:pvml="urn:schemas-microsoft-com:office:powerpoint" xmlns:com="http://schemas.openxmlformats.org/drawingml/2006/compatibility" xmlns:p14="http://schemas.microsoft.com/office/powerpoint/2010/main" xmlns:p15="http://schemas.microsoft.com/office/powerpoint/2012/main" xmlns:ahyp="http://schemas.microsoft.com/office/drawing/2018/hyperlinkcolor" showMasterPhAnim="0" showMasterSp="0">
+<p:notes xmlns:a="http://schemas.openxmlformats.org/drawingml/2006/main" xmlns:r="http://schemas.openxmlformats.org/officeDocument/2006/relationships" xmlns:p="http://schemas.openxmlformats.org/presentationml/2006/main" showMasterSp="0" showMasterPhAnim="0">
   <p:cSld>
     <p:spTree>
       <p:nvGrpSpPr>
-        <p:cNvPr id="50" name="Shape 50"/>
+        <p:cNvPr id="1" name="Shape 50"/>
         <p:cNvGrpSpPr/>
         <p:nvPr/>
       </p:nvGrpSpPr>
@@ -723,20 +743,26 @@
       <p:sp>
         <p:nvSpPr>
           <p:cNvPr id="51" name="Google Shape;51;g95f4d59518_0_6:notes"/>
-          <p:cNvSpPr/>
+          <p:cNvSpPr>
+            <a:spLocks noGrp="1" noRot="1" noChangeAspect="1"/>
+          </p:cNvSpPr>
           <p:nvPr>
-            <p:ph idx="2" type="sldImg"/>
+            <p:ph type="sldImg" idx="2"/>
           </p:nvPr>
         </p:nvSpPr>
         <p:spPr>
           <a:xfrm>
-            <a:off x="381300" y="685800"/>
+            <a:off x="381000" y="685800"/>
             <a:ext cx="6096000" cy="3429000"/>
           </a:xfrm>
           <a:custGeom>
-            <a:rect b="b" l="l" r="r" t="t"/>
+            <a:avLst/>
+            <a:gdLst/>
+            <a:ahLst/>
+            <a:cxnLst/>
+            <a:rect l="l" t="t" r="r" b="b"/>
             <a:pathLst>
-              <a:path extrusionOk="0" h="120000" w="120000">
+              <a:path w="120000" h="120000" extrusionOk="0">
                 <a:moveTo>
                   <a:pt x="0" y="0"/>
                 </a:moveTo>
@@ -758,9 +784,11 @@
       <p:sp>
         <p:nvSpPr>
           <p:cNvPr id="52" name="Google Shape;52;g95f4d59518_0_6:notes"/>
-          <p:cNvSpPr txBox="1"/>
+          <p:cNvSpPr txBox="1">
+            <a:spLocks noGrp="1"/>
+          </p:cNvSpPr>
           <p:nvPr>
-            <p:ph idx="1" type="body"/>
+            <p:ph type="body" idx="1"/>
           </p:nvPr>
         </p:nvSpPr>
         <p:spPr>
@@ -773,28 +801,30 @@
           </a:prstGeom>
         </p:spPr>
         <p:txBody>
-          <a:bodyPr anchorCtr="0" anchor="t" bIns="91425" lIns="91425" spcFirstLastPara="1" rIns="91425" wrap="square" tIns="91425">
+          <a:bodyPr spcFirstLastPara="1" wrap="square" lIns="91425" tIns="91425" rIns="91425" bIns="91425" anchor="t" anchorCtr="0">
             <a:noAutofit/>
           </a:bodyPr>
           <a:lstStyle/>
           <a:p>
-            <a:pPr indent="0" lvl="0" marL="0" rtl="0" algn="l">
-              <a:spcBef>
-                <a:spcPts val="0"/>
-              </a:spcBef>
-              <a:spcAft>
-                <a:spcPts val="0"/>
-              </a:spcAft>
-              <a:buNone/>
-            </a:pPr>
-            <a:r>
-              <a:t/>
-            </a:r>
+            <a:pPr marL="0" lvl="0" indent="0" algn="l" rtl="0">
+              <a:spcBef>
+                <a:spcPts val="0"/>
+              </a:spcBef>
+              <a:spcAft>
+                <a:spcPts val="0"/>
+              </a:spcAft>
+              <a:buNone/>
+            </a:pPr>
             <a:endParaRPr/>
           </a:p>
         </p:txBody>
       </p:sp>
     </p:spTree>
+    <p:extLst>
+      <p:ext uri="{BB962C8B-B14F-4D97-AF65-F5344CB8AC3E}">
+        <p14:creationId xmlns:p14="http://schemas.microsoft.com/office/powerpoint/2010/main" val="718436589"/>
+      </p:ext>
+    </p:extLst>
   </p:cSld>
   <p:clrMapOvr>
     <a:masterClrMapping/>
@@ -803,11 +833,11 @@
 </file>
 
 <file path=ppt/notesSlides/notesSlide2.xml><?xml version="1.0" encoding="utf-8"?>
-<p:notes xmlns:a="http://schemas.openxmlformats.org/drawingml/2006/main" xmlns:r="http://schemas.openxmlformats.org/officeDocument/2006/relationships" xmlns:mc="http://schemas.openxmlformats.org/markup-compatibility/2006" xmlns:mv="urn:schemas-microsoft-com:mac:vml" xmlns:p="http://schemas.openxmlformats.org/presentationml/2006/main" xmlns:c="http://schemas.openxmlformats.org/drawingml/2006/chart" xmlns:dgm="http://schemas.openxmlformats.org/drawingml/2006/diagram" xmlns:o="urn:schemas-microsoft-com:office:office" xmlns:v="urn:schemas-microsoft-com:vml" xmlns:pvml="urn:schemas-microsoft-com:office:powerpoint" xmlns:com="http://schemas.openxmlformats.org/drawingml/2006/compatibility" xmlns:p14="http://schemas.microsoft.com/office/powerpoint/2010/main" xmlns:p15="http://schemas.microsoft.com/office/powerpoint/2012/main" xmlns:ahyp="http://schemas.microsoft.com/office/drawing/2018/hyperlinkcolor" showMasterPhAnim="0" showMasterSp="0">
+<p:notes xmlns:a="http://schemas.openxmlformats.org/drawingml/2006/main" xmlns:r="http://schemas.openxmlformats.org/officeDocument/2006/relationships" xmlns:p="http://schemas.openxmlformats.org/presentationml/2006/main" showMasterSp="0" showMasterPhAnim="0">
   <p:cSld>
     <p:spTree>
       <p:nvGrpSpPr>
-        <p:cNvPr id="59" name="Shape 59"/>
+        <p:cNvPr id="1" name="Shape 59"/>
         <p:cNvGrpSpPr/>
         <p:nvPr/>
       </p:nvGrpSpPr>
@@ -822,20 +852,26 @@
       <p:sp>
         <p:nvSpPr>
           <p:cNvPr id="60" name="Google Shape;60;p:notes"/>
-          <p:cNvSpPr/>
+          <p:cNvSpPr>
+            <a:spLocks noGrp="1" noRot="1" noChangeAspect="1"/>
+          </p:cNvSpPr>
           <p:nvPr>
-            <p:ph idx="2" type="sldImg"/>
+            <p:ph type="sldImg" idx="2"/>
           </p:nvPr>
         </p:nvSpPr>
         <p:spPr>
           <a:xfrm>
-            <a:off x="381300" y="685800"/>
-            <a:ext cx="6096075" cy="3429000"/>
+            <a:off x="381000" y="685800"/>
+            <a:ext cx="6096000" cy="3429000"/>
           </a:xfrm>
           <a:custGeom>
-            <a:rect b="b" l="l" r="r" t="t"/>
+            <a:avLst/>
+            <a:gdLst/>
+            <a:ahLst/>
+            <a:cxnLst/>
+            <a:rect l="l" t="t" r="r" b="b"/>
             <a:pathLst>
-              <a:path extrusionOk="0" h="120000" w="120000">
+              <a:path w="120000" h="120000" extrusionOk="0">
                 <a:moveTo>
                   <a:pt x="0" y="0"/>
                 </a:moveTo>
@@ -857,9 +893,11 @@
       <p:sp>
         <p:nvSpPr>
           <p:cNvPr id="61" name="Google Shape;61;p:notes"/>
-          <p:cNvSpPr txBox="1"/>
+          <p:cNvSpPr txBox="1">
+            <a:spLocks noGrp="1"/>
+          </p:cNvSpPr>
           <p:nvPr>
-            <p:ph idx="1" type="body"/>
+            <p:ph type="body" idx="1"/>
           </p:nvPr>
         </p:nvSpPr>
         <p:spPr>
@@ -872,28 +910,30 @@
           </a:prstGeom>
         </p:spPr>
         <p:txBody>
-          <a:bodyPr anchorCtr="0" anchor="t" bIns="91425" lIns="91425" spcFirstLastPara="1" rIns="91425" wrap="square" tIns="91425">
+          <a:bodyPr spcFirstLastPara="1" wrap="square" lIns="91425" tIns="91425" rIns="91425" bIns="91425" anchor="t" anchorCtr="0">
             <a:noAutofit/>
           </a:bodyPr>
           <a:lstStyle/>
           <a:p>
-            <a:pPr indent="0" lvl="0" marL="0" rtl="0" algn="l">
-              <a:spcBef>
-                <a:spcPts val="0"/>
-              </a:spcBef>
-              <a:spcAft>
-                <a:spcPts val="0"/>
-              </a:spcAft>
-              <a:buNone/>
-            </a:pPr>
-            <a:r>
-              <a:t/>
-            </a:r>
+            <a:pPr marL="0" lvl="0" indent="0" algn="l" rtl="0">
+              <a:spcBef>
+                <a:spcPts val="0"/>
+              </a:spcBef>
+              <a:spcAft>
+                <a:spcPts val="0"/>
+              </a:spcAft>
+              <a:buNone/>
+            </a:pPr>
             <a:endParaRPr/>
           </a:p>
         </p:txBody>
       </p:sp>
     </p:spTree>
+    <p:extLst>
+      <p:ext uri="{BB962C8B-B14F-4D97-AF65-F5344CB8AC3E}">
+        <p14:creationId xmlns:p14="http://schemas.microsoft.com/office/powerpoint/2010/main" val="2662407901"/>
+      </p:ext>
+    </p:extLst>
   </p:cSld>
   <p:clrMapOvr>
     <a:masterClrMapping/>
@@ -902,11 +942,11 @@
 </file>
 
 <file path=ppt/notesSlides/notesSlide3.xml><?xml version="1.0" encoding="utf-8"?>
-<p:notes xmlns:a="http://schemas.openxmlformats.org/drawingml/2006/main" xmlns:r="http://schemas.openxmlformats.org/officeDocument/2006/relationships" xmlns:mc="http://schemas.openxmlformats.org/markup-compatibility/2006" xmlns:mv="urn:schemas-microsoft-com:mac:vml" xmlns:p="http://schemas.openxmlformats.org/presentationml/2006/main" xmlns:c="http://schemas.openxmlformats.org/drawingml/2006/chart" xmlns:dgm="http://schemas.openxmlformats.org/drawingml/2006/diagram" xmlns:o="urn:schemas-microsoft-com:office:office" xmlns:v="urn:schemas-microsoft-com:vml" xmlns:pvml="urn:schemas-microsoft-com:office:powerpoint" xmlns:com="http://schemas.openxmlformats.org/drawingml/2006/compatibility" xmlns:p14="http://schemas.microsoft.com/office/powerpoint/2010/main" xmlns:p15="http://schemas.microsoft.com/office/powerpoint/2012/main" xmlns:ahyp="http://schemas.microsoft.com/office/drawing/2018/hyperlinkcolor" showMasterPhAnim="0" showMasterSp="0">
+<p:notes xmlns:a="http://schemas.openxmlformats.org/drawingml/2006/main" xmlns:r="http://schemas.openxmlformats.org/officeDocument/2006/relationships" xmlns:p="http://schemas.openxmlformats.org/presentationml/2006/main" showMasterSp="0" showMasterPhAnim="0">
   <p:cSld>
     <p:spTree>
       <p:nvGrpSpPr>
-        <p:cNvPr id="72" name="Shape 72"/>
+        <p:cNvPr id="1" name="Shape 72"/>
         <p:cNvGrpSpPr/>
         <p:nvPr/>
       </p:nvGrpSpPr>
@@ -921,20 +961,26 @@
       <p:sp>
         <p:nvSpPr>
           <p:cNvPr id="73" name="Google Shape;73;g95f4d59518_0_41:notes"/>
-          <p:cNvSpPr/>
+          <p:cNvSpPr>
+            <a:spLocks noGrp="1" noRot="1" noChangeAspect="1"/>
+          </p:cNvSpPr>
           <p:nvPr>
-            <p:ph idx="2" type="sldImg"/>
+            <p:ph type="sldImg" idx="2"/>
           </p:nvPr>
         </p:nvSpPr>
         <p:spPr>
           <a:xfrm>
-            <a:off x="381300" y="685800"/>
+            <a:off x="381000" y="685800"/>
             <a:ext cx="6096000" cy="3429000"/>
           </a:xfrm>
           <a:custGeom>
-            <a:rect b="b" l="l" r="r" t="t"/>
+            <a:avLst/>
+            <a:gdLst/>
+            <a:ahLst/>
+            <a:cxnLst/>
+            <a:rect l="l" t="t" r="r" b="b"/>
             <a:pathLst>
-              <a:path extrusionOk="0" h="120000" w="120000">
+              <a:path w="120000" h="120000" extrusionOk="0">
                 <a:moveTo>
                   <a:pt x="0" y="0"/>
                 </a:moveTo>
@@ -956,9 +1002,11 @@
       <p:sp>
         <p:nvSpPr>
           <p:cNvPr id="74" name="Google Shape;74;g95f4d59518_0_41:notes"/>
-          <p:cNvSpPr txBox="1"/>
+          <p:cNvSpPr txBox="1">
+            <a:spLocks noGrp="1"/>
+          </p:cNvSpPr>
           <p:nvPr>
-            <p:ph idx="1" type="body"/>
+            <p:ph type="body" idx="1"/>
           </p:nvPr>
         </p:nvSpPr>
         <p:spPr>
@@ -971,28 +1019,30 @@
           </a:prstGeom>
         </p:spPr>
         <p:txBody>
-          <a:bodyPr anchorCtr="0" anchor="t" bIns="91425" lIns="91425" spcFirstLastPara="1" rIns="91425" wrap="square" tIns="91425">
+          <a:bodyPr spcFirstLastPara="1" wrap="square" lIns="91425" tIns="91425" rIns="91425" bIns="91425" anchor="t" anchorCtr="0">
             <a:noAutofit/>
           </a:bodyPr>
           <a:lstStyle/>
           <a:p>
-            <a:pPr indent="0" lvl="0" marL="0" rtl="0" algn="l">
-              <a:spcBef>
-                <a:spcPts val="0"/>
-              </a:spcBef>
-              <a:spcAft>
-                <a:spcPts val="0"/>
-              </a:spcAft>
-              <a:buNone/>
-            </a:pPr>
-            <a:r>
-              <a:t/>
-            </a:r>
+            <a:pPr marL="0" lvl="0" indent="0" algn="l" rtl="0">
+              <a:spcBef>
+                <a:spcPts val="0"/>
+              </a:spcBef>
+              <a:spcAft>
+                <a:spcPts val="0"/>
+              </a:spcAft>
+              <a:buNone/>
+            </a:pPr>
             <a:endParaRPr/>
           </a:p>
         </p:txBody>
       </p:sp>
     </p:spTree>
+    <p:extLst>
+      <p:ext uri="{BB962C8B-B14F-4D97-AF65-F5344CB8AC3E}">
+        <p14:creationId xmlns:p14="http://schemas.microsoft.com/office/powerpoint/2010/main" val="3349256914"/>
+      </p:ext>
+    </p:extLst>
   </p:cSld>
   <p:clrMapOvr>
     <a:masterClrMapping/>
@@ -1001,11 +1051,11 @@
 </file>
 
 <file path=ppt/notesSlides/notesSlide4.xml><?xml version="1.0" encoding="utf-8"?>
-<p:notes xmlns:a="http://schemas.openxmlformats.org/drawingml/2006/main" xmlns:r="http://schemas.openxmlformats.org/officeDocument/2006/relationships" xmlns:mc="http://schemas.openxmlformats.org/markup-compatibility/2006" xmlns:mv="urn:schemas-microsoft-com:mac:vml" xmlns:p="http://schemas.openxmlformats.org/presentationml/2006/main" xmlns:c="http://schemas.openxmlformats.org/drawingml/2006/chart" xmlns:dgm="http://schemas.openxmlformats.org/drawingml/2006/diagram" xmlns:o="urn:schemas-microsoft-com:office:office" xmlns:v="urn:schemas-microsoft-com:vml" xmlns:pvml="urn:schemas-microsoft-com:office:powerpoint" xmlns:com="http://schemas.openxmlformats.org/drawingml/2006/compatibility" xmlns:p14="http://schemas.microsoft.com/office/powerpoint/2010/main" xmlns:p15="http://schemas.microsoft.com/office/powerpoint/2012/main" xmlns:ahyp="http://schemas.microsoft.com/office/drawing/2018/hyperlinkcolor" showMasterPhAnim="0" showMasterSp="0">
+<p:notes xmlns:a="http://schemas.openxmlformats.org/drawingml/2006/main" xmlns:r="http://schemas.openxmlformats.org/officeDocument/2006/relationships" xmlns:p="http://schemas.openxmlformats.org/presentationml/2006/main" showMasterSp="0" showMasterPhAnim="0">
   <p:cSld>
     <p:spTree>
       <p:nvGrpSpPr>
-        <p:cNvPr id="82" name="Shape 82"/>
+        <p:cNvPr id="1" name="Shape 82"/>
         <p:cNvGrpSpPr/>
         <p:nvPr/>
       </p:nvGrpSpPr>
@@ -1020,20 +1070,26 @@
       <p:sp>
         <p:nvSpPr>
           <p:cNvPr id="83" name="Google Shape;83;g95f4d59518_0_28:notes"/>
-          <p:cNvSpPr/>
+          <p:cNvSpPr>
+            <a:spLocks noGrp="1" noRot="1" noChangeAspect="1"/>
+          </p:cNvSpPr>
           <p:nvPr>
-            <p:ph idx="2" type="sldImg"/>
+            <p:ph type="sldImg" idx="2"/>
           </p:nvPr>
         </p:nvSpPr>
         <p:spPr>
           <a:xfrm>
-            <a:off x="381300" y="685800"/>
+            <a:off x="381000" y="685800"/>
             <a:ext cx="6096000" cy="3429000"/>
           </a:xfrm>
           <a:custGeom>
-            <a:rect b="b" l="l" r="r" t="t"/>
+            <a:avLst/>
+            <a:gdLst/>
+            <a:ahLst/>
+            <a:cxnLst/>
+            <a:rect l="l" t="t" r="r" b="b"/>
             <a:pathLst>
-              <a:path extrusionOk="0" h="120000" w="120000">
+              <a:path w="120000" h="120000" extrusionOk="0">
                 <a:moveTo>
                   <a:pt x="0" y="0"/>
                 </a:moveTo>
@@ -1055,9 +1111,11 @@
       <p:sp>
         <p:nvSpPr>
           <p:cNvPr id="84" name="Google Shape;84;g95f4d59518_0_28:notes"/>
-          <p:cNvSpPr txBox="1"/>
+          <p:cNvSpPr txBox="1">
+            <a:spLocks noGrp="1"/>
+          </p:cNvSpPr>
           <p:nvPr>
-            <p:ph idx="1" type="body"/>
+            <p:ph type="body" idx="1"/>
           </p:nvPr>
         </p:nvSpPr>
         <p:spPr>
@@ -1070,28 +1128,30 @@
           </a:prstGeom>
         </p:spPr>
         <p:txBody>
-          <a:bodyPr anchorCtr="0" anchor="t" bIns="91425" lIns="91425" spcFirstLastPara="1" rIns="91425" wrap="square" tIns="91425">
+          <a:bodyPr spcFirstLastPara="1" wrap="square" lIns="91425" tIns="91425" rIns="91425" bIns="91425" anchor="t" anchorCtr="0">
             <a:noAutofit/>
           </a:bodyPr>
           <a:lstStyle/>
           <a:p>
-            <a:pPr indent="0" lvl="0" marL="0" rtl="0" algn="l">
-              <a:spcBef>
-                <a:spcPts val="0"/>
-              </a:spcBef>
-              <a:spcAft>
-                <a:spcPts val="0"/>
-              </a:spcAft>
-              <a:buNone/>
-            </a:pPr>
-            <a:r>
-              <a:t/>
-            </a:r>
+            <a:pPr marL="0" lvl="0" indent="0" algn="l" rtl="0">
+              <a:spcBef>
+                <a:spcPts val="0"/>
+              </a:spcBef>
+              <a:spcAft>
+                <a:spcPts val="0"/>
+              </a:spcAft>
+              <a:buNone/>
+            </a:pPr>
             <a:endParaRPr/>
           </a:p>
         </p:txBody>
       </p:sp>
     </p:spTree>
+    <p:extLst>
+      <p:ext uri="{BB962C8B-B14F-4D97-AF65-F5344CB8AC3E}">
+        <p14:creationId xmlns:p14="http://schemas.microsoft.com/office/powerpoint/2010/main" val="1503808674"/>
+      </p:ext>
+    </p:extLst>
   </p:cSld>
   <p:clrMapOvr>
     <a:masterClrMapping/>
@@ -1100,11 +1160,11 @@
 </file>
 
 <file path=ppt/notesSlides/notesSlide5.xml><?xml version="1.0" encoding="utf-8"?>
-<p:notes xmlns:a="http://schemas.openxmlformats.org/drawingml/2006/main" xmlns:r="http://schemas.openxmlformats.org/officeDocument/2006/relationships" xmlns:mc="http://schemas.openxmlformats.org/markup-compatibility/2006" xmlns:mv="urn:schemas-microsoft-com:mac:vml" xmlns:p="http://schemas.openxmlformats.org/presentationml/2006/main" xmlns:c="http://schemas.openxmlformats.org/drawingml/2006/chart" xmlns:dgm="http://schemas.openxmlformats.org/drawingml/2006/diagram" xmlns:o="urn:schemas-microsoft-com:office:office" xmlns:v="urn:schemas-microsoft-com:vml" xmlns:pvml="urn:schemas-microsoft-com:office:powerpoint" xmlns:com="http://schemas.openxmlformats.org/drawingml/2006/compatibility" xmlns:p14="http://schemas.microsoft.com/office/powerpoint/2010/main" xmlns:p15="http://schemas.microsoft.com/office/powerpoint/2012/main" xmlns:ahyp="http://schemas.microsoft.com/office/drawing/2018/hyperlinkcolor" showMasterPhAnim="0" showMasterSp="0">
+<p:notes xmlns:a="http://schemas.openxmlformats.org/drawingml/2006/main" xmlns:r="http://schemas.openxmlformats.org/officeDocument/2006/relationships" xmlns:p="http://schemas.openxmlformats.org/presentationml/2006/main" showMasterSp="0" showMasterPhAnim="0">
   <p:cSld>
     <p:spTree>
       <p:nvGrpSpPr>
-        <p:cNvPr id="93" name="Shape 93"/>
+        <p:cNvPr id="1" name="Shape 93"/>
         <p:cNvGrpSpPr/>
         <p:nvPr/>
       </p:nvGrpSpPr>
@@ -1119,20 +1179,26 @@
       <p:sp>
         <p:nvSpPr>
           <p:cNvPr id="94" name="Google Shape;94;g95f4d59518_0_58:notes"/>
-          <p:cNvSpPr/>
+          <p:cNvSpPr>
+            <a:spLocks noGrp="1" noRot="1" noChangeAspect="1"/>
+          </p:cNvSpPr>
           <p:nvPr>
-            <p:ph idx="2" type="sldImg"/>
+            <p:ph type="sldImg" idx="2"/>
           </p:nvPr>
         </p:nvSpPr>
         <p:spPr>
           <a:xfrm>
-            <a:off x="381300" y="685800"/>
+            <a:off x="381000" y="685800"/>
             <a:ext cx="6096000" cy="3429000"/>
           </a:xfrm>
           <a:custGeom>
-            <a:rect b="b" l="l" r="r" t="t"/>
+            <a:avLst/>
+            <a:gdLst/>
+            <a:ahLst/>
+            <a:cxnLst/>
+            <a:rect l="l" t="t" r="r" b="b"/>
             <a:pathLst>
-              <a:path extrusionOk="0" h="120000" w="120000">
+              <a:path w="120000" h="120000" extrusionOk="0">
                 <a:moveTo>
                   <a:pt x="0" y="0"/>
                 </a:moveTo>
@@ -1154,9 +1220,11 @@
       <p:sp>
         <p:nvSpPr>
           <p:cNvPr id="95" name="Google Shape;95;g95f4d59518_0_58:notes"/>
-          <p:cNvSpPr txBox="1"/>
+          <p:cNvSpPr txBox="1">
+            <a:spLocks noGrp="1"/>
+          </p:cNvSpPr>
           <p:nvPr>
-            <p:ph idx="1" type="body"/>
+            <p:ph type="body" idx="1"/>
           </p:nvPr>
         </p:nvSpPr>
         <p:spPr>
@@ -1169,28 +1237,30 @@
           </a:prstGeom>
         </p:spPr>
         <p:txBody>
-          <a:bodyPr anchorCtr="0" anchor="t" bIns="91425" lIns="91425" spcFirstLastPara="1" rIns="91425" wrap="square" tIns="91425">
+          <a:bodyPr spcFirstLastPara="1" wrap="square" lIns="91425" tIns="91425" rIns="91425" bIns="91425" anchor="t" anchorCtr="0">
             <a:noAutofit/>
           </a:bodyPr>
           <a:lstStyle/>
           <a:p>
-            <a:pPr indent="0" lvl="0" marL="0" rtl="0" algn="l">
-              <a:spcBef>
-                <a:spcPts val="0"/>
-              </a:spcBef>
-              <a:spcAft>
-                <a:spcPts val="0"/>
-              </a:spcAft>
-              <a:buNone/>
-            </a:pPr>
-            <a:r>
-              <a:t/>
-            </a:r>
+            <a:pPr marL="0" lvl="0" indent="0" algn="l" rtl="0">
+              <a:spcBef>
+                <a:spcPts val="0"/>
+              </a:spcBef>
+              <a:spcAft>
+                <a:spcPts val="0"/>
+              </a:spcAft>
+              <a:buNone/>
+            </a:pPr>
             <a:endParaRPr/>
           </a:p>
         </p:txBody>
       </p:sp>
     </p:spTree>
+    <p:extLst>
+      <p:ext uri="{BB962C8B-B14F-4D97-AF65-F5344CB8AC3E}">
+        <p14:creationId xmlns:p14="http://schemas.microsoft.com/office/powerpoint/2010/main" val="2997487622"/>
+      </p:ext>
+    </p:extLst>
   </p:cSld>
   <p:clrMapOvr>
     <a:masterClrMapping/>
@@ -1199,11 +1269,11 @@
 </file>
 
 <file path=ppt/notesSlides/notesSlide6.xml><?xml version="1.0" encoding="utf-8"?>
-<p:notes xmlns:a="http://schemas.openxmlformats.org/drawingml/2006/main" xmlns:r="http://schemas.openxmlformats.org/officeDocument/2006/relationships" xmlns:mc="http://schemas.openxmlformats.org/markup-compatibility/2006" xmlns:mv="urn:schemas-microsoft-com:mac:vml" xmlns:p="http://schemas.openxmlformats.org/presentationml/2006/main" xmlns:c="http://schemas.openxmlformats.org/drawingml/2006/chart" xmlns:dgm="http://schemas.openxmlformats.org/drawingml/2006/diagram" xmlns:o="urn:schemas-microsoft-com:office:office" xmlns:v="urn:schemas-microsoft-com:vml" xmlns:pvml="urn:schemas-microsoft-com:office:powerpoint" xmlns:com="http://schemas.openxmlformats.org/drawingml/2006/compatibility" xmlns:p14="http://schemas.microsoft.com/office/powerpoint/2010/main" xmlns:p15="http://schemas.microsoft.com/office/powerpoint/2012/main" xmlns:ahyp="http://schemas.microsoft.com/office/drawing/2018/hyperlinkcolor" showMasterPhAnim="0" showMasterSp="0">
+<p:notes xmlns:a="http://schemas.openxmlformats.org/drawingml/2006/main" xmlns:r="http://schemas.openxmlformats.org/officeDocument/2006/relationships" xmlns:p="http://schemas.openxmlformats.org/presentationml/2006/main" showMasterSp="0" showMasterPhAnim="0">
   <p:cSld>
     <p:spTree>
       <p:nvGrpSpPr>
-        <p:cNvPr id="104" name="Shape 104"/>
+        <p:cNvPr id="1" name="Shape 104"/>
         <p:cNvGrpSpPr/>
         <p:nvPr/>
       </p:nvGrpSpPr>
@@ -1218,20 +1288,26 @@
       <p:sp>
         <p:nvSpPr>
           <p:cNvPr id="105" name="Google Shape;105;g95f4d59518_0_75:notes"/>
-          <p:cNvSpPr/>
+          <p:cNvSpPr>
+            <a:spLocks noGrp="1" noRot="1" noChangeAspect="1"/>
+          </p:cNvSpPr>
           <p:nvPr>
-            <p:ph idx="2" type="sldImg"/>
+            <p:ph type="sldImg" idx="2"/>
           </p:nvPr>
         </p:nvSpPr>
         <p:spPr>
           <a:xfrm>
-            <a:off x="381300" y="685800"/>
+            <a:off x="381000" y="685800"/>
             <a:ext cx="6096000" cy="3429000"/>
           </a:xfrm>
           <a:custGeom>
-            <a:rect b="b" l="l" r="r" t="t"/>
+            <a:avLst/>
+            <a:gdLst/>
+            <a:ahLst/>
+            <a:cxnLst/>
+            <a:rect l="l" t="t" r="r" b="b"/>
             <a:pathLst>
-              <a:path extrusionOk="0" h="120000" w="120000">
+              <a:path w="120000" h="120000" extrusionOk="0">
                 <a:moveTo>
                   <a:pt x="0" y="0"/>
                 </a:moveTo>
@@ -1253,9 +1329,11 @@
       <p:sp>
         <p:nvSpPr>
           <p:cNvPr id="106" name="Google Shape;106;g95f4d59518_0_75:notes"/>
-          <p:cNvSpPr txBox="1"/>
+          <p:cNvSpPr txBox="1">
+            <a:spLocks noGrp="1"/>
+          </p:cNvSpPr>
           <p:nvPr>
-            <p:ph idx="1" type="body"/>
+            <p:ph type="body" idx="1"/>
           </p:nvPr>
         </p:nvSpPr>
         <p:spPr>
@@ -1268,12 +1346,12 @@
           </a:prstGeom>
         </p:spPr>
         <p:txBody>
-          <a:bodyPr anchorCtr="0" anchor="t" bIns="91425" lIns="91425" spcFirstLastPara="1" rIns="91425" wrap="square" tIns="91425">
+          <a:bodyPr spcFirstLastPara="1" wrap="square" lIns="91425" tIns="91425" rIns="91425" bIns="91425" anchor="t" anchorCtr="0">
             <a:noAutofit/>
           </a:bodyPr>
           <a:lstStyle/>
           <a:p>
-            <a:pPr indent="0" lvl="0" marL="0" rtl="0" algn="l">
+            <a:pPr marL="0" lvl="0" indent="0" algn="l" rtl="0">
               <a:spcBef>
                 <a:spcPts val="0"/>
               </a:spcBef>
@@ -1289,22 +1367,19 @@
             <a:endParaRPr/>
           </a:p>
           <a:p>
-            <a:pPr indent="0" lvl="0" marL="0" rtl="0" algn="l">
-              <a:spcBef>
-                <a:spcPts val="0"/>
-              </a:spcBef>
-              <a:spcAft>
-                <a:spcPts val="0"/>
-              </a:spcAft>
-              <a:buNone/>
-            </a:pPr>
-            <a:r>
-              <a:t/>
-            </a:r>
+            <a:pPr marL="0" lvl="0" indent="0" algn="l" rtl="0">
+              <a:spcBef>
+                <a:spcPts val="0"/>
+              </a:spcBef>
+              <a:spcAft>
+                <a:spcPts val="0"/>
+              </a:spcAft>
+              <a:buNone/>
+            </a:pPr>
             <a:endParaRPr/>
           </a:p>
           <a:p>
-            <a:pPr indent="0" lvl="0" marL="0" rtl="0" algn="l">
+            <a:pPr marL="0" lvl="0" indent="0" algn="l" rtl="0">
               <a:spcBef>
                 <a:spcPts val="0"/>
               </a:spcBef>
@@ -1318,45 +1393,44 @@
                 <a:solidFill>
                   <a:schemeClr val="hlink"/>
                 </a:solidFill>
-                <a:hlinkClick r:id="rId2"/>
+                <a:hlinkClick r:id="rId3"/>
               </a:rPr>
               <a:t>https://brunomiura.typeform.com/to/IvcBtqKI</a:t>
             </a:r>
             <a:endParaRPr/>
           </a:p>
           <a:p>
-            <a:pPr indent="0" lvl="0" marL="0" rtl="0" algn="l">
-              <a:spcBef>
-                <a:spcPts val="0"/>
-              </a:spcBef>
-              <a:spcAft>
-                <a:spcPts val="0"/>
-              </a:spcAft>
-              <a:buNone/>
-            </a:pPr>
-            <a:r>
-              <a:t/>
-            </a:r>
+            <a:pPr marL="0" lvl="0" indent="0" algn="l" rtl="0">
+              <a:spcBef>
+                <a:spcPts val="0"/>
+              </a:spcBef>
+              <a:spcAft>
+                <a:spcPts val="0"/>
+              </a:spcAft>
+              <a:buNone/>
+            </a:pPr>
             <a:endParaRPr/>
           </a:p>
           <a:p>
-            <a:pPr indent="0" lvl="0" marL="0" rtl="0" algn="l">
-              <a:spcBef>
-                <a:spcPts val="0"/>
-              </a:spcBef>
-              <a:spcAft>
-                <a:spcPts val="0"/>
-              </a:spcAft>
-              <a:buNone/>
-            </a:pPr>
-            <a:r>
-              <a:t/>
-            </a:r>
+            <a:pPr marL="0" lvl="0" indent="0" algn="l" rtl="0">
+              <a:spcBef>
+                <a:spcPts val="0"/>
+              </a:spcBef>
+              <a:spcAft>
+                <a:spcPts val="0"/>
+              </a:spcAft>
+              <a:buNone/>
+            </a:pPr>
             <a:endParaRPr/>
           </a:p>
         </p:txBody>
       </p:sp>
     </p:spTree>
+    <p:extLst>
+      <p:ext uri="{BB962C8B-B14F-4D97-AF65-F5344CB8AC3E}">
+        <p14:creationId xmlns:p14="http://schemas.microsoft.com/office/powerpoint/2010/main" val="1650186018"/>
+      </p:ext>
+    </p:extLst>
   </p:cSld>
   <p:clrMapOvr>
     <a:masterClrMapping/>
@@ -1365,11 +1439,11 @@
 </file>
 
 <file path=ppt/slideLayouts/slideLayout1.xml><?xml version="1.0" encoding="utf-8"?>
-<p:sldLayout xmlns:a="http://schemas.openxmlformats.org/drawingml/2006/main" xmlns:r="http://schemas.openxmlformats.org/officeDocument/2006/relationships" xmlns:mc="http://schemas.openxmlformats.org/markup-compatibility/2006" xmlns:mv="urn:schemas-microsoft-com:mac:vml" xmlns:p="http://schemas.openxmlformats.org/presentationml/2006/main" xmlns:c="http://schemas.openxmlformats.org/drawingml/2006/chart" xmlns:dgm="http://schemas.openxmlformats.org/drawingml/2006/diagram" xmlns:o="urn:schemas-microsoft-com:office:office" xmlns:v="urn:schemas-microsoft-com:vml" xmlns:pvml="urn:schemas-microsoft-com:office:powerpoint" xmlns:com="http://schemas.openxmlformats.org/drawingml/2006/compatibility" xmlns:p14="http://schemas.microsoft.com/office/powerpoint/2010/main" xmlns:p15="http://schemas.microsoft.com/office/powerpoint/2012/main" xmlns:ahyp="http://schemas.microsoft.com/office/drawing/2018/hyperlinkcolor" matchingName="Title slide" type="title">
+<p:sldLayout xmlns:a="http://schemas.openxmlformats.org/drawingml/2006/main" xmlns:r="http://schemas.openxmlformats.org/officeDocument/2006/relationships" xmlns:p="http://schemas.openxmlformats.org/presentationml/2006/main" matchingName="Title slide" type="title">
   <p:cSld name="TITLE">
     <p:spTree>
       <p:nvGrpSpPr>
-        <p:cNvPr id="9" name="Shape 9"/>
+        <p:cNvPr id="1" name="Shape 9"/>
         <p:cNvGrpSpPr/>
         <p:nvPr/>
       </p:nvGrpSpPr>
@@ -1384,7 +1458,9 @@
       <p:sp>
         <p:nvSpPr>
           <p:cNvPr id="10" name="Google Shape;10;p2"/>
-          <p:cNvSpPr txBox="1"/>
+          <p:cNvSpPr txBox="1">
+            <a:spLocks noGrp="1"/>
+          </p:cNvSpPr>
           <p:nvPr>
             <p:ph type="ctrTitle"/>
           </p:nvPr>
@@ -1399,7 +1475,7 @@
           </a:prstGeom>
         </p:spPr>
         <p:txBody>
-          <a:bodyPr anchorCtr="0" anchor="b" bIns="91425" lIns="91425" spcFirstLastPara="1" rIns="91425" wrap="square" tIns="91425">
+          <a:bodyPr spcFirstLastPara="1" wrap="square" lIns="91425" tIns="91425" rIns="91425" bIns="91425" anchor="b" anchorCtr="0">
             <a:noAutofit/>
           </a:bodyPr>
           <a:lstStyle>
@@ -1503,15 +1579,19 @@
               <a:defRPr sz="5200"/>
             </a:lvl9pPr>
           </a:lstStyle>
-          <a:p/>
+          <a:p>
+            <a:endParaRPr/>
+          </a:p>
         </p:txBody>
       </p:sp>
       <p:sp>
         <p:nvSpPr>
           <p:cNvPr id="11" name="Google Shape;11;p2"/>
-          <p:cNvSpPr txBox="1"/>
+          <p:cNvSpPr txBox="1">
+            <a:spLocks noGrp="1"/>
+          </p:cNvSpPr>
           <p:nvPr>
-            <p:ph idx="1" type="subTitle"/>
+            <p:ph type="subTitle" idx="1"/>
           </p:nvPr>
         </p:nvSpPr>
         <p:spPr>
@@ -1524,7 +1604,7 @@
           </a:prstGeom>
         </p:spPr>
         <p:txBody>
-          <a:bodyPr anchorCtr="0" anchor="t" bIns="91425" lIns="91425" spcFirstLastPara="1" rIns="91425" wrap="square" tIns="91425">
+          <a:bodyPr spcFirstLastPara="1" wrap="square" lIns="91425" tIns="91425" rIns="91425" bIns="91425" anchor="t" anchorCtr="0">
             <a:noAutofit/>
           </a:bodyPr>
           <a:lstStyle>
@@ -1655,15 +1735,19 @@
               <a:defRPr sz="2800"/>
             </a:lvl9pPr>
           </a:lstStyle>
-          <a:p/>
+          <a:p>
+            <a:endParaRPr/>
+          </a:p>
         </p:txBody>
       </p:sp>
       <p:sp>
         <p:nvSpPr>
           <p:cNvPr id="12" name="Google Shape;12;p2"/>
-          <p:cNvSpPr txBox="1"/>
+          <p:cNvSpPr txBox="1">
+            <a:spLocks noGrp="1"/>
+          </p:cNvSpPr>
           <p:nvPr>
-            <p:ph idx="12" type="sldNum"/>
+            <p:ph type="sldNum" idx="12"/>
           </p:nvPr>
         </p:nvSpPr>
         <p:spPr>
@@ -1676,7 +1760,7 @@
           </a:prstGeom>
         </p:spPr>
         <p:txBody>
-          <a:bodyPr anchorCtr="0" anchor="ctr" bIns="91425" lIns="91425" spcFirstLastPara="1" rIns="91425" wrap="square" tIns="91425">
+          <a:bodyPr spcFirstLastPara="1" wrap="square" lIns="91425" tIns="91425" rIns="91425" bIns="91425" anchor="ctr" anchorCtr="0">
             <a:noAutofit/>
           </a:bodyPr>
           <a:lstStyle>
@@ -1718,7 +1802,7 @@
             </a:lvl9pPr>
           </a:lstStyle>
           <a:p>
-            <a:pPr indent="0" lvl="0" marL="0" rtl="0" algn="r">
+            <a:pPr marL="0" lvl="0" indent="0" algn="r" rtl="0">
               <a:spcBef>
                 <a:spcPts val="0"/>
               </a:spcBef>
@@ -1729,7 +1813,7 @@
             </a:pPr>
             <a:fld id="{00000000-1234-1234-1234-123412341234}" type="slidenum">
               <a:rPr lang="en"/>
-              <a:t>‹#›</a:t>
+              <a:t>‹nº›</a:t>
             </a:fld>
             <a:endParaRPr/>
           </a:p>
@@ -1744,11 +1828,11 @@
 </file>
 
 <file path=ppt/slideLayouts/slideLayout10.xml><?xml version="1.0" encoding="utf-8"?>
-<p:sldLayout xmlns:a="http://schemas.openxmlformats.org/drawingml/2006/main" xmlns:r="http://schemas.openxmlformats.org/officeDocument/2006/relationships" xmlns:mc="http://schemas.openxmlformats.org/markup-compatibility/2006" xmlns:mv="urn:schemas-microsoft-com:mac:vml" xmlns:p="http://schemas.openxmlformats.org/presentationml/2006/main" xmlns:c="http://schemas.openxmlformats.org/drawingml/2006/chart" xmlns:dgm="http://schemas.openxmlformats.org/drawingml/2006/diagram" xmlns:o="urn:schemas-microsoft-com:office:office" xmlns:v="urn:schemas-microsoft-com:vml" xmlns:pvml="urn:schemas-microsoft-com:office:powerpoint" xmlns:com="http://schemas.openxmlformats.org/drawingml/2006/compatibility" xmlns:p14="http://schemas.microsoft.com/office/powerpoint/2010/main" xmlns:p15="http://schemas.microsoft.com/office/powerpoint/2012/main" xmlns:ahyp="http://schemas.microsoft.com/office/drawing/2018/hyperlinkcolor" matchingName="Big number">
+<p:sldLayout xmlns:a="http://schemas.openxmlformats.org/drawingml/2006/main" xmlns:r="http://schemas.openxmlformats.org/officeDocument/2006/relationships" xmlns:p="http://schemas.openxmlformats.org/presentationml/2006/main" matchingName="Big number">
   <p:cSld name="BIG_NUMBER">
     <p:spTree>
       <p:nvGrpSpPr>
-        <p:cNvPr id="44" name="Shape 44"/>
+        <p:cNvPr id="1" name="Shape 44"/>
         <p:cNvGrpSpPr/>
         <p:nvPr/>
       </p:nvGrpSpPr>
@@ -1763,9 +1847,11 @@
       <p:sp>
         <p:nvSpPr>
           <p:cNvPr id="45" name="Google Shape;45;p11"/>
-          <p:cNvSpPr txBox="1"/>
+          <p:cNvSpPr txBox="1">
+            <a:spLocks noGrp="1"/>
+          </p:cNvSpPr>
           <p:nvPr>
-            <p:ph hasCustomPrompt="1" type="title"/>
+            <p:ph type="title" hasCustomPrompt="1"/>
           </p:nvPr>
         </p:nvSpPr>
         <p:spPr>
@@ -1778,7 +1864,7 @@
           </a:prstGeom>
         </p:spPr>
         <p:txBody>
-          <a:bodyPr anchorCtr="0" anchor="b" bIns="91425" lIns="91425" spcFirstLastPara="1" rIns="91425" wrap="square" tIns="91425">
+          <a:bodyPr spcFirstLastPara="1" wrap="square" lIns="91425" tIns="91425" rIns="91425" bIns="91425" anchor="b" anchorCtr="0">
             <a:noAutofit/>
           </a:bodyPr>
           <a:lstStyle>
@@ -1892,9 +1978,11 @@
       <p:sp>
         <p:nvSpPr>
           <p:cNvPr id="46" name="Google Shape;46;p11"/>
-          <p:cNvSpPr txBox="1"/>
+          <p:cNvSpPr txBox="1">
+            <a:spLocks noGrp="1"/>
+          </p:cNvSpPr>
           <p:nvPr>
-            <p:ph idx="1" type="body"/>
+            <p:ph type="body" idx="1"/>
           </p:nvPr>
         </p:nvSpPr>
         <p:spPr>
@@ -1907,11 +1995,11 @@
           </a:prstGeom>
         </p:spPr>
         <p:txBody>
-          <a:bodyPr anchorCtr="0" anchor="t" bIns="91425" lIns="91425" spcFirstLastPara="1" rIns="91425" wrap="square" tIns="91425">
+          <a:bodyPr spcFirstLastPara="1" wrap="square" lIns="91425" tIns="91425" rIns="91425" bIns="91425" anchor="t" anchorCtr="0">
             <a:noAutofit/>
           </a:bodyPr>
           <a:lstStyle>
-            <a:lvl1pPr indent="-342900" lvl="0" marL="457200" algn="ctr">
+            <a:lvl1pPr marL="457200" lvl="0" indent="-342900" algn="ctr">
               <a:spcBef>
                 <a:spcPts val="0"/>
               </a:spcBef>
@@ -1922,7 +2010,7 @@
               <a:buChar char="●"/>
               <a:defRPr/>
             </a:lvl1pPr>
-            <a:lvl2pPr indent="-317500" lvl="1" marL="914400" algn="ctr">
+            <a:lvl2pPr marL="914400" lvl="1" indent="-317500" algn="ctr">
               <a:spcBef>
                 <a:spcPts val="1600"/>
               </a:spcBef>
@@ -1933,7 +2021,7 @@
               <a:buChar char="○"/>
               <a:defRPr/>
             </a:lvl2pPr>
-            <a:lvl3pPr indent="-317500" lvl="2" marL="1371600" algn="ctr">
+            <a:lvl3pPr marL="1371600" lvl="2" indent="-317500" algn="ctr">
               <a:spcBef>
                 <a:spcPts val="1600"/>
               </a:spcBef>
@@ -1944,7 +2032,7 @@
               <a:buChar char="■"/>
               <a:defRPr/>
             </a:lvl3pPr>
-            <a:lvl4pPr indent="-317500" lvl="3" marL="1828800" algn="ctr">
+            <a:lvl4pPr marL="1828800" lvl="3" indent="-317500" algn="ctr">
               <a:spcBef>
                 <a:spcPts val="1600"/>
               </a:spcBef>
@@ -1955,7 +2043,7 @@
               <a:buChar char="●"/>
               <a:defRPr/>
             </a:lvl4pPr>
-            <a:lvl5pPr indent="-317500" lvl="4" marL="2286000" algn="ctr">
+            <a:lvl5pPr marL="2286000" lvl="4" indent="-317500" algn="ctr">
               <a:spcBef>
                 <a:spcPts val="1600"/>
               </a:spcBef>
@@ -1966,7 +2054,7 @@
               <a:buChar char="○"/>
               <a:defRPr/>
             </a:lvl5pPr>
-            <a:lvl6pPr indent="-317500" lvl="5" marL="2743200" algn="ctr">
+            <a:lvl6pPr marL="2743200" lvl="5" indent="-317500" algn="ctr">
               <a:spcBef>
                 <a:spcPts val="1600"/>
               </a:spcBef>
@@ -1977,7 +2065,7 @@
               <a:buChar char="■"/>
               <a:defRPr/>
             </a:lvl6pPr>
-            <a:lvl7pPr indent="-317500" lvl="6" marL="3200400" algn="ctr">
+            <a:lvl7pPr marL="3200400" lvl="6" indent="-317500" algn="ctr">
               <a:spcBef>
                 <a:spcPts val="1600"/>
               </a:spcBef>
@@ -1988,7 +2076,7 @@
               <a:buChar char="●"/>
               <a:defRPr/>
             </a:lvl7pPr>
-            <a:lvl8pPr indent="-317500" lvl="7" marL="3657600" algn="ctr">
+            <a:lvl8pPr marL="3657600" lvl="7" indent="-317500" algn="ctr">
               <a:spcBef>
                 <a:spcPts val="1600"/>
               </a:spcBef>
@@ -1999,7 +2087,7 @@
               <a:buChar char="○"/>
               <a:defRPr/>
             </a:lvl8pPr>
-            <a:lvl9pPr indent="-317500" lvl="8" marL="4114800" algn="ctr">
+            <a:lvl9pPr marL="4114800" lvl="8" indent="-317500" algn="ctr">
               <a:spcBef>
                 <a:spcPts val="1600"/>
               </a:spcBef>
@@ -2011,15 +2099,19 @@
               <a:defRPr/>
             </a:lvl9pPr>
           </a:lstStyle>
-          <a:p/>
+          <a:p>
+            <a:endParaRPr/>
+          </a:p>
         </p:txBody>
       </p:sp>
       <p:sp>
         <p:nvSpPr>
           <p:cNvPr id="47" name="Google Shape;47;p11"/>
-          <p:cNvSpPr txBox="1"/>
+          <p:cNvSpPr txBox="1">
+            <a:spLocks noGrp="1"/>
+          </p:cNvSpPr>
           <p:nvPr>
-            <p:ph idx="12" type="sldNum"/>
+            <p:ph type="sldNum" idx="12"/>
           </p:nvPr>
         </p:nvSpPr>
         <p:spPr>
@@ -2032,7 +2124,7 @@
           </a:prstGeom>
         </p:spPr>
         <p:txBody>
-          <a:bodyPr anchorCtr="0" anchor="ctr" bIns="91425" lIns="91425" spcFirstLastPara="1" rIns="91425" wrap="square" tIns="91425">
+          <a:bodyPr spcFirstLastPara="1" wrap="square" lIns="91425" tIns="91425" rIns="91425" bIns="91425" anchor="ctr" anchorCtr="0">
             <a:noAutofit/>
           </a:bodyPr>
           <a:lstStyle>
@@ -2074,7 +2166,7 @@
             </a:lvl9pPr>
           </a:lstStyle>
           <a:p>
-            <a:pPr indent="0" lvl="0" marL="0" rtl="0" algn="r">
+            <a:pPr marL="0" lvl="0" indent="0" algn="r" rtl="0">
               <a:spcBef>
                 <a:spcPts val="0"/>
               </a:spcBef>
@@ -2085,7 +2177,7 @@
             </a:pPr>
             <a:fld id="{00000000-1234-1234-1234-123412341234}" type="slidenum">
               <a:rPr lang="en"/>
-              <a:t>‹#›</a:t>
+              <a:t>‹nº›</a:t>
             </a:fld>
             <a:endParaRPr/>
           </a:p>
@@ -2100,11 +2192,11 @@
 </file>
 
 <file path=ppt/slideLayouts/slideLayout11.xml><?xml version="1.0" encoding="utf-8"?>
-<p:sldLayout xmlns:a="http://schemas.openxmlformats.org/drawingml/2006/main" xmlns:r="http://schemas.openxmlformats.org/officeDocument/2006/relationships" xmlns:mc="http://schemas.openxmlformats.org/markup-compatibility/2006" xmlns:mv="urn:schemas-microsoft-com:mac:vml" xmlns:p="http://schemas.openxmlformats.org/presentationml/2006/main" xmlns:c="http://schemas.openxmlformats.org/drawingml/2006/chart" xmlns:dgm="http://schemas.openxmlformats.org/drawingml/2006/diagram" xmlns:o="urn:schemas-microsoft-com:office:office" xmlns:v="urn:schemas-microsoft-com:vml" xmlns:pvml="urn:schemas-microsoft-com:office:powerpoint" xmlns:com="http://schemas.openxmlformats.org/drawingml/2006/compatibility" xmlns:p14="http://schemas.microsoft.com/office/powerpoint/2010/main" xmlns:p15="http://schemas.microsoft.com/office/powerpoint/2012/main" xmlns:ahyp="http://schemas.microsoft.com/office/drawing/2018/hyperlinkcolor" matchingName="Blank" type="blank">
+<p:sldLayout xmlns:a="http://schemas.openxmlformats.org/drawingml/2006/main" xmlns:r="http://schemas.openxmlformats.org/officeDocument/2006/relationships" xmlns:p="http://schemas.openxmlformats.org/presentationml/2006/main" matchingName="Blank" type="blank">
   <p:cSld name="BLANK">
     <p:spTree>
       <p:nvGrpSpPr>
-        <p:cNvPr id="48" name="Shape 48"/>
+        <p:cNvPr id="1" name="Shape 48"/>
         <p:cNvGrpSpPr/>
         <p:nvPr/>
       </p:nvGrpSpPr>
@@ -2119,9 +2211,11 @@
       <p:sp>
         <p:nvSpPr>
           <p:cNvPr id="49" name="Google Shape;49;p12"/>
-          <p:cNvSpPr txBox="1"/>
+          <p:cNvSpPr txBox="1">
+            <a:spLocks noGrp="1"/>
+          </p:cNvSpPr>
           <p:nvPr>
-            <p:ph idx="12" type="sldNum"/>
+            <p:ph type="sldNum" idx="12"/>
           </p:nvPr>
         </p:nvSpPr>
         <p:spPr>
@@ -2134,7 +2228,7 @@
           </a:prstGeom>
         </p:spPr>
         <p:txBody>
-          <a:bodyPr anchorCtr="0" anchor="ctr" bIns="91425" lIns="91425" spcFirstLastPara="1" rIns="91425" wrap="square" tIns="91425">
+          <a:bodyPr spcFirstLastPara="1" wrap="square" lIns="91425" tIns="91425" rIns="91425" bIns="91425" anchor="ctr" anchorCtr="0">
             <a:noAutofit/>
           </a:bodyPr>
           <a:lstStyle>
@@ -2176,7 +2270,7 @@
             </a:lvl9pPr>
           </a:lstStyle>
           <a:p>
-            <a:pPr indent="0" lvl="0" marL="0" rtl="0" algn="r">
+            <a:pPr marL="0" lvl="0" indent="0" algn="r" rtl="0">
               <a:spcBef>
                 <a:spcPts val="0"/>
               </a:spcBef>
@@ -2187,7 +2281,7 @@
             </a:pPr>
             <a:fld id="{00000000-1234-1234-1234-123412341234}" type="slidenum">
               <a:rPr lang="en"/>
-              <a:t>‹#›</a:t>
+              <a:t>‹nº›</a:t>
             </a:fld>
             <a:endParaRPr/>
           </a:p>
@@ -2202,11 +2296,11 @@
 </file>
 
 <file path=ppt/slideLayouts/slideLayout2.xml><?xml version="1.0" encoding="utf-8"?>
-<p:sldLayout xmlns:a="http://schemas.openxmlformats.org/drawingml/2006/main" xmlns:r="http://schemas.openxmlformats.org/officeDocument/2006/relationships" xmlns:mc="http://schemas.openxmlformats.org/markup-compatibility/2006" xmlns:mv="urn:schemas-microsoft-com:mac:vml" xmlns:p="http://schemas.openxmlformats.org/presentationml/2006/main" xmlns:c="http://schemas.openxmlformats.org/drawingml/2006/chart" xmlns:dgm="http://schemas.openxmlformats.org/drawingml/2006/diagram" xmlns:o="urn:schemas-microsoft-com:office:office" xmlns:v="urn:schemas-microsoft-com:vml" xmlns:pvml="urn:schemas-microsoft-com:office:powerpoint" xmlns:com="http://schemas.openxmlformats.org/drawingml/2006/compatibility" xmlns:p14="http://schemas.microsoft.com/office/powerpoint/2010/main" xmlns:p15="http://schemas.microsoft.com/office/powerpoint/2012/main" xmlns:ahyp="http://schemas.microsoft.com/office/drawing/2018/hyperlinkcolor" matchingName="Section header" type="secHead">
+<p:sldLayout xmlns:a="http://schemas.openxmlformats.org/drawingml/2006/main" xmlns:r="http://schemas.openxmlformats.org/officeDocument/2006/relationships" xmlns:p="http://schemas.openxmlformats.org/presentationml/2006/main" matchingName="Section header" type="secHead">
   <p:cSld name="SECTION_HEADER">
     <p:spTree>
       <p:nvGrpSpPr>
-        <p:cNvPr id="13" name="Shape 13"/>
+        <p:cNvPr id="1" name="Shape 13"/>
         <p:cNvGrpSpPr/>
         <p:nvPr/>
       </p:nvGrpSpPr>
@@ -2221,7 +2315,9 @@
       <p:sp>
         <p:nvSpPr>
           <p:cNvPr id="14" name="Google Shape;14;p3"/>
-          <p:cNvSpPr txBox="1"/>
+          <p:cNvSpPr txBox="1">
+            <a:spLocks noGrp="1"/>
+          </p:cNvSpPr>
           <p:nvPr>
             <p:ph type="title"/>
           </p:nvPr>
@@ -2236,7 +2332,7 @@
           </a:prstGeom>
         </p:spPr>
         <p:txBody>
-          <a:bodyPr anchorCtr="0" anchor="ctr" bIns="91425" lIns="91425" spcFirstLastPara="1" rIns="91425" wrap="square" tIns="91425">
+          <a:bodyPr spcFirstLastPara="1" wrap="square" lIns="91425" tIns="91425" rIns="91425" bIns="91425" anchor="ctr" anchorCtr="0">
             <a:noAutofit/>
           </a:bodyPr>
           <a:lstStyle>
@@ -2340,15 +2436,19 @@
               <a:defRPr sz="3600"/>
             </a:lvl9pPr>
           </a:lstStyle>
-          <a:p/>
+          <a:p>
+            <a:endParaRPr/>
+          </a:p>
         </p:txBody>
       </p:sp>
       <p:sp>
         <p:nvSpPr>
           <p:cNvPr id="15" name="Google Shape;15;p3"/>
-          <p:cNvSpPr txBox="1"/>
+          <p:cNvSpPr txBox="1">
+            <a:spLocks noGrp="1"/>
+          </p:cNvSpPr>
           <p:nvPr>
-            <p:ph idx="12" type="sldNum"/>
+            <p:ph type="sldNum" idx="12"/>
           </p:nvPr>
         </p:nvSpPr>
         <p:spPr>
@@ -2361,7 +2461,7 @@
           </a:prstGeom>
         </p:spPr>
         <p:txBody>
-          <a:bodyPr anchorCtr="0" anchor="ctr" bIns="91425" lIns="91425" spcFirstLastPara="1" rIns="91425" wrap="square" tIns="91425">
+          <a:bodyPr spcFirstLastPara="1" wrap="square" lIns="91425" tIns="91425" rIns="91425" bIns="91425" anchor="ctr" anchorCtr="0">
             <a:noAutofit/>
           </a:bodyPr>
           <a:lstStyle>
@@ -2403,7 +2503,7 @@
             </a:lvl9pPr>
           </a:lstStyle>
           <a:p>
-            <a:pPr indent="0" lvl="0" marL="0" rtl="0" algn="r">
+            <a:pPr marL="0" lvl="0" indent="0" algn="r" rtl="0">
               <a:spcBef>
                 <a:spcPts val="0"/>
               </a:spcBef>
@@ -2414,7 +2514,7 @@
             </a:pPr>
             <a:fld id="{00000000-1234-1234-1234-123412341234}" type="slidenum">
               <a:rPr lang="en"/>
-              <a:t>‹#›</a:t>
+              <a:t>‹nº›</a:t>
             </a:fld>
             <a:endParaRPr/>
           </a:p>
@@ -2429,11 +2529,11 @@
 </file>
 
 <file path=ppt/slideLayouts/slideLayout3.xml><?xml version="1.0" encoding="utf-8"?>
-<p:sldLayout xmlns:a="http://schemas.openxmlformats.org/drawingml/2006/main" xmlns:r="http://schemas.openxmlformats.org/officeDocument/2006/relationships" xmlns:mc="http://schemas.openxmlformats.org/markup-compatibility/2006" xmlns:mv="urn:schemas-microsoft-com:mac:vml" xmlns:p="http://schemas.openxmlformats.org/presentationml/2006/main" xmlns:c="http://schemas.openxmlformats.org/drawingml/2006/chart" xmlns:dgm="http://schemas.openxmlformats.org/drawingml/2006/diagram" xmlns:o="urn:schemas-microsoft-com:office:office" xmlns:v="urn:schemas-microsoft-com:vml" xmlns:pvml="urn:schemas-microsoft-com:office:powerpoint" xmlns:com="http://schemas.openxmlformats.org/drawingml/2006/compatibility" xmlns:p14="http://schemas.microsoft.com/office/powerpoint/2010/main" xmlns:p15="http://schemas.microsoft.com/office/powerpoint/2012/main" xmlns:ahyp="http://schemas.microsoft.com/office/drawing/2018/hyperlinkcolor" matchingName="Title and body" type="tx">
+<p:sldLayout xmlns:a="http://schemas.openxmlformats.org/drawingml/2006/main" xmlns:r="http://schemas.openxmlformats.org/officeDocument/2006/relationships" xmlns:p="http://schemas.openxmlformats.org/presentationml/2006/main" matchingName="Title and body" type="tx">
   <p:cSld name="TITLE_AND_BODY">
     <p:spTree>
       <p:nvGrpSpPr>
-        <p:cNvPr id="16" name="Shape 16"/>
+        <p:cNvPr id="1" name="Shape 16"/>
         <p:cNvGrpSpPr/>
         <p:nvPr/>
       </p:nvGrpSpPr>
@@ -2448,7 +2548,9 @@
       <p:sp>
         <p:nvSpPr>
           <p:cNvPr id="17" name="Google Shape;17;p4"/>
-          <p:cNvSpPr txBox="1"/>
+          <p:cNvSpPr txBox="1">
+            <a:spLocks noGrp="1"/>
+          </p:cNvSpPr>
           <p:nvPr>
             <p:ph type="title"/>
           </p:nvPr>
@@ -2463,7 +2565,7 @@
           </a:prstGeom>
         </p:spPr>
         <p:txBody>
-          <a:bodyPr anchorCtr="0" anchor="t" bIns="91425" lIns="91425" spcFirstLastPara="1" rIns="91425" wrap="square" tIns="91425">
+          <a:bodyPr spcFirstLastPara="1" wrap="square" lIns="91425" tIns="91425" rIns="91425" bIns="91425" anchor="t" anchorCtr="0">
             <a:noAutofit/>
           </a:bodyPr>
           <a:lstStyle>
@@ -2567,15 +2669,19 @@
               <a:defRPr/>
             </a:lvl9pPr>
           </a:lstStyle>
-          <a:p/>
+          <a:p>
+            <a:endParaRPr/>
+          </a:p>
         </p:txBody>
       </p:sp>
       <p:sp>
         <p:nvSpPr>
           <p:cNvPr id="18" name="Google Shape;18;p4"/>
-          <p:cNvSpPr txBox="1"/>
+          <p:cNvSpPr txBox="1">
+            <a:spLocks noGrp="1"/>
+          </p:cNvSpPr>
           <p:nvPr>
-            <p:ph idx="1" type="body"/>
+            <p:ph type="body" idx="1"/>
           </p:nvPr>
         </p:nvSpPr>
         <p:spPr>
@@ -2588,11 +2694,11 @@
           </a:prstGeom>
         </p:spPr>
         <p:txBody>
-          <a:bodyPr anchorCtr="0" anchor="t" bIns="91425" lIns="91425" spcFirstLastPara="1" rIns="91425" wrap="square" tIns="91425">
+          <a:bodyPr spcFirstLastPara="1" wrap="square" lIns="91425" tIns="91425" rIns="91425" bIns="91425" anchor="t" anchorCtr="0">
             <a:noAutofit/>
           </a:bodyPr>
           <a:lstStyle>
-            <a:lvl1pPr indent="-342900" lvl="0" marL="457200">
+            <a:lvl1pPr marL="457200" lvl="0" indent="-342900">
               <a:spcBef>
                 <a:spcPts val="0"/>
               </a:spcBef>
@@ -2603,7 +2709,7 @@
               <a:buChar char="●"/>
               <a:defRPr/>
             </a:lvl1pPr>
-            <a:lvl2pPr indent="-317500" lvl="1" marL="914400">
+            <a:lvl2pPr marL="914400" lvl="1" indent="-317500">
               <a:spcBef>
                 <a:spcPts val="1600"/>
               </a:spcBef>
@@ -2614,7 +2720,7 @@
               <a:buChar char="○"/>
               <a:defRPr/>
             </a:lvl2pPr>
-            <a:lvl3pPr indent="-317500" lvl="2" marL="1371600">
+            <a:lvl3pPr marL="1371600" lvl="2" indent="-317500">
               <a:spcBef>
                 <a:spcPts val="1600"/>
               </a:spcBef>
@@ -2625,7 +2731,7 @@
               <a:buChar char="■"/>
               <a:defRPr/>
             </a:lvl3pPr>
-            <a:lvl4pPr indent="-317500" lvl="3" marL="1828800">
+            <a:lvl4pPr marL="1828800" lvl="3" indent="-317500">
               <a:spcBef>
                 <a:spcPts val="1600"/>
               </a:spcBef>
@@ -2636,7 +2742,7 @@
               <a:buChar char="●"/>
               <a:defRPr/>
             </a:lvl4pPr>
-            <a:lvl5pPr indent="-317500" lvl="4" marL="2286000">
+            <a:lvl5pPr marL="2286000" lvl="4" indent="-317500">
               <a:spcBef>
                 <a:spcPts val="1600"/>
               </a:spcBef>
@@ -2647,7 +2753,7 @@
               <a:buChar char="○"/>
               <a:defRPr/>
             </a:lvl5pPr>
-            <a:lvl6pPr indent="-317500" lvl="5" marL="2743200">
+            <a:lvl6pPr marL="2743200" lvl="5" indent="-317500">
               <a:spcBef>
                 <a:spcPts val="1600"/>
               </a:spcBef>
@@ -2658,7 +2764,7 @@
               <a:buChar char="■"/>
               <a:defRPr/>
             </a:lvl6pPr>
-            <a:lvl7pPr indent="-317500" lvl="6" marL="3200400">
+            <a:lvl7pPr marL="3200400" lvl="6" indent="-317500">
               <a:spcBef>
                 <a:spcPts val="1600"/>
               </a:spcBef>
@@ -2669,7 +2775,7 @@
               <a:buChar char="●"/>
               <a:defRPr/>
             </a:lvl7pPr>
-            <a:lvl8pPr indent="-317500" lvl="7" marL="3657600">
+            <a:lvl8pPr marL="3657600" lvl="7" indent="-317500">
               <a:spcBef>
                 <a:spcPts val="1600"/>
               </a:spcBef>
@@ -2680,7 +2786,7 @@
               <a:buChar char="○"/>
               <a:defRPr/>
             </a:lvl8pPr>
-            <a:lvl9pPr indent="-317500" lvl="8" marL="4114800">
+            <a:lvl9pPr marL="4114800" lvl="8" indent="-317500">
               <a:spcBef>
                 <a:spcPts val="1600"/>
               </a:spcBef>
@@ -2692,15 +2798,19 @@
               <a:defRPr/>
             </a:lvl9pPr>
           </a:lstStyle>
-          <a:p/>
+          <a:p>
+            <a:endParaRPr/>
+          </a:p>
         </p:txBody>
       </p:sp>
       <p:sp>
         <p:nvSpPr>
           <p:cNvPr id="19" name="Google Shape;19;p4"/>
-          <p:cNvSpPr txBox="1"/>
+          <p:cNvSpPr txBox="1">
+            <a:spLocks noGrp="1"/>
+          </p:cNvSpPr>
           <p:nvPr>
-            <p:ph idx="12" type="sldNum"/>
+            <p:ph type="sldNum" idx="12"/>
           </p:nvPr>
         </p:nvSpPr>
         <p:spPr>
@@ -2713,7 +2823,7 @@
           </a:prstGeom>
         </p:spPr>
         <p:txBody>
-          <a:bodyPr anchorCtr="0" anchor="ctr" bIns="91425" lIns="91425" spcFirstLastPara="1" rIns="91425" wrap="square" tIns="91425">
+          <a:bodyPr spcFirstLastPara="1" wrap="square" lIns="91425" tIns="91425" rIns="91425" bIns="91425" anchor="ctr" anchorCtr="0">
             <a:noAutofit/>
           </a:bodyPr>
           <a:lstStyle>
@@ -2755,7 +2865,7 @@
             </a:lvl9pPr>
           </a:lstStyle>
           <a:p>
-            <a:pPr indent="0" lvl="0" marL="0" rtl="0" algn="r">
+            <a:pPr marL="0" lvl="0" indent="0" algn="r" rtl="0">
               <a:spcBef>
                 <a:spcPts val="0"/>
               </a:spcBef>
@@ -2766,7 +2876,7 @@
             </a:pPr>
             <a:fld id="{00000000-1234-1234-1234-123412341234}" type="slidenum">
               <a:rPr lang="en"/>
-              <a:t>‹#›</a:t>
+              <a:t>‹nº›</a:t>
             </a:fld>
             <a:endParaRPr/>
           </a:p>
@@ -2781,11 +2891,11 @@
 </file>
 
 <file path=ppt/slideLayouts/slideLayout4.xml><?xml version="1.0" encoding="utf-8"?>
-<p:sldLayout xmlns:a="http://schemas.openxmlformats.org/drawingml/2006/main" xmlns:r="http://schemas.openxmlformats.org/officeDocument/2006/relationships" xmlns:mc="http://schemas.openxmlformats.org/markup-compatibility/2006" xmlns:mv="urn:schemas-microsoft-com:mac:vml" xmlns:p="http://schemas.openxmlformats.org/presentationml/2006/main" xmlns:c="http://schemas.openxmlformats.org/drawingml/2006/chart" xmlns:dgm="http://schemas.openxmlformats.org/drawingml/2006/diagram" xmlns:o="urn:schemas-microsoft-com:office:office" xmlns:v="urn:schemas-microsoft-com:vml" xmlns:pvml="urn:schemas-microsoft-com:office:powerpoint" xmlns:com="http://schemas.openxmlformats.org/drawingml/2006/compatibility" xmlns:p14="http://schemas.microsoft.com/office/powerpoint/2010/main" xmlns:p15="http://schemas.microsoft.com/office/powerpoint/2012/main" xmlns:ahyp="http://schemas.microsoft.com/office/drawing/2018/hyperlinkcolor" matchingName="Title and two columns" type="twoColTx">
+<p:sldLayout xmlns:a="http://schemas.openxmlformats.org/drawingml/2006/main" xmlns:r="http://schemas.openxmlformats.org/officeDocument/2006/relationships" xmlns:p="http://schemas.openxmlformats.org/presentationml/2006/main" matchingName="Title and two columns" type="twoColTx">
   <p:cSld name="TITLE_AND_TWO_COLUMNS">
     <p:spTree>
       <p:nvGrpSpPr>
-        <p:cNvPr id="20" name="Shape 20"/>
+        <p:cNvPr id="1" name="Shape 20"/>
         <p:cNvGrpSpPr/>
         <p:nvPr/>
       </p:nvGrpSpPr>
@@ -2800,7 +2910,9 @@
       <p:sp>
         <p:nvSpPr>
           <p:cNvPr id="21" name="Google Shape;21;p5"/>
-          <p:cNvSpPr txBox="1"/>
+          <p:cNvSpPr txBox="1">
+            <a:spLocks noGrp="1"/>
+          </p:cNvSpPr>
           <p:nvPr>
             <p:ph type="title"/>
           </p:nvPr>
@@ -2815,7 +2927,7 @@
           </a:prstGeom>
         </p:spPr>
         <p:txBody>
-          <a:bodyPr anchorCtr="0" anchor="t" bIns="91425" lIns="91425" spcFirstLastPara="1" rIns="91425" wrap="square" tIns="91425">
+          <a:bodyPr spcFirstLastPara="1" wrap="square" lIns="91425" tIns="91425" rIns="91425" bIns="91425" anchor="t" anchorCtr="0">
             <a:noAutofit/>
           </a:bodyPr>
           <a:lstStyle>
@@ -2919,15 +3031,19 @@
               <a:defRPr/>
             </a:lvl9pPr>
           </a:lstStyle>
-          <a:p/>
+          <a:p>
+            <a:endParaRPr/>
+          </a:p>
         </p:txBody>
       </p:sp>
       <p:sp>
         <p:nvSpPr>
           <p:cNvPr id="22" name="Google Shape;22;p5"/>
-          <p:cNvSpPr txBox="1"/>
+          <p:cNvSpPr txBox="1">
+            <a:spLocks noGrp="1"/>
+          </p:cNvSpPr>
           <p:nvPr>
-            <p:ph idx="1" type="body"/>
+            <p:ph type="body" idx="1"/>
           </p:nvPr>
         </p:nvSpPr>
         <p:spPr>
@@ -2940,11 +3056,11 @@
           </a:prstGeom>
         </p:spPr>
         <p:txBody>
-          <a:bodyPr anchorCtr="0" anchor="t" bIns="91425" lIns="91425" spcFirstLastPara="1" rIns="91425" wrap="square" tIns="91425">
+          <a:bodyPr spcFirstLastPara="1" wrap="square" lIns="91425" tIns="91425" rIns="91425" bIns="91425" anchor="t" anchorCtr="0">
             <a:noAutofit/>
           </a:bodyPr>
           <a:lstStyle>
-            <a:lvl1pPr indent="-317500" lvl="0" marL="457200">
+            <a:lvl1pPr marL="457200" lvl="0" indent="-317500">
               <a:spcBef>
                 <a:spcPts val="0"/>
               </a:spcBef>
@@ -2955,7 +3071,7 @@
               <a:buChar char="●"/>
               <a:defRPr sz="1400"/>
             </a:lvl1pPr>
-            <a:lvl2pPr indent="-304800" lvl="1" marL="914400">
+            <a:lvl2pPr marL="914400" lvl="1" indent="-304800">
               <a:spcBef>
                 <a:spcPts val="1600"/>
               </a:spcBef>
@@ -2966,7 +3082,7 @@
               <a:buChar char="○"/>
               <a:defRPr sz="1200"/>
             </a:lvl2pPr>
-            <a:lvl3pPr indent="-304800" lvl="2" marL="1371600">
+            <a:lvl3pPr marL="1371600" lvl="2" indent="-304800">
               <a:spcBef>
                 <a:spcPts val="1600"/>
               </a:spcBef>
@@ -2977,7 +3093,7 @@
               <a:buChar char="■"/>
               <a:defRPr sz="1200"/>
             </a:lvl3pPr>
-            <a:lvl4pPr indent="-304800" lvl="3" marL="1828800">
+            <a:lvl4pPr marL="1828800" lvl="3" indent="-304800">
               <a:spcBef>
                 <a:spcPts val="1600"/>
               </a:spcBef>
@@ -2988,7 +3104,7 @@
               <a:buChar char="●"/>
               <a:defRPr sz="1200"/>
             </a:lvl4pPr>
-            <a:lvl5pPr indent="-304800" lvl="4" marL="2286000">
+            <a:lvl5pPr marL="2286000" lvl="4" indent="-304800">
               <a:spcBef>
                 <a:spcPts val="1600"/>
               </a:spcBef>
@@ -2999,7 +3115,7 @@
               <a:buChar char="○"/>
               <a:defRPr sz="1200"/>
             </a:lvl5pPr>
-            <a:lvl6pPr indent="-304800" lvl="5" marL="2743200">
+            <a:lvl6pPr marL="2743200" lvl="5" indent="-304800">
               <a:spcBef>
                 <a:spcPts val="1600"/>
               </a:spcBef>
@@ -3010,7 +3126,7 @@
               <a:buChar char="■"/>
               <a:defRPr sz="1200"/>
             </a:lvl6pPr>
-            <a:lvl7pPr indent="-304800" lvl="6" marL="3200400">
+            <a:lvl7pPr marL="3200400" lvl="6" indent="-304800">
               <a:spcBef>
                 <a:spcPts val="1600"/>
               </a:spcBef>
@@ -3021,7 +3137,7 @@
               <a:buChar char="●"/>
               <a:defRPr sz="1200"/>
             </a:lvl7pPr>
-            <a:lvl8pPr indent="-304800" lvl="7" marL="3657600">
+            <a:lvl8pPr marL="3657600" lvl="7" indent="-304800">
               <a:spcBef>
                 <a:spcPts val="1600"/>
               </a:spcBef>
@@ -3032,7 +3148,7 @@
               <a:buChar char="○"/>
               <a:defRPr sz="1200"/>
             </a:lvl8pPr>
-            <a:lvl9pPr indent="-304800" lvl="8" marL="4114800">
+            <a:lvl9pPr marL="4114800" lvl="8" indent="-304800">
               <a:spcBef>
                 <a:spcPts val="1600"/>
               </a:spcBef>
@@ -3044,15 +3160,19 @@
               <a:defRPr sz="1200"/>
             </a:lvl9pPr>
           </a:lstStyle>
-          <a:p/>
+          <a:p>
+            <a:endParaRPr/>
+          </a:p>
         </p:txBody>
       </p:sp>
       <p:sp>
         <p:nvSpPr>
           <p:cNvPr id="23" name="Google Shape;23;p5"/>
-          <p:cNvSpPr txBox="1"/>
+          <p:cNvSpPr txBox="1">
+            <a:spLocks noGrp="1"/>
+          </p:cNvSpPr>
           <p:nvPr>
-            <p:ph idx="2" type="body"/>
+            <p:ph type="body" idx="2"/>
           </p:nvPr>
         </p:nvSpPr>
         <p:spPr>
@@ -3065,11 +3185,11 @@
           </a:prstGeom>
         </p:spPr>
         <p:txBody>
-          <a:bodyPr anchorCtr="0" anchor="t" bIns="91425" lIns="91425" spcFirstLastPara="1" rIns="91425" wrap="square" tIns="91425">
+          <a:bodyPr spcFirstLastPara="1" wrap="square" lIns="91425" tIns="91425" rIns="91425" bIns="91425" anchor="t" anchorCtr="0">
             <a:noAutofit/>
           </a:bodyPr>
           <a:lstStyle>
-            <a:lvl1pPr indent="-317500" lvl="0" marL="457200">
+            <a:lvl1pPr marL="457200" lvl="0" indent="-317500">
               <a:spcBef>
                 <a:spcPts val="0"/>
               </a:spcBef>
@@ -3080,7 +3200,7 @@
               <a:buChar char="●"/>
               <a:defRPr sz="1400"/>
             </a:lvl1pPr>
-            <a:lvl2pPr indent="-304800" lvl="1" marL="914400">
+            <a:lvl2pPr marL="914400" lvl="1" indent="-304800">
               <a:spcBef>
                 <a:spcPts val="1600"/>
               </a:spcBef>
@@ -3091,7 +3211,7 @@
               <a:buChar char="○"/>
               <a:defRPr sz="1200"/>
             </a:lvl2pPr>
-            <a:lvl3pPr indent="-304800" lvl="2" marL="1371600">
+            <a:lvl3pPr marL="1371600" lvl="2" indent="-304800">
               <a:spcBef>
                 <a:spcPts val="1600"/>
               </a:spcBef>
@@ -3102,7 +3222,7 @@
               <a:buChar char="■"/>
               <a:defRPr sz="1200"/>
             </a:lvl3pPr>
-            <a:lvl4pPr indent="-304800" lvl="3" marL="1828800">
+            <a:lvl4pPr marL="1828800" lvl="3" indent="-304800">
               <a:spcBef>
                 <a:spcPts val="1600"/>
               </a:spcBef>
@@ -3113,7 +3233,7 @@
               <a:buChar char="●"/>
               <a:defRPr sz="1200"/>
             </a:lvl4pPr>
-            <a:lvl5pPr indent="-304800" lvl="4" marL="2286000">
+            <a:lvl5pPr marL="2286000" lvl="4" indent="-304800">
               <a:spcBef>
                 <a:spcPts val="1600"/>
               </a:spcBef>
@@ -3124,7 +3244,7 @@
               <a:buChar char="○"/>
               <a:defRPr sz="1200"/>
             </a:lvl5pPr>
-            <a:lvl6pPr indent="-304800" lvl="5" marL="2743200">
+            <a:lvl6pPr marL="2743200" lvl="5" indent="-304800">
               <a:spcBef>
                 <a:spcPts val="1600"/>
               </a:spcBef>
@@ -3135,7 +3255,7 @@
               <a:buChar char="■"/>
               <a:defRPr sz="1200"/>
             </a:lvl6pPr>
-            <a:lvl7pPr indent="-304800" lvl="6" marL="3200400">
+            <a:lvl7pPr marL="3200400" lvl="6" indent="-304800">
               <a:spcBef>
                 <a:spcPts val="1600"/>
               </a:spcBef>
@@ -3146,7 +3266,7 @@
               <a:buChar char="●"/>
               <a:defRPr sz="1200"/>
             </a:lvl7pPr>
-            <a:lvl8pPr indent="-304800" lvl="7" marL="3657600">
+            <a:lvl8pPr marL="3657600" lvl="7" indent="-304800">
               <a:spcBef>
                 <a:spcPts val="1600"/>
               </a:spcBef>
@@ -3157,7 +3277,7 @@
               <a:buChar char="○"/>
               <a:defRPr sz="1200"/>
             </a:lvl8pPr>
-            <a:lvl9pPr indent="-304800" lvl="8" marL="4114800">
+            <a:lvl9pPr marL="4114800" lvl="8" indent="-304800">
               <a:spcBef>
                 <a:spcPts val="1600"/>
               </a:spcBef>
@@ -3169,15 +3289,19 @@
               <a:defRPr sz="1200"/>
             </a:lvl9pPr>
           </a:lstStyle>
-          <a:p/>
+          <a:p>
+            <a:endParaRPr/>
+          </a:p>
         </p:txBody>
       </p:sp>
       <p:sp>
         <p:nvSpPr>
           <p:cNvPr id="24" name="Google Shape;24;p5"/>
-          <p:cNvSpPr txBox="1"/>
+          <p:cNvSpPr txBox="1">
+            <a:spLocks noGrp="1"/>
+          </p:cNvSpPr>
           <p:nvPr>
-            <p:ph idx="12" type="sldNum"/>
+            <p:ph type="sldNum" idx="12"/>
           </p:nvPr>
         </p:nvSpPr>
         <p:spPr>
@@ -3190,7 +3314,7 @@
           </a:prstGeom>
         </p:spPr>
         <p:txBody>
-          <a:bodyPr anchorCtr="0" anchor="ctr" bIns="91425" lIns="91425" spcFirstLastPara="1" rIns="91425" wrap="square" tIns="91425">
+          <a:bodyPr spcFirstLastPara="1" wrap="square" lIns="91425" tIns="91425" rIns="91425" bIns="91425" anchor="ctr" anchorCtr="0">
             <a:noAutofit/>
           </a:bodyPr>
           <a:lstStyle>
@@ -3232,7 +3356,7 @@
             </a:lvl9pPr>
           </a:lstStyle>
           <a:p>
-            <a:pPr indent="0" lvl="0" marL="0" rtl="0" algn="r">
+            <a:pPr marL="0" lvl="0" indent="0" algn="r" rtl="0">
               <a:spcBef>
                 <a:spcPts val="0"/>
               </a:spcBef>
@@ -3243,7 +3367,7 @@
             </a:pPr>
             <a:fld id="{00000000-1234-1234-1234-123412341234}" type="slidenum">
               <a:rPr lang="en"/>
-              <a:t>‹#›</a:t>
+              <a:t>‹nº›</a:t>
             </a:fld>
             <a:endParaRPr/>
           </a:p>
@@ -3258,11 +3382,11 @@
 </file>
 
 <file path=ppt/slideLayouts/slideLayout5.xml><?xml version="1.0" encoding="utf-8"?>
-<p:sldLayout xmlns:a="http://schemas.openxmlformats.org/drawingml/2006/main" xmlns:r="http://schemas.openxmlformats.org/officeDocument/2006/relationships" xmlns:mc="http://schemas.openxmlformats.org/markup-compatibility/2006" xmlns:mv="urn:schemas-microsoft-com:mac:vml" xmlns:p="http://schemas.openxmlformats.org/presentationml/2006/main" xmlns:c="http://schemas.openxmlformats.org/drawingml/2006/chart" xmlns:dgm="http://schemas.openxmlformats.org/drawingml/2006/diagram" xmlns:o="urn:schemas-microsoft-com:office:office" xmlns:v="urn:schemas-microsoft-com:vml" xmlns:pvml="urn:schemas-microsoft-com:office:powerpoint" xmlns:com="http://schemas.openxmlformats.org/drawingml/2006/compatibility" xmlns:p14="http://schemas.microsoft.com/office/powerpoint/2010/main" xmlns:p15="http://schemas.microsoft.com/office/powerpoint/2012/main" xmlns:ahyp="http://schemas.microsoft.com/office/drawing/2018/hyperlinkcolor" matchingName="Title only" type="titleOnly">
+<p:sldLayout xmlns:a="http://schemas.openxmlformats.org/drawingml/2006/main" xmlns:r="http://schemas.openxmlformats.org/officeDocument/2006/relationships" xmlns:p="http://schemas.openxmlformats.org/presentationml/2006/main" matchingName="Title only" type="titleOnly">
   <p:cSld name="TITLE_ONLY">
     <p:spTree>
       <p:nvGrpSpPr>
-        <p:cNvPr id="25" name="Shape 25"/>
+        <p:cNvPr id="1" name="Shape 25"/>
         <p:cNvGrpSpPr/>
         <p:nvPr/>
       </p:nvGrpSpPr>
@@ -3277,7 +3401,9 @@
       <p:sp>
         <p:nvSpPr>
           <p:cNvPr id="26" name="Google Shape;26;p6"/>
-          <p:cNvSpPr txBox="1"/>
+          <p:cNvSpPr txBox="1">
+            <a:spLocks noGrp="1"/>
+          </p:cNvSpPr>
           <p:nvPr>
             <p:ph type="title"/>
           </p:nvPr>
@@ -3292,7 +3418,7 @@
           </a:prstGeom>
         </p:spPr>
         <p:txBody>
-          <a:bodyPr anchorCtr="0" anchor="t" bIns="91425" lIns="91425" spcFirstLastPara="1" rIns="91425" wrap="square" tIns="91425">
+          <a:bodyPr spcFirstLastPara="1" wrap="square" lIns="91425" tIns="91425" rIns="91425" bIns="91425" anchor="t" anchorCtr="0">
             <a:noAutofit/>
           </a:bodyPr>
           <a:lstStyle>
@@ -3396,15 +3522,19 @@
               <a:defRPr/>
             </a:lvl9pPr>
           </a:lstStyle>
-          <a:p/>
+          <a:p>
+            <a:endParaRPr/>
+          </a:p>
         </p:txBody>
       </p:sp>
       <p:sp>
         <p:nvSpPr>
           <p:cNvPr id="27" name="Google Shape;27;p6"/>
-          <p:cNvSpPr txBox="1"/>
+          <p:cNvSpPr txBox="1">
+            <a:spLocks noGrp="1"/>
+          </p:cNvSpPr>
           <p:nvPr>
-            <p:ph idx="12" type="sldNum"/>
+            <p:ph type="sldNum" idx="12"/>
           </p:nvPr>
         </p:nvSpPr>
         <p:spPr>
@@ -3417,7 +3547,7 @@
           </a:prstGeom>
         </p:spPr>
         <p:txBody>
-          <a:bodyPr anchorCtr="0" anchor="ctr" bIns="91425" lIns="91425" spcFirstLastPara="1" rIns="91425" wrap="square" tIns="91425">
+          <a:bodyPr spcFirstLastPara="1" wrap="square" lIns="91425" tIns="91425" rIns="91425" bIns="91425" anchor="ctr" anchorCtr="0">
             <a:noAutofit/>
           </a:bodyPr>
           <a:lstStyle>
@@ -3459,7 +3589,7 @@
             </a:lvl9pPr>
           </a:lstStyle>
           <a:p>
-            <a:pPr indent="0" lvl="0" marL="0" rtl="0" algn="r">
+            <a:pPr marL="0" lvl="0" indent="0" algn="r" rtl="0">
               <a:spcBef>
                 <a:spcPts val="0"/>
               </a:spcBef>
@@ -3470,7 +3600,7 @@
             </a:pPr>
             <a:fld id="{00000000-1234-1234-1234-123412341234}" type="slidenum">
               <a:rPr lang="en"/>
-              <a:t>‹#›</a:t>
+              <a:t>‹nº›</a:t>
             </a:fld>
             <a:endParaRPr/>
           </a:p>
@@ -3485,11 +3615,11 @@
 </file>
 
 <file path=ppt/slideLayouts/slideLayout6.xml><?xml version="1.0" encoding="utf-8"?>
-<p:sldLayout xmlns:a="http://schemas.openxmlformats.org/drawingml/2006/main" xmlns:r="http://schemas.openxmlformats.org/officeDocument/2006/relationships" xmlns:mc="http://schemas.openxmlformats.org/markup-compatibility/2006" xmlns:mv="urn:schemas-microsoft-com:mac:vml" xmlns:p="http://schemas.openxmlformats.org/presentationml/2006/main" xmlns:c="http://schemas.openxmlformats.org/drawingml/2006/chart" xmlns:dgm="http://schemas.openxmlformats.org/drawingml/2006/diagram" xmlns:o="urn:schemas-microsoft-com:office:office" xmlns:v="urn:schemas-microsoft-com:vml" xmlns:pvml="urn:schemas-microsoft-com:office:powerpoint" xmlns:com="http://schemas.openxmlformats.org/drawingml/2006/compatibility" xmlns:p14="http://schemas.microsoft.com/office/powerpoint/2010/main" xmlns:p15="http://schemas.microsoft.com/office/powerpoint/2012/main" xmlns:ahyp="http://schemas.microsoft.com/office/drawing/2018/hyperlinkcolor" matchingName="One column text">
+<p:sldLayout xmlns:a="http://schemas.openxmlformats.org/drawingml/2006/main" xmlns:r="http://schemas.openxmlformats.org/officeDocument/2006/relationships" xmlns:p="http://schemas.openxmlformats.org/presentationml/2006/main" matchingName="One column text">
   <p:cSld name="ONE_COLUMN_TEXT">
     <p:spTree>
       <p:nvGrpSpPr>
-        <p:cNvPr id="28" name="Shape 28"/>
+        <p:cNvPr id="1" name="Shape 28"/>
         <p:cNvGrpSpPr/>
         <p:nvPr/>
       </p:nvGrpSpPr>
@@ -3504,7 +3634,9 @@
       <p:sp>
         <p:nvSpPr>
           <p:cNvPr id="29" name="Google Shape;29;p7"/>
-          <p:cNvSpPr txBox="1"/>
+          <p:cNvSpPr txBox="1">
+            <a:spLocks noGrp="1"/>
+          </p:cNvSpPr>
           <p:nvPr>
             <p:ph type="title"/>
           </p:nvPr>
@@ -3519,7 +3651,7 @@
           </a:prstGeom>
         </p:spPr>
         <p:txBody>
-          <a:bodyPr anchorCtr="0" anchor="b" bIns="91425" lIns="91425" spcFirstLastPara="1" rIns="91425" wrap="square" tIns="91425">
+          <a:bodyPr spcFirstLastPara="1" wrap="square" lIns="91425" tIns="91425" rIns="91425" bIns="91425" anchor="b" anchorCtr="0">
             <a:noAutofit/>
           </a:bodyPr>
           <a:lstStyle>
@@ -3623,15 +3755,19 @@
               <a:defRPr sz="2400"/>
             </a:lvl9pPr>
           </a:lstStyle>
-          <a:p/>
+          <a:p>
+            <a:endParaRPr/>
+          </a:p>
         </p:txBody>
       </p:sp>
       <p:sp>
         <p:nvSpPr>
           <p:cNvPr id="30" name="Google Shape;30;p7"/>
-          <p:cNvSpPr txBox="1"/>
+          <p:cNvSpPr txBox="1">
+            <a:spLocks noGrp="1"/>
+          </p:cNvSpPr>
           <p:nvPr>
-            <p:ph idx="1" type="body"/>
+            <p:ph type="body" idx="1"/>
           </p:nvPr>
         </p:nvSpPr>
         <p:spPr>
@@ -3644,11 +3780,11 @@
           </a:prstGeom>
         </p:spPr>
         <p:txBody>
-          <a:bodyPr anchorCtr="0" anchor="t" bIns="91425" lIns="91425" spcFirstLastPara="1" rIns="91425" wrap="square" tIns="91425">
+          <a:bodyPr spcFirstLastPara="1" wrap="square" lIns="91425" tIns="91425" rIns="91425" bIns="91425" anchor="t" anchorCtr="0">
             <a:noAutofit/>
           </a:bodyPr>
           <a:lstStyle>
-            <a:lvl1pPr indent="-304800" lvl="0" marL="457200">
+            <a:lvl1pPr marL="457200" lvl="0" indent="-304800">
               <a:spcBef>
                 <a:spcPts val="0"/>
               </a:spcBef>
@@ -3659,7 +3795,7 @@
               <a:buChar char="●"/>
               <a:defRPr sz="1200"/>
             </a:lvl1pPr>
-            <a:lvl2pPr indent="-304800" lvl="1" marL="914400">
+            <a:lvl2pPr marL="914400" lvl="1" indent="-304800">
               <a:spcBef>
                 <a:spcPts val="1600"/>
               </a:spcBef>
@@ -3670,7 +3806,7 @@
               <a:buChar char="○"/>
               <a:defRPr sz="1200"/>
             </a:lvl2pPr>
-            <a:lvl3pPr indent="-304800" lvl="2" marL="1371600">
+            <a:lvl3pPr marL="1371600" lvl="2" indent="-304800">
               <a:spcBef>
                 <a:spcPts val="1600"/>
               </a:spcBef>
@@ -3681,7 +3817,7 @@
               <a:buChar char="■"/>
               <a:defRPr sz="1200"/>
             </a:lvl3pPr>
-            <a:lvl4pPr indent="-304800" lvl="3" marL="1828800">
+            <a:lvl4pPr marL="1828800" lvl="3" indent="-304800">
               <a:spcBef>
                 <a:spcPts val="1600"/>
               </a:spcBef>
@@ -3692,7 +3828,7 @@
               <a:buChar char="●"/>
               <a:defRPr sz="1200"/>
             </a:lvl4pPr>
-            <a:lvl5pPr indent="-304800" lvl="4" marL="2286000">
+            <a:lvl5pPr marL="2286000" lvl="4" indent="-304800">
               <a:spcBef>
                 <a:spcPts val="1600"/>
               </a:spcBef>
@@ -3703,7 +3839,7 @@
               <a:buChar char="○"/>
               <a:defRPr sz="1200"/>
             </a:lvl5pPr>
-            <a:lvl6pPr indent="-304800" lvl="5" marL="2743200">
+            <a:lvl6pPr marL="2743200" lvl="5" indent="-304800">
               <a:spcBef>
                 <a:spcPts val="1600"/>
               </a:spcBef>
@@ -3714,7 +3850,7 @@
               <a:buChar char="■"/>
               <a:defRPr sz="1200"/>
             </a:lvl6pPr>
-            <a:lvl7pPr indent="-304800" lvl="6" marL="3200400">
+            <a:lvl7pPr marL="3200400" lvl="6" indent="-304800">
               <a:spcBef>
                 <a:spcPts val="1600"/>
               </a:spcBef>
@@ -3725,7 +3861,7 @@
               <a:buChar char="●"/>
               <a:defRPr sz="1200"/>
             </a:lvl7pPr>
-            <a:lvl8pPr indent="-304800" lvl="7" marL="3657600">
+            <a:lvl8pPr marL="3657600" lvl="7" indent="-304800">
               <a:spcBef>
                 <a:spcPts val="1600"/>
               </a:spcBef>
@@ -3736,7 +3872,7 @@
               <a:buChar char="○"/>
               <a:defRPr sz="1200"/>
             </a:lvl8pPr>
-            <a:lvl9pPr indent="-304800" lvl="8" marL="4114800">
+            <a:lvl9pPr marL="4114800" lvl="8" indent="-304800">
               <a:spcBef>
                 <a:spcPts val="1600"/>
               </a:spcBef>
@@ -3748,15 +3884,19 @@
               <a:defRPr sz="1200"/>
             </a:lvl9pPr>
           </a:lstStyle>
-          <a:p/>
+          <a:p>
+            <a:endParaRPr/>
+          </a:p>
         </p:txBody>
       </p:sp>
       <p:sp>
         <p:nvSpPr>
           <p:cNvPr id="31" name="Google Shape;31;p7"/>
-          <p:cNvSpPr txBox="1"/>
+          <p:cNvSpPr txBox="1">
+            <a:spLocks noGrp="1"/>
+          </p:cNvSpPr>
           <p:nvPr>
-            <p:ph idx="12" type="sldNum"/>
+            <p:ph type="sldNum" idx="12"/>
           </p:nvPr>
         </p:nvSpPr>
         <p:spPr>
@@ -3769,7 +3909,7 @@
           </a:prstGeom>
         </p:spPr>
         <p:txBody>
-          <a:bodyPr anchorCtr="0" anchor="ctr" bIns="91425" lIns="91425" spcFirstLastPara="1" rIns="91425" wrap="square" tIns="91425">
+          <a:bodyPr spcFirstLastPara="1" wrap="square" lIns="91425" tIns="91425" rIns="91425" bIns="91425" anchor="ctr" anchorCtr="0">
             <a:noAutofit/>
           </a:bodyPr>
           <a:lstStyle>
@@ -3811,7 +3951,7 @@
             </a:lvl9pPr>
           </a:lstStyle>
           <a:p>
-            <a:pPr indent="0" lvl="0" marL="0" rtl="0" algn="r">
+            <a:pPr marL="0" lvl="0" indent="0" algn="r" rtl="0">
               <a:spcBef>
                 <a:spcPts val="0"/>
               </a:spcBef>
@@ -3822,7 +3962,7 @@
             </a:pPr>
             <a:fld id="{00000000-1234-1234-1234-123412341234}" type="slidenum">
               <a:rPr lang="en"/>
-              <a:t>‹#›</a:t>
+              <a:t>‹nº›</a:t>
             </a:fld>
             <a:endParaRPr/>
           </a:p>
@@ -3837,11 +3977,11 @@
 </file>
 
 <file path=ppt/slideLayouts/slideLayout7.xml><?xml version="1.0" encoding="utf-8"?>
-<p:sldLayout xmlns:a="http://schemas.openxmlformats.org/drawingml/2006/main" xmlns:r="http://schemas.openxmlformats.org/officeDocument/2006/relationships" xmlns:mc="http://schemas.openxmlformats.org/markup-compatibility/2006" xmlns:mv="urn:schemas-microsoft-com:mac:vml" xmlns:p="http://schemas.openxmlformats.org/presentationml/2006/main" xmlns:c="http://schemas.openxmlformats.org/drawingml/2006/chart" xmlns:dgm="http://schemas.openxmlformats.org/drawingml/2006/diagram" xmlns:o="urn:schemas-microsoft-com:office:office" xmlns:v="urn:schemas-microsoft-com:vml" xmlns:pvml="urn:schemas-microsoft-com:office:powerpoint" xmlns:com="http://schemas.openxmlformats.org/drawingml/2006/compatibility" xmlns:p14="http://schemas.microsoft.com/office/powerpoint/2010/main" xmlns:p15="http://schemas.microsoft.com/office/powerpoint/2012/main" xmlns:ahyp="http://schemas.microsoft.com/office/drawing/2018/hyperlinkcolor" matchingName="Main point">
+<p:sldLayout xmlns:a="http://schemas.openxmlformats.org/drawingml/2006/main" xmlns:r="http://schemas.openxmlformats.org/officeDocument/2006/relationships" xmlns:p="http://schemas.openxmlformats.org/presentationml/2006/main" matchingName="Main point">
   <p:cSld name="MAIN_POINT">
     <p:spTree>
       <p:nvGrpSpPr>
-        <p:cNvPr id="32" name="Shape 32"/>
+        <p:cNvPr id="1" name="Shape 32"/>
         <p:cNvGrpSpPr/>
         <p:nvPr/>
       </p:nvGrpSpPr>
@@ -3856,7 +3996,9 @@
       <p:sp>
         <p:nvSpPr>
           <p:cNvPr id="33" name="Google Shape;33;p8"/>
-          <p:cNvSpPr txBox="1"/>
+          <p:cNvSpPr txBox="1">
+            <a:spLocks noGrp="1"/>
+          </p:cNvSpPr>
           <p:nvPr>
             <p:ph type="title"/>
           </p:nvPr>
@@ -3871,7 +4013,7 @@
           </a:prstGeom>
         </p:spPr>
         <p:txBody>
-          <a:bodyPr anchorCtr="0" anchor="ctr" bIns="91425" lIns="91425" spcFirstLastPara="1" rIns="91425" wrap="square" tIns="91425">
+          <a:bodyPr spcFirstLastPara="1" wrap="square" lIns="91425" tIns="91425" rIns="91425" bIns="91425" anchor="ctr" anchorCtr="0">
             <a:noAutofit/>
           </a:bodyPr>
           <a:lstStyle>
@@ -3975,15 +4117,19 @@
               <a:defRPr sz="4800"/>
             </a:lvl9pPr>
           </a:lstStyle>
-          <a:p/>
+          <a:p>
+            <a:endParaRPr/>
+          </a:p>
         </p:txBody>
       </p:sp>
       <p:sp>
         <p:nvSpPr>
           <p:cNvPr id="34" name="Google Shape;34;p8"/>
-          <p:cNvSpPr txBox="1"/>
+          <p:cNvSpPr txBox="1">
+            <a:spLocks noGrp="1"/>
+          </p:cNvSpPr>
           <p:nvPr>
-            <p:ph idx="12" type="sldNum"/>
+            <p:ph type="sldNum" idx="12"/>
           </p:nvPr>
         </p:nvSpPr>
         <p:spPr>
@@ -3996,7 +4142,7 @@
           </a:prstGeom>
         </p:spPr>
         <p:txBody>
-          <a:bodyPr anchorCtr="0" anchor="ctr" bIns="91425" lIns="91425" spcFirstLastPara="1" rIns="91425" wrap="square" tIns="91425">
+          <a:bodyPr spcFirstLastPara="1" wrap="square" lIns="91425" tIns="91425" rIns="91425" bIns="91425" anchor="ctr" anchorCtr="0">
             <a:noAutofit/>
           </a:bodyPr>
           <a:lstStyle>
@@ -4038,7 +4184,7 @@
             </a:lvl9pPr>
           </a:lstStyle>
           <a:p>
-            <a:pPr indent="0" lvl="0" marL="0" rtl="0" algn="r">
+            <a:pPr marL="0" lvl="0" indent="0" algn="r" rtl="0">
               <a:spcBef>
                 <a:spcPts val="0"/>
               </a:spcBef>
@@ -4049,7 +4195,7 @@
             </a:pPr>
             <a:fld id="{00000000-1234-1234-1234-123412341234}" type="slidenum">
               <a:rPr lang="en"/>
-              <a:t>‹#›</a:t>
+              <a:t>‹nº›</a:t>
             </a:fld>
             <a:endParaRPr/>
           </a:p>
@@ -4064,11 +4210,11 @@
 </file>
 
 <file path=ppt/slideLayouts/slideLayout8.xml><?xml version="1.0" encoding="utf-8"?>
-<p:sldLayout xmlns:a="http://schemas.openxmlformats.org/drawingml/2006/main" xmlns:r="http://schemas.openxmlformats.org/officeDocument/2006/relationships" xmlns:mc="http://schemas.openxmlformats.org/markup-compatibility/2006" xmlns:mv="urn:schemas-microsoft-com:mac:vml" xmlns:p="http://schemas.openxmlformats.org/presentationml/2006/main" xmlns:c="http://schemas.openxmlformats.org/drawingml/2006/chart" xmlns:dgm="http://schemas.openxmlformats.org/drawingml/2006/diagram" xmlns:o="urn:schemas-microsoft-com:office:office" xmlns:v="urn:schemas-microsoft-com:vml" xmlns:pvml="urn:schemas-microsoft-com:office:powerpoint" xmlns:com="http://schemas.openxmlformats.org/drawingml/2006/compatibility" xmlns:p14="http://schemas.microsoft.com/office/powerpoint/2010/main" xmlns:p15="http://schemas.microsoft.com/office/powerpoint/2012/main" xmlns:ahyp="http://schemas.microsoft.com/office/drawing/2018/hyperlinkcolor" matchingName="Section title and description">
+<p:sldLayout xmlns:a="http://schemas.openxmlformats.org/drawingml/2006/main" xmlns:r="http://schemas.openxmlformats.org/officeDocument/2006/relationships" xmlns:p="http://schemas.openxmlformats.org/presentationml/2006/main" matchingName="Section title and description">
   <p:cSld name="SECTION_TITLE_AND_DESCRIPTION">
     <p:spTree>
       <p:nvGrpSpPr>
-        <p:cNvPr id="35" name="Shape 35"/>
+        <p:cNvPr id="1" name="Shape 35"/>
         <p:cNvGrpSpPr/>
         <p:nvPr/>
       </p:nvGrpSpPr>
@@ -4102,23 +4248,20 @@
           </a:ln>
         </p:spPr>
         <p:txBody>
-          <a:bodyPr anchorCtr="0" anchor="ctr" bIns="91425" lIns="91425" spcFirstLastPara="1" rIns="91425" wrap="square" tIns="91425">
+          <a:bodyPr spcFirstLastPara="1" wrap="square" lIns="91425" tIns="91425" rIns="91425" bIns="91425" anchor="ctr" anchorCtr="0">
             <a:noAutofit/>
           </a:bodyPr>
           <a:lstStyle/>
           <a:p>
-            <a:pPr indent="0" lvl="0" marL="0" rtl="0" algn="l">
-              <a:spcBef>
-                <a:spcPts val="0"/>
-              </a:spcBef>
-              <a:spcAft>
-                <a:spcPts val="0"/>
-              </a:spcAft>
-              <a:buNone/>
-            </a:pPr>
-            <a:r>
-              <a:t/>
-            </a:r>
+            <a:pPr marL="0" lvl="0" indent="0" algn="l" rtl="0">
+              <a:spcBef>
+                <a:spcPts val="0"/>
+              </a:spcBef>
+              <a:spcAft>
+                <a:spcPts val="0"/>
+              </a:spcAft>
+              <a:buNone/>
+            </a:pPr>
             <a:endParaRPr/>
           </a:p>
         </p:txBody>
@@ -4126,7 +4269,9 @@
       <p:sp>
         <p:nvSpPr>
           <p:cNvPr id="37" name="Google Shape;37;p9"/>
-          <p:cNvSpPr txBox="1"/>
+          <p:cNvSpPr txBox="1">
+            <a:spLocks noGrp="1"/>
+          </p:cNvSpPr>
           <p:nvPr>
             <p:ph type="title"/>
           </p:nvPr>
@@ -4141,7 +4286,7 @@
           </a:prstGeom>
         </p:spPr>
         <p:txBody>
-          <a:bodyPr anchorCtr="0" anchor="b" bIns="91425" lIns="91425" spcFirstLastPara="1" rIns="91425" wrap="square" tIns="91425">
+          <a:bodyPr spcFirstLastPara="1" wrap="square" lIns="91425" tIns="91425" rIns="91425" bIns="91425" anchor="b" anchorCtr="0">
             <a:noAutofit/>
           </a:bodyPr>
           <a:lstStyle>
@@ -4245,15 +4390,19 @@
               <a:defRPr sz="4200"/>
             </a:lvl9pPr>
           </a:lstStyle>
-          <a:p/>
+          <a:p>
+            <a:endParaRPr/>
+          </a:p>
         </p:txBody>
       </p:sp>
       <p:sp>
         <p:nvSpPr>
           <p:cNvPr id="38" name="Google Shape;38;p9"/>
-          <p:cNvSpPr txBox="1"/>
+          <p:cNvSpPr txBox="1">
+            <a:spLocks noGrp="1"/>
+          </p:cNvSpPr>
           <p:nvPr>
-            <p:ph idx="1" type="subTitle"/>
+            <p:ph type="subTitle" idx="1"/>
           </p:nvPr>
         </p:nvSpPr>
         <p:spPr>
@@ -4266,7 +4415,7 @@
           </a:prstGeom>
         </p:spPr>
         <p:txBody>
-          <a:bodyPr anchorCtr="0" anchor="t" bIns="91425" lIns="91425" spcFirstLastPara="1" rIns="91425" wrap="square" tIns="91425">
+          <a:bodyPr spcFirstLastPara="1" wrap="square" lIns="91425" tIns="91425" rIns="91425" bIns="91425" anchor="t" anchorCtr="0">
             <a:noAutofit/>
           </a:bodyPr>
           <a:lstStyle>
@@ -4397,15 +4546,19 @@
               <a:defRPr sz="2100"/>
             </a:lvl9pPr>
           </a:lstStyle>
-          <a:p/>
+          <a:p>
+            <a:endParaRPr/>
+          </a:p>
         </p:txBody>
       </p:sp>
       <p:sp>
         <p:nvSpPr>
           <p:cNvPr id="39" name="Google Shape;39;p9"/>
-          <p:cNvSpPr txBox="1"/>
+          <p:cNvSpPr txBox="1">
+            <a:spLocks noGrp="1"/>
+          </p:cNvSpPr>
           <p:nvPr>
-            <p:ph idx="2" type="body"/>
+            <p:ph type="body" idx="2"/>
           </p:nvPr>
         </p:nvSpPr>
         <p:spPr>
@@ -4418,11 +4571,11 @@
           </a:prstGeom>
         </p:spPr>
         <p:txBody>
-          <a:bodyPr anchorCtr="0" anchor="ctr" bIns="91425" lIns="91425" spcFirstLastPara="1" rIns="91425" wrap="square" tIns="91425">
+          <a:bodyPr spcFirstLastPara="1" wrap="square" lIns="91425" tIns="91425" rIns="91425" bIns="91425" anchor="ctr" anchorCtr="0">
             <a:noAutofit/>
           </a:bodyPr>
           <a:lstStyle>
-            <a:lvl1pPr indent="-342900" lvl="0" marL="457200">
+            <a:lvl1pPr marL="457200" lvl="0" indent="-342900">
               <a:spcBef>
                 <a:spcPts val="0"/>
               </a:spcBef>
@@ -4433,7 +4586,7 @@
               <a:buChar char="●"/>
               <a:defRPr/>
             </a:lvl1pPr>
-            <a:lvl2pPr indent="-317500" lvl="1" marL="914400">
+            <a:lvl2pPr marL="914400" lvl="1" indent="-317500">
               <a:spcBef>
                 <a:spcPts val="1600"/>
               </a:spcBef>
@@ -4444,7 +4597,7 @@
               <a:buChar char="○"/>
               <a:defRPr/>
             </a:lvl2pPr>
-            <a:lvl3pPr indent="-317500" lvl="2" marL="1371600">
+            <a:lvl3pPr marL="1371600" lvl="2" indent="-317500">
               <a:spcBef>
                 <a:spcPts val="1600"/>
               </a:spcBef>
@@ -4455,7 +4608,7 @@
               <a:buChar char="■"/>
               <a:defRPr/>
             </a:lvl3pPr>
-            <a:lvl4pPr indent="-317500" lvl="3" marL="1828800">
+            <a:lvl4pPr marL="1828800" lvl="3" indent="-317500">
               <a:spcBef>
                 <a:spcPts val="1600"/>
               </a:spcBef>
@@ -4466,7 +4619,7 @@
               <a:buChar char="●"/>
               <a:defRPr/>
             </a:lvl4pPr>
-            <a:lvl5pPr indent="-317500" lvl="4" marL="2286000">
+            <a:lvl5pPr marL="2286000" lvl="4" indent="-317500">
               <a:spcBef>
                 <a:spcPts val="1600"/>
               </a:spcBef>
@@ -4477,7 +4630,7 @@
               <a:buChar char="○"/>
               <a:defRPr/>
             </a:lvl5pPr>
-            <a:lvl6pPr indent="-317500" lvl="5" marL="2743200">
+            <a:lvl6pPr marL="2743200" lvl="5" indent="-317500">
               <a:spcBef>
                 <a:spcPts val="1600"/>
               </a:spcBef>
@@ -4488,7 +4641,7 @@
               <a:buChar char="■"/>
               <a:defRPr/>
             </a:lvl6pPr>
-            <a:lvl7pPr indent="-317500" lvl="6" marL="3200400">
+            <a:lvl7pPr marL="3200400" lvl="6" indent="-317500">
               <a:spcBef>
                 <a:spcPts val="1600"/>
               </a:spcBef>
@@ -4499,7 +4652,7 @@
               <a:buChar char="●"/>
               <a:defRPr/>
             </a:lvl7pPr>
-            <a:lvl8pPr indent="-317500" lvl="7" marL="3657600">
+            <a:lvl8pPr marL="3657600" lvl="7" indent="-317500">
               <a:spcBef>
                 <a:spcPts val="1600"/>
               </a:spcBef>
@@ -4510,7 +4663,7 @@
               <a:buChar char="○"/>
               <a:defRPr/>
             </a:lvl8pPr>
-            <a:lvl9pPr indent="-317500" lvl="8" marL="4114800">
+            <a:lvl9pPr marL="4114800" lvl="8" indent="-317500">
               <a:spcBef>
                 <a:spcPts val="1600"/>
               </a:spcBef>
@@ -4522,15 +4675,19 @@
               <a:defRPr/>
             </a:lvl9pPr>
           </a:lstStyle>
-          <a:p/>
+          <a:p>
+            <a:endParaRPr/>
+          </a:p>
         </p:txBody>
       </p:sp>
       <p:sp>
         <p:nvSpPr>
           <p:cNvPr id="40" name="Google Shape;40;p9"/>
-          <p:cNvSpPr txBox="1"/>
+          <p:cNvSpPr txBox="1">
+            <a:spLocks noGrp="1"/>
+          </p:cNvSpPr>
           <p:nvPr>
-            <p:ph idx="12" type="sldNum"/>
+            <p:ph type="sldNum" idx="12"/>
           </p:nvPr>
         </p:nvSpPr>
         <p:spPr>
@@ -4543,7 +4700,7 @@
           </a:prstGeom>
         </p:spPr>
         <p:txBody>
-          <a:bodyPr anchorCtr="0" anchor="ctr" bIns="91425" lIns="91425" spcFirstLastPara="1" rIns="91425" wrap="square" tIns="91425">
+          <a:bodyPr spcFirstLastPara="1" wrap="square" lIns="91425" tIns="91425" rIns="91425" bIns="91425" anchor="ctr" anchorCtr="0">
             <a:noAutofit/>
           </a:bodyPr>
           <a:lstStyle>
@@ -4585,7 +4742,7 @@
             </a:lvl9pPr>
           </a:lstStyle>
           <a:p>
-            <a:pPr indent="0" lvl="0" marL="0" rtl="0" algn="r">
+            <a:pPr marL="0" lvl="0" indent="0" algn="r" rtl="0">
               <a:spcBef>
                 <a:spcPts val="0"/>
               </a:spcBef>
@@ -4596,7 +4753,7 @@
             </a:pPr>
             <a:fld id="{00000000-1234-1234-1234-123412341234}" type="slidenum">
               <a:rPr lang="en"/>
-              <a:t>‹#›</a:t>
+              <a:t>‹nº›</a:t>
             </a:fld>
             <a:endParaRPr/>
           </a:p>
@@ -4611,11 +4768,11 @@
 </file>
 
 <file path=ppt/slideLayouts/slideLayout9.xml><?xml version="1.0" encoding="utf-8"?>
-<p:sldLayout xmlns:a="http://schemas.openxmlformats.org/drawingml/2006/main" xmlns:r="http://schemas.openxmlformats.org/officeDocument/2006/relationships" xmlns:mc="http://schemas.openxmlformats.org/markup-compatibility/2006" xmlns:mv="urn:schemas-microsoft-com:mac:vml" xmlns:p="http://schemas.openxmlformats.org/presentationml/2006/main" xmlns:c="http://schemas.openxmlformats.org/drawingml/2006/chart" xmlns:dgm="http://schemas.openxmlformats.org/drawingml/2006/diagram" xmlns:o="urn:schemas-microsoft-com:office:office" xmlns:v="urn:schemas-microsoft-com:vml" xmlns:pvml="urn:schemas-microsoft-com:office:powerpoint" xmlns:com="http://schemas.openxmlformats.org/drawingml/2006/compatibility" xmlns:p14="http://schemas.microsoft.com/office/powerpoint/2010/main" xmlns:p15="http://schemas.microsoft.com/office/powerpoint/2012/main" xmlns:ahyp="http://schemas.microsoft.com/office/drawing/2018/hyperlinkcolor" matchingName="Caption">
+<p:sldLayout xmlns:a="http://schemas.openxmlformats.org/drawingml/2006/main" xmlns:r="http://schemas.openxmlformats.org/officeDocument/2006/relationships" xmlns:p="http://schemas.openxmlformats.org/presentationml/2006/main" matchingName="Caption">
   <p:cSld name="CAPTION_ONLY">
     <p:spTree>
       <p:nvGrpSpPr>
-        <p:cNvPr id="41" name="Shape 41"/>
+        <p:cNvPr id="1" name="Shape 41"/>
         <p:cNvGrpSpPr/>
         <p:nvPr/>
       </p:nvGrpSpPr>
@@ -4630,9 +4787,11 @@
       <p:sp>
         <p:nvSpPr>
           <p:cNvPr id="42" name="Google Shape;42;p10"/>
-          <p:cNvSpPr txBox="1"/>
+          <p:cNvSpPr txBox="1">
+            <a:spLocks noGrp="1"/>
+          </p:cNvSpPr>
           <p:nvPr>
-            <p:ph idx="1" type="body"/>
+            <p:ph type="body" idx="1"/>
           </p:nvPr>
         </p:nvSpPr>
         <p:spPr>
@@ -4645,11 +4804,11 @@
           </a:prstGeom>
         </p:spPr>
         <p:txBody>
-          <a:bodyPr anchorCtr="0" anchor="ctr" bIns="91425" lIns="91425" spcFirstLastPara="1" rIns="91425" wrap="square" tIns="91425">
+          <a:bodyPr spcFirstLastPara="1" wrap="square" lIns="91425" tIns="91425" rIns="91425" bIns="91425" anchor="ctr" anchorCtr="0">
             <a:noAutofit/>
           </a:bodyPr>
           <a:lstStyle>
-            <a:lvl1pPr indent="-228600" lvl="0" marL="457200">
+            <a:lvl1pPr marL="457200" lvl="0" indent="-228600">
               <a:lnSpc>
                 <a:spcPct val="100000"/>
               </a:lnSpc>
@@ -4664,15 +4823,19 @@
               <a:defRPr/>
             </a:lvl1pPr>
           </a:lstStyle>
-          <a:p/>
+          <a:p>
+            <a:endParaRPr/>
+          </a:p>
         </p:txBody>
       </p:sp>
       <p:sp>
         <p:nvSpPr>
           <p:cNvPr id="43" name="Google Shape;43;p10"/>
-          <p:cNvSpPr txBox="1"/>
+          <p:cNvSpPr txBox="1">
+            <a:spLocks noGrp="1"/>
+          </p:cNvSpPr>
           <p:nvPr>
-            <p:ph idx="12" type="sldNum"/>
+            <p:ph type="sldNum" idx="12"/>
           </p:nvPr>
         </p:nvSpPr>
         <p:spPr>
@@ -4685,7 +4848,7 @@
           </a:prstGeom>
         </p:spPr>
         <p:txBody>
-          <a:bodyPr anchorCtr="0" anchor="ctr" bIns="91425" lIns="91425" spcFirstLastPara="1" rIns="91425" wrap="square" tIns="91425">
+          <a:bodyPr spcFirstLastPara="1" wrap="square" lIns="91425" tIns="91425" rIns="91425" bIns="91425" anchor="ctr" anchorCtr="0">
             <a:noAutofit/>
           </a:bodyPr>
           <a:lstStyle>
@@ -4727,7 +4890,7 @@
             </a:lvl9pPr>
           </a:lstStyle>
           <a:p>
-            <a:pPr indent="0" lvl="0" marL="0" rtl="0" algn="r">
+            <a:pPr marL="0" lvl="0" indent="0" algn="r" rtl="0">
               <a:spcBef>
                 <a:spcPts val="0"/>
               </a:spcBef>
@@ -4738,7 +4901,7 @@
             </a:pPr>
             <a:fld id="{00000000-1234-1234-1234-123412341234}" type="slidenum">
               <a:rPr lang="en"/>
-              <a:t>‹#›</a:t>
+              <a:t>‹nº›</a:t>
             </a:fld>
             <a:endParaRPr/>
           </a:p>
@@ -4753,18 +4916,19 @@
 </file>
 
 <file path=ppt/slideMasters/slideMaster1.xml><?xml version="1.0" encoding="utf-8"?>
-<p:sldMaster xmlns:a="http://schemas.openxmlformats.org/drawingml/2006/main" xmlns:r="http://schemas.openxmlformats.org/officeDocument/2006/relationships" xmlns:mc="http://schemas.openxmlformats.org/markup-compatibility/2006" xmlns:mv="urn:schemas-microsoft-com:mac:vml" xmlns:p="http://schemas.openxmlformats.org/presentationml/2006/main" xmlns:c="http://schemas.openxmlformats.org/drawingml/2006/chart" xmlns:dgm="http://schemas.openxmlformats.org/drawingml/2006/diagram" xmlns:o="urn:schemas-microsoft-com:office:office" xmlns:v="urn:schemas-microsoft-com:vml" xmlns:pvml="urn:schemas-microsoft-com:office:powerpoint" xmlns:com="http://schemas.openxmlformats.org/drawingml/2006/compatibility" xmlns:p14="http://schemas.microsoft.com/office/powerpoint/2010/main" xmlns:p15="http://schemas.microsoft.com/office/powerpoint/2012/main" xmlns:ahyp="http://schemas.microsoft.com/office/drawing/2018/hyperlinkcolor">
+<p:sldMaster xmlns:a="http://schemas.openxmlformats.org/drawingml/2006/main" xmlns:r="http://schemas.openxmlformats.org/officeDocument/2006/relationships" xmlns:p="http://schemas.openxmlformats.org/presentationml/2006/main">
   <p:cSld name="simple-light-2">
     <p:bg>
       <p:bgPr>
         <a:solidFill>
           <a:schemeClr val="lt1"/>
         </a:solidFill>
+        <a:effectLst/>
       </p:bgPr>
     </p:bg>
     <p:spTree>
       <p:nvGrpSpPr>
-        <p:cNvPr id="5" name="Shape 5"/>
+        <p:cNvPr id="1" name="Shape 5"/>
         <p:cNvGrpSpPr/>
         <p:nvPr/>
       </p:nvGrpSpPr>
@@ -4779,7 +4943,9 @@
       <p:sp>
         <p:nvSpPr>
           <p:cNvPr id="6" name="Google Shape;6;p1"/>
-          <p:cNvSpPr txBox="1"/>
+          <p:cNvSpPr txBox="1">
+            <a:spLocks noGrp="1"/>
+          </p:cNvSpPr>
           <p:nvPr>
             <p:ph type="title"/>
           </p:nvPr>
@@ -4798,7 +4964,7 @@
           </a:ln>
         </p:spPr>
         <p:txBody>
-          <a:bodyPr anchorCtr="0" anchor="t" bIns="91425" lIns="91425" spcFirstLastPara="1" rIns="91425" wrap="square" tIns="91425">
+          <a:bodyPr spcFirstLastPara="1" wrap="square" lIns="91425" tIns="91425" rIns="91425" bIns="91425" anchor="t" anchorCtr="0">
             <a:noAutofit/>
           </a:bodyPr>
           <a:lstStyle>
@@ -4965,15 +5131,19 @@
               </a:defRPr>
             </a:lvl9pPr>
           </a:lstStyle>
-          <a:p/>
+          <a:p>
+            <a:endParaRPr/>
+          </a:p>
         </p:txBody>
       </p:sp>
       <p:sp>
         <p:nvSpPr>
           <p:cNvPr id="7" name="Google Shape;7;p1"/>
-          <p:cNvSpPr txBox="1"/>
+          <p:cNvSpPr txBox="1">
+            <a:spLocks noGrp="1"/>
+          </p:cNvSpPr>
           <p:nvPr>
-            <p:ph idx="1" type="body"/>
+            <p:ph type="body" idx="1"/>
           </p:nvPr>
         </p:nvSpPr>
         <p:spPr>
@@ -4990,11 +5160,11 @@
           </a:ln>
         </p:spPr>
         <p:txBody>
-          <a:bodyPr anchorCtr="0" anchor="t" bIns="91425" lIns="91425" spcFirstLastPara="1" rIns="91425" wrap="square" tIns="91425">
+          <a:bodyPr spcFirstLastPara="1" wrap="square" lIns="91425" tIns="91425" rIns="91425" bIns="91425" anchor="t" anchorCtr="0">
             <a:noAutofit/>
           </a:bodyPr>
           <a:lstStyle>
-            <a:lvl1pPr indent="-342900" lvl="0" marL="457200">
+            <a:lvl1pPr marL="457200" lvl="0" indent="-342900">
               <a:lnSpc>
                 <a:spcPct val="115000"/>
               </a:lnSpc>
@@ -5015,7 +5185,7 @@
                 </a:solidFill>
               </a:defRPr>
             </a:lvl1pPr>
-            <a:lvl2pPr indent="-317500" lvl="1" marL="914400">
+            <a:lvl2pPr marL="914400" lvl="1" indent="-317500">
               <a:lnSpc>
                 <a:spcPct val="115000"/>
               </a:lnSpc>
@@ -5036,7 +5206,7 @@
                 </a:solidFill>
               </a:defRPr>
             </a:lvl2pPr>
-            <a:lvl3pPr indent="-317500" lvl="2" marL="1371600">
+            <a:lvl3pPr marL="1371600" lvl="2" indent="-317500">
               <a:lnSpc>
                 <a:spcPct val="115000"/>
               </a:lnSpc>
@@ -5057,7 +5227,7 @@
                 </a:solidFill>
               </a:defRPr>
             </a:lvl3pPr>
-            <a:lvl4pPr indent="-317500" lvl="3" marL="1828800">
+            <a:lvl4pPr marL="1828800" lvl="3" indent="-317500">
               <a:lnSpc>
                 <a:spcPct val="115000"/>
               </a:lnSpc>
@@ -5078,7 +5248,7 @@
                 </a:solidFill>
               </a:defRPr>
             </a:lvl4pPr>
-            <a:lvl5pPr indent="-317500" lvl="4" marL="2286000">
+            <a:lvl5pPr marL="2286000" lvl="4" indent="-317500">
               <a:lnSpc>
                 <a:spcPct val="115000"/>
               </a:lnSpc>
@@ -5099,7 +5269,7 @@
                 </a:solidFill>
               </a:defRPr>
             </a:lvl5pPr>
-            <a:lvl6pPr indent="-317500" lvl="5" marL="2743200">
+            <a:lvl6pPr marL="2743200" lvl="5" indent="-317500">
               <a:lnSpc>
                 <a:spcPct val="115000"/>
               </a:lnSpc>
@@ -5120,7 +5290,7 @@
                 </a:solidFill>
               </a:defRPr>
             </a:lvl6pPr>
-            <a:lvl7pPr indent="-317500" lvl="6" marL="3200400">
+            <a:lvl7pPr marL="3200400" lvl="6" indent="-317500">
               <a:lnSpc>
                 <a:spcPct val="115000"/>
               </a:lnSpc>
@@ -5141,7 +5311,7 @@
                 </a:solidFill>
               </a:defRPr>
             </a:lvl7pPr>
-            <a:lvl8pPr indent="-317500" lvl="7" marL="3657600">
+            <a:lvl8pPr marL="3657600" lvl="7" indent="-317500">
               <a:lnSpc>
                 <a:spcPct val="115000"/>
               </a:lnSpc>
@@ -5162,7 +5332,7 @@
                 </a:solidFill>
               </a:defRPr>
             </a:lvl8pPr>
-            <a:lvl9pPr indent="-317500" lvl="8" marL="4114800">
+            <a:lvl9pPr marL="4114800" lvl="8" indent="-317500">
               <a:lnSpc>
                 <a:spcPct val="115000"/>
               </a:lnSpc>
@@ -5184,15 +5354,19 @@
               </a:defRPr>
             </a:lvl9pPr>
           </a:lstStyle>
-          <a:p/>
+          <a:p>
+            <a:endParaRPr/>
+          </a:p>
         </p:txBody>
       </p:sp>
       <p:sp>
         <p:nvSpPr>
           <p:cNvPr id="8" name="Google Shape;8;p1"/>
-          <p:cNvSpPr txBox="1"/>
+          <p:cNvSpPr txBox="1">
+            <a:spLocks noGrp="1"/>
+          </p:cNvSpPr>
           <p:nvPr>
-            <p:ph idx="12" type="sldNum"/>
+            <p:ph type="sldNum" idx="12"/>
           </p:nvPr>
         </p:nvSpPr>
         <p:spPr>
@@ -5209,7 +5383,7 @@
           </a:ln>
         </p:spPr>
         <p:txBody>
-          <a:bodyPr anchorCtr="0" anchor="ctr" bIns="91425" lIns="91425" spcFirstLastPara="1" rIns="91425" wrap="square" tIns="91425">
+          <a:bodyPr spcFirstLastPara="1" wrap="square" lIns="91425" tIns="91425" rIns="91425" bIns="91425" anchor="ctr" anchorCtr="0">
             <a:noAutofit/>
           </a:bodyPr>
           <a:lstStyle>
@@ -5287,7 +5461,7 @@
             </a:lvl9pPr>
           </a:lstStyle>
           <a:p>
-            <a:pPr indent="0" lvl="0" marL="0" rtl="0" algn="r">
+            <a:pPr marL="0" lvl="0" indent="0" algn="r" rtl="0">
               <a:spcBef>
                 <a:spcPts val="0"/>
               </a:spcBef>
@@ -5298,7 +5472,7 @@
             </a:pPr>
             <a:fld id="{00000000-1234-1234-1234-123412341234}" type="slidenum">
               <a:rPr lang="en"/>
-              <a:t>‹#›</a:t>
+              <a:t>‹nº›</a:t>
             </a:fld>
             <a:endParaRPr/>
           </a:p>
@@ -5306,7 +5480,7 @@
       </p:sp>
     </p:spTree>
   </p:cSld>
-  <p:clrMap accent1="accent1" accent2="accent2" accent3="accent3" accent4="accent4" accent5="accent5" accent6="accent6" bg1="lt1" bg2="dk2" tx1="dk1" tx2="lt2" folHlink="folHlink" hlink="hlink"/>
+  <p:clrMap bg1="lt1" tx1="dk1" bg2="dk2" tx2="lt2" accent1="accent1" accent2="accent2" accent3="accent3" accent4="accent4" accent5="accent5" accent6="accent6" hlink="hlink" folHlink="folHlink"/>
   <p:sldLayoutIdLst>
     <p:sldLayoutId id="2147483648" r:id="rId1"/>
     <p:sldLayoutId id="2147483649" r:id="rId2"/>
@@ -5320,10 +5494,10 @@
     <p:sldLayoutId id="2147483657" r:id="rId10"/>
     <p:sldLayoutId id="2147483658" r:id="rId11"/>
   </p:sldLayoutIdLst>
-  <p:hf dt="0" ftr="0" hdr="0" sldNum="0"/>
+  <p:hf sldNum="0" hdr="0" ftr="0" dt="0"/>
   <p:txStyles>
     <p:titleStyle>
-      <a:defPPr lvl="0" marR="0" rtl="0" algn="l">
+      <a:defPPr marR="0" lvl="0" algn="l" rtl="0">
         <a:lnSpc>
           <a:spcPct val="100000"/>
         </a:lnSpc>
@@ -5334,7 +5508,7 @@
           <a:spcPts val="0"/>
         </a:spcAft>
       </a:defPPr>
-      <a:lvl1pPr lvl="0" marR="0" rtl="0" algn="l">
+      <a:lvl1pPr marR="0" lvl="0" algn="l" rtl="0">
         <a:lnSpc>
           <a:spcPct val="100000"/>
         </a:lnSpc>
@@ -5348,7 +5522,7 @@
           <a:srgbClr val="000000"/>
         </a:buClr>
         <a:buFont typeface="Arial"/>
-        <a:defRPr b="0" i="0" sz="1400" u="none" cap="none" strike="noStrike">
+        <a:defRPr sz="1400" b="0" i="0" u="none" strike="noStrike" cap="none">
           <a:solidFill>
             <a:srgbClr val="000000"/>
           </a:solidFill>
@@ -5358,7 +5532,7 @@
           <a:sym typeface="Arial"/>
         </a:defRPr>
       </a:lvl1pPr>
-      <a:lvl2pPr lvl="1" marR="0" rtl="0" algn="l">
+      <a:lvl2pPr marR="0" lvl="1" algn="l" rtl="0">
         <a:lnSpc>
           <a:spcPct val="100000"/>
         </a:lnSpc>
@@ -5372,7 +5546,7 @@
           <a:srgbClr val="000000"/>
         </a:buClr>
         <a:buFont typeface="Arial"/>
-        <a:defRPr b="0" i="0" sz="1400" u="none" cap="none" strike="noStrike">
+        <a:defRPr sz="1400" b="0" i="0" u="none" strike="noStrike" cap="none">
           <a:solidFill>
             <a:srgbClr val="000000"/>
           </a:solidFill>
@@ -5382,7 +5556,7 @@
           <a:sym typeface="Arial"/>
         </a:defRPr>
       </a:lvl2pPr>
-      <a:lvl3pPr lvl="2" marR="0" rtl="0" algn="l">
+      <a:lvl3pPr marR="0" lvl="2" algn="l" rtl="0">
         <a:lnSpc>
           <a:spcPct val="100000"/>
         </a:lnSpc>
@@ -5396,7 +5570,7 @@
           <a:srgbClr val="000000"/>
         </a:buClr>
         <a:buFont typeface="Arial"/>
-        <a:defRPr b="0" i="0" sz="1400" u="none" cap="none" strike="noStrike">
+        <a:defRPr sz="1400" b="0" i="0" u="none" strike="noStrike" cap="none">
           <a:solidFill>
             <a:srgbClr val="000000"/>
           </a:solidFill>
@@ -5406,7 +5580,7 @@
           <a:sym typeface="Arial"/>
         </a:defRPr>
       </a:lvl3pPr>
-      <a:lvl4pPr lvl="3" marR="0" rtl="0" algn="l">
+      <a:lvl4pPr marR="0" lvl="3" algn="l" rtl="0">
         <a:lnSpc>
           <a:spcPct val="100000"/>
         </a:lnSpc>
@@ -5420,7 +5594,7 @@
           <a:srgbClr val="000000"/>
         </a:buClr>
         <a:buFont typeface="Arial"/>
-        <a:defRPr b="0" i="0" sz="1400" u="none" cap="none" strike="noStrike">
+        <a:defRPr sz="1400" b="0" i="0" u="none" strike="noStrike" cap="none">
           <a:solidFill>
             <a:srgbClr val="000000"/>
           </a:solidFill>
@@ -5430,7 +5604,7 @@
           <a:sym typeface="Arial"/>
         </a:defRPr>
       </a:lvl4pPr>
-      <a:lvl5pPr lvl="4" marR="0" rtl="0" algn="l">
+      <a:lvl5pPr marR="0" lvl="4" algn="l" rtl="0">
         <a:lnSpc>
           <a:spcPct val="100000"/>
         </a:lnSpc>
@@ -5444,7 +5618,7 @@
           <a:srgbClr val="000000"/>
         </a:buClr>
         <a:buFont typeface="Arial"/>
-        <a:defRPr b="0" i="0" sz="1400" u="none" cap="none" strike="noStrike">
+        <a:defRPr sz="1400" b="0" i="0" u="none" strike="noStrike" cap="none">
           <a:solidFill>
             <a:srgbClr val="000000"/>
           </a:solidFill>
@@ -5454,7 +5628,7 @@
           <a:sym typeface="Arial"/>
         </a:defRPr>
       </a:lvl5pPr>
-      <a:lvl6pPr lvl="5" marR="0" rtl="0" algn="l">
+      <a:lvl6pPr marR="0" lvl="5" algn="l" rtl="0">
         <a:lnSpc>
           <a:spcPct val="100000"/>
         </a:lnSpc>
@@ -5468,7 +5642,7 @@
           <a:srgbClr val="000000"/>
         </a:buClr>
         <a:buFont typeface="Arial"/>
-        <a:defRPr b="0" i="0" sz="1400" u="none" cap="none" strike="noStrike">
+        <a:defRPr sz="1400" b="0" i="0" u="none" strike="noStrike" cap="none">
           <a:solidFill>
             <a:srgbClr val="000000"/>
           </a:solidFill>
@@ -5478,7 +5652,7 @@
           <a:sym typeface="Arial"/>
         </a:defRPr>
       </a:lvl6pPr>
-      <a:lvl7pPr lvl="6" marR="0" rtl="0" algn="l">
+      <a:lvl7pPr marR="0" lvl="6" algn="l" rtl="0">
         <a:lnSpc>
           <a:spcPct val="100000"/>
         </a:lnSpc>
@@ -5492,7 +5666,7 @@
           <a:srgbClr val="000000"/>
         </a:buClr>
         <a:buFont typeface="Arial"/>
-        <a:defRPr b="0" i="0" sz="1400" u="none" cap="none" strike="noStrike">
+        <a:defRPr sz="1400" b="0" i="0" u="none" strike="noStrike" cap="none">
           <a:solidFill>
             <a:srgbClr val="000000"/>
           </a:solidFill>
@@ -5502,7 +5676,7 @@
           <a:sym typeface="Arial"/>
         </a:defRPr>
       </a:lvl7pPr>
-      <a:lvl8pPr lvl="7" marR="0" rtl="0" algn="l">
+      <a:lvl8pPr marR="0" lvl="7" algn="l" rtl="0">
         <a:lnSpc>
           <a:spcPct val="100000"/>
         </a:lnSpc>
@@ -5516,7 +5690,7 @@
           <a:srgbClr val="000000"/>
         </a:buClr>
         <a:buFont typeface="Arial"/>
-        <a:defRPr b="0" i="0" sz="1400" u="none" cap="none" strike="noStrike">
+        <a:defRPr sz="1400" b="0" i="0" u="none" strike="noStrike" cap="none">
           <a:solidFill>
             <a:srgbClr val="000000"/>
           </a:solidFill>
@@ -5526,7 +5700,7 @@
           <a:sym typeface="Arial"/>
         </a:defRPr>
       </a:lvl8pPr>
-      <a:lvl9pPr lvl="8" marR="0" rtl="0" algn="l">
+      <a:lvl9pPr marR="0" lvl="8" algn="l" rtl="0">
         <a:lnSpc>
           <a:spcPct val="100000"/>
         </a:lnSpc>
@@ -5540,7 +5714,7 @@
           <a:srgbClr val="000000"/>
         </a:buClr>
         <a:buFont typeface="Arial"/>
-        <a:defRPr b="0" i="0" sz="1400" u="none" cap="none" strike="noStrike">
+        <a:defRPr sz="1400" b="0" i="0" u="none" strike="noStrike" cap="none">
           <a:solidFill>
             <a:srgbClr val="000000"/>
           </a:solidFill>
@@ -5552,7 +5726,7 @@
       </a:lvl9pPr>
     </p:titleStyle>
     <p:bodyStyle>
-      <a:defPPr lvl="0" marR="0" rtl="0" algn="l">
+      <a:defPPr marR="0" lvl="0" algn="l" rtl="0">
         <a:lnSpc>
           <a:spcPct val="100000"/>
         </a:lnSpc>
@@ -5563,7 +5737,7 @@
           <a:spcPts val="0"/>
         </a:spcAft>
       </a:defPPr>
-      <a:lvl1pPr lvl="0" marR="0" rtl="0" algn="l">
+      <a:lvl1pPr marR="0" lvl="0" algn="l" rtl="0">
         <a:lnSpc>
           <a:spcPct val="100000"/>
         </a:lnSpc>
@@ -5577,7 +5751,7 @@
           <a:srgbClr val="000000"/>
         </a:buClr>
         <a:buFont typeface="Arial"/>
-        <a:defRPr b="0" i="0" sz="1400" u="none" cap="none" strike="noStrike">
+        <a:defRPr sz="1400" b="0" i="0" u="none" strike="noStrike" cap="none">
           <a:solidFill>
             <a:srgbClr val="000000"/>
           </a:solidFill>
@@ -5587,7 +5761,7 @@
           <a:sym typeface="Arial"/>
         </a:defRPr>
       </a:lvl1pPr>
-      <a:lvl2pPr lvl="1" marR="0" rtl="0" algn="l">
+      <a:lvl2pPr marR="0" lvl="1" algn="l" rtl="0">
         <a:lnSpc>
           <a:spcPct val="100000"/>
         </a:lnSpc>
@@ -5601,7 +5775,7 @@
           <a:srgbClr val="000000"/>
         </a:buClr>
         <a:buFont typeface="Arial"/>
-        <a:defRPr b="0" i="0" sz="1400" u="none" cap="none" strike="noStrike">
+        <a:defRPr sz="1400" b="0" i="0" u="none" strike="noStrike" cap="none">
           <a:solidFill>
             <a:srgbClr val="000000"/>
           </a:solidFill>
@@ -5611,7 +5785,7 @@
           <a:sym typeface="Arial"/>
         </a:defRPr>
       </a:lvl2pPr>
-      <a:lvl3pPr lvl="2" marR="0" rtl="0" algn="l">
+      <a:lvl3pPr marR="0" lvl="2" algn="l" rtl="0">
         <a:lnSpc>
           <a:spcPct val="100000"/>
         </a:lnSpc>
@@ -5625,7 +5799,7 @@
           <a:srgbClr val="000000"/>
         </a:buClr>
         <a:buFont typeface="Arial"/>
-        <a:defRPr b="0" i="0" sz="1400" u="none" cap="none" strike="noStrike">
+        <a:defRPr sz="1400" b="0" i="0" u="none" strike="noStrike" cap="none">
           <a:solidFill>
             <a:srgbClr val="000000"/>
           </a:solidFill>
@@ -5635,7 +5809,7 @@
           <a:sym typeface="Arial"/>
         </a:defRPr>
       </a:lvl3pPr>
-      <a:lvl4pPr lvl="3" marR="0" rtl="0" algn="l">
+      <a:lvl4pPr marR="0" lvl="3" algn="l" rtl="0">
         <a:lnSpc>
           <a:spcPct val="100000"/>
         </a:lnSpc>
@@ -5649,7 +5823,7 @@
           <a:srgbClr val="000000"/>
         </a:buClr>
         <a:buFont typeface="Arial"/>
-        <a:defRPr b="0" i="0" sz="1400" u="none" cap="none" strike="noStrike">
+        <a:defRPr sz="1400" b="0" i="0" u="none" strike="noStrike" cap="none">
           <a:solidFill>
             <a:srgbClr val="000000"/>
           </a:solidFill>
@@ -5659,7 +5833,7 @@
           <a:sym typeface="Arial"/>
         </a:defRPr>
       </a:lvl4pPr>
-      <a:lvl5pPr lvl="4" marR="0" rtl="0" algn="l">
+      <a:lvl5pPr marR="0" lvl="4" algn="l" rtl="0">
         <a:lnSpc>
           <a:spcPct val="100000"/>
         </a:lnSpc>
@@ -5673,7 +5847,7 @@
           <a:srgbClr val="000000"/>
         </a:buClr>
         <a:buFont typeface="Arial"/>
-        <a:defRPr b="0" i="0" sz="1400" u="none" cap="none" strike="noStrike">
+        <a:defRPr sz="1400" b="0" i="0" u="none" strike="noStrike" cap="none">
           <a:solidFill>
             <a:srgbClr val="000000"/>
           </a:solidFill>
@@ -5683,7 +5857,7 @@
           <a:sym typeface="Arial"/>
         </a:defRPr>
       </a:lvl5pPr>
-      <a:lvl6pPr lvl="5" marR="0" rtl="0" algn="l">
+      <a:lvl6pPr marR="0" lvl="5" algn="l" rtl="0">
         <a:lnSpc>
           <a:spcPct val="100000"/>
         </a:lnSpc>
@@ -5697,7 +5871,7 @@
           <a:srgbClr val="000000"/>
         </a:buClr>
         <a:buFont typeface="Arial"/>
-        <a:defRPr b="0" i="0" sz="1400" u="none" cap="none" strike="noStrike">
+        <a:defRPr sz="1400" b="0" i="0" u="none" strike="noStrike" cap="none">
           <a:solidFill>
             <a:srgbClr val="000000"/>
           </a:solidFill>
@@ -5707,7 +5881,7 @@
           <a:sym typeface="Arial"/>
         </a:defRPr>
       </a:lvl6pPr>
-      <a:lvl7pPr lvl="6" marR="0" rtl="0" algn="l">
+      <a:lvl7pPr marR="0" lvl="6" algn="l" rtl="0">
         <a:lnSpc>
           <a:spcPct val="100000"/>
         </a:lnSpc>
@@ -5721,7 +5895,7 @@
           <a:srgbClr val="000000"/>
         </a:buClr>
         <a:buFont typeface="Arial"/>
-        <a:defRPr b="0" i="0" sz="1400" u="none" cap="none" strike="noStrike">
+        <a:defRPr sz="1400" b="0" i="0" u="none" strike="noStrike" cap="none">
           <a:solidFill>
             <a:srgbClr val="000000"/>
           </a:solidFill>
@@ -5731,7 +5905,7 @@
           <a:sym typeface="Arial"/>
         </a:defRPr>
       </a:lvl7pPr>
-      <a:lvl8pPr lvl="7" marR="0" rtl="0" algn="l">
+      <a:lvl8pPr marR="0" lvl="7" algn="l" rtl="0">
         <a:lnSpc>
           <a:spcPct val="100000"/>
         </a:lnSpc>
@@ -5745,7 +5919,7 @@
           <a:srgbClr val="000000"/>
         </a:buClr>
         <a:buFont typeface="Arial"/>
-        <a:defRPr b="0" i="0" sz="1400" u="none" cap="none" strike="noStrike">
+        <a:defRPr sz="1400" b="0" i="0" u="none" strike="noStrike" cap="none">
           <a:solidFill>
             <a:srgbClr val="000000"/>
           </a:solidFill>
@@ -5755,7 +5929,7 @@
           <a:sym typeface="Arial"/>
         </a:defRPr>
       </a:lvl8pPr>
-      <a:lvl9pPr lvl="8" marR="0" rtl="0" algn="l">
+      <a:lvl9pPr marR="0" lvl="8" algn="l" rtl="0">
         <a:lnSpc>
           <a:spcPct val="100000"/>
         </a:lnSpc>
@@ -5769,7 +5943,7 @@
           <a:srgbClr val="000000"/>
         </a:buClr>
         <a:buFont typeface="Arial"/>
-        <a:defRPr b="0" i="0" sz="1400" u="none" cap="none" strike="noStrike">
+        <a:defRPr sz="1400" b="0" i="0" u="none" strike="noStrike" cap="none">
           <a:solidFill>
             <a:srgbClr val="000000"/>
           </a:solidFill>
@@ -5781,7 +5955,7 @@
       </a:lvl9pPr>
     </p:bodyStyle>
     <p:otherStyle>
-      <a:defPPr lvl="0" marR="0" rtl="0" algn="l">
+      <a:defPPr marR="0" lvl="0" algn="l" rtl="0">
         <a:lnSpc>
           <a:spcPct val="100000"/>
         </a:lnSpc>
@@ -5792,7 +5966,7 @@
           <a:spcPts val="0"/>
         </a:spcAft>
       </a:defPPr>
-      <a:lvl1pPr lvl="0" marR="0" rtl="0" algn="l">
+      <a:lvl1pPr marR="0" lvl="0" algn="l" rtl="0">
         <a:lnSpc>
           <a:spcPct val="100000"/>
         </a:lnSpc>
@@ -5806,7 +5980,7 @@
           <a:srgbClr val="000000"/>
         </a:buClr>
         <a:buFont typeface="Arial"/>
-        <a:defRPr b="0" i="0" sz="1400" u="none" cap="none" strike="noStrike">
+        <a:defRPr sz="1400" b="0" i="0" u="none" strike="noStrike" cap="none">
           <a:solidFill>
             <a:srgbClr val="000000"/>
           </a:solidFill>
@@ -5816,7 +5990,7 @@
           <a:sym typeface="Arial"/>
         </a:defRPr>
       </a:lvl1pPr>
-      <a:lvl2pPr lvl="1" marR="0" rtl="0" algn="l">
+      <a:lvl2pPr marR="0" lvl="1" algn="l" rtl="0">
         <a:lnSpc>
           <a:spcPct val="100000"/>
         </a:lnSpc>
@@ -5830,7 +6004,7 @@
           <a:srgbClr val="000000"/>
         </a:buClr>
         <a:buFont typeface="Arial"/>
-        <a:defRPr b="0" i="0" sz="1400" u="none" cap="none" strike="noStrike">
+        <a:defRPr sz="1400" b="0" i="0" u="none" strike="noStrike" cap="none">
           <a:solidFill>
             <a:srgbClr val="000000"/>
           </a:solidFill>
@@ -5840,7 +6014,7 @@
           <a:sym typeface="Arial"/>
         </a:defRPr>
       </a:lvl2pPr>
-      <a:lvl3pPr lvl="2" marR="0" rtl="0" algn="l">
+      <a:lvl3pPr marR="0" lvl="2" algn="l" rtl="0">
         <a:lnSpc>
           <a:spcPct val="100000"/>
         </a:lnSpc>
@@ -5854,7 +6028,7 @@
           <a:srgbClr val="000000"/>
         </a:buClr>
         <a:buFont typeface="Arial"/>
-        <a:defRPr b="0" i="0" sz="1400" u="none" cap="none" strike="noStrike">
+        <a:defRPr sz="1400" b="0" i="0" u="none" strike="noStrike" cap="none">
           <a:solidFill>
             <a:srgbClr val="000000"/>
           </a:solidFill>
@@ -5864,7 +6038,7 @@
           <a:sym typeface="Arial"/>
         </a:defRPr>
       </a:lvl3pPr>
-      <a:lvl4pPr lvl="3" marR="0" rtl="0" algn="l">
+      <a:lvl4pPr marR="0" lvl="3" algn="l" rtl="0">
         <a:lnSpc>
           <a:spcPct val="100000"/>
         </a:lnSpc>
@@ -5878,7 +6052,7 @@
           <a:srgbClr val="000000"/>
         </a:buClr>
         <a:buFont typeface="Arial"/>
-        <a:defRPr b="0" i="0" sz="1400" u="none" cap="none" strike="noStrike">
+        <a:defRPr sz="1400" b="0" i="0" u="none" strike="noStrike" cap="none">
           <a:solidFill>
             <a:srgbClr val="000000"/>
           </a:solidFill>
@@ -5888,7 +6062,7 @@
           <a:sym typeface="Arial"/>
         </a:defRPr>
       </a:lvl4pPr>
-      <a:lvl5pPr lvl="4" marR="0" rtl="0" algn="l">
+      <a:lvl5pPr marR="0" lvl="4" algn="l" rtl="0">
         <a:lnSpc>
           <a:spcPct val="100000"/>
         </a:lnSpc>
@@ -5902,7 +6076,7 @@
           <a:srgbClr val="000000"/>
         </a:buClr>
         <a:buFont typeface="Arial"/>
-        <a:defRPr b="0" i="0" sz="1400" u="none" cap="none" strike="noStrike">
+        <a:defRPr sz="1400" b="0" i="0" u="none" strike="noStrike" cap="none">
           <a:solidFill>
             <a:srgbClr val="000000"/>
           </a:solidFill>
@@ -5912,7 +6086,7 @@
           <a:sym typeface="Arial"/>
         </a:defRPr>
       </a:lvl5pPr>
-      <a:lvl6pPr lvl="5" marR="0" rtl="0" algn="l">
+      <a:lvl6pPr marR="0" lvl="5" algn="l" rtl="0">
         <a:lnSpc>
           <a:spcPct val="100000"/>
         </a:lnSpc>
@@ -5926,7 +6100,7 @@
           <a:srgbClr val="000000"/>
         </a:buClr>
         <a:buFont typeface="Arial"/>
-        <a:defRPr b="0" i="0" sz="1400" u="none" cap="none" strike="noStrike">
+        <a:defRPr sz="1400" b="0" i="0" u="none" strike="noStrike" cap="none">
           <a:solidFill>
             <a:srgbClr val="000000"/>
           </a:solidFill>
@@ -5936,7 +6110,7 @@
           <a:sym typeface="Arial"/>
         </a:defRPr>
       </a:lvl6pPr>
-      <a:lvl7pPr lvl="6" marR="0" rtl="0" algn="l">
+      <a:lvl7pPr marR="0" lvl="6" algn="l" rtl="0">
         <a:lnSpc>
           <a:spcPct val="100000"/>
         </a:lnSpc>
@@ -5950,7 +6124,7 @@
           <a:srgbClr val="000000"/>
         </a:buClr>
         <a:buFont typeface="Arial"/>
-        <a:defRPr b="0" i="0" sz="1400" u="none" cap="none" strike="noStrike">
+        <a:defRPr sz="1400" b="0" i="0" u="none" strike="noStrike" cap="none">
           <a:solidFill>
             <a:srgbClr val="000000"/>
           </a:solidFill>
@@ -5960,7 +6134,7 @@
           <a:sym typeface="Arial"/>
         </a:defRPr>
       </a:lvl7pPr>
-      <a:lvl8pPr lvl="7" marR="0" rtl="0" algn="l">
+      <a:lvl8pPr marR="0" lvl="7" algn="l" rtl="0">
         <a:lnSpc>
           <a:spcPct val="100000"/>
         </a:lnSpc>
@@ -5974,7 +6148,7 @@
           <a:srgbClr val="000000"/>
         </a:buClr>
         <a:buFont typeface="Arial"/>
-        <a:defRPr b="0" i="0" sz="1400" u="none" cap="none" strike="noStrike">
+        <a:defRPr sz="1400" b="0" i="0" u="none" strike="noStrike" cap="none">
           <a:solidFill>
             <a:srgbClr val="000000"/>
           </a:solidFill>
@@ -5984,7 +6158,7 @@
           <a:sym typeface="Arial"/>
         </a:defRPr>
       </a:lvl8pPr>
-      <a:lvl9pPr lvl="8" marR="0" rtl="0" algn="l">
+      <a:lvl9pPr marR="0" lvl="8" algn="l" rtl="0">
         <a:lnSpc>
           <a:spcPct val="100000"/>
         </a:lnSpc>
@@ -5998,7 +6172,7 @@
           <a:srgbClr val="000000"/>
         </a:buClr>
         <a:buFont typeface="Arial"/>
-        <a:defRPr b="0" i="0" sz="1400" u="none" cap="none" strike="noStrike">
+        <a:defRPr sz="1400" b="0" i="0" u="none" strike="noStrike" cap="none">
           <a:solidFill>
             <a:srgbClr val="000000"/>
           </a:solidFill>
@@ -6014,11 +6188,11 @@
 </file>
 
 <file path=ppt/slides/slide1.xml><?xml version="1.0" encoding="utf-8"?>
-<p:sld xmlns:a="http://schemas.openxmlformats.org/drawingml/2006/main" xmlns:r="http://schemas.openxmlformats.org/officeDocument/2006/relationships" xmlns:mc="http://schemas.openxmlformats.org/markup-compatibility/2006" xmlns:mv="urn:schemas-microsoft-com:mac:vml" xmlns:p="http://schemas.openxmlformats.org/presentationml/2006/main" xmlns:c="http://schemas.openxmlformats.org/drawingml/2006/chart" xmlns:dgm="http://schemas.openxmlformats.org/drawingml/2006/diagram" xmlns:o="urn:schemas-microsoft-com:office:office" xmlns:v="urn:schemas-microsoft-com:vml" xmlns:pvml="urn:schemas-microsoft-com:office:powerpoint" xmlns:com="http://schemas.openxmlformats.org/drawingml/2006/compatibility" xmlns:p14="http://schemas.microsoft.com/office/powerpoint/2010/main" xmlns:p15="http://schemas.microsoft.com/office/powerpoint/2012/main" xmlns:ahyp="http://schemas.microsoft.com/office/drawing/2018/hyperlinkcolor">
+<p:sld xmlns:a="http://schemas.openxmlformats.org/drawingml/2006/main" xmlns:r="http://schemas.openxmlformats.org/officeDocument/2006/relationships" xmlns:p="http://schemas.openxmlformats.org/presentationml/2006/main">
   <p:cSld>
     <p:spTree>
       <p:nvGrpSpPr>
-        <p:cNvPr id="53" name="Shape 53"/>
+        <p:cNvPr id="1" name="Shape 53"/>
         <p:cNvGrpSpPr/>
         <p:nvPr/>
       </p:nvGrpSpPr>
@@ -6040,7 +6214,7 @@
           <a:blip r:embed="rId3">
             <a:alphaModFix/>
           </a:blip>
-          <a:srcRect b="15031" l="0" r="0" t="0"/>
+          <a:srcRect b="15031"/>
           <a:stretch/>
         </p:blipFill>
         <p:spPr>
@@ -6081,23 +6255,20 @@
           </a:ln>
         </p:spPr>
         <p:txBody>
-          <a:bodyPr anchorCtr="0" anchor="ctr" bIns="91425" lIns="91425" spcFirstLastPara="1" rIns="91425" wrap="square" tIns="91425">
+          <a:bodyPr spcFirstLastPara="1" wrap="square" lIns="91425" tIns="91425" rIns="91425" bIns="91425" anchor="ctr" anchorCtr="0">
             <a:noAutofit/>
           </a:bodyPr>
           <a:lstStyle/>
           <a:p>
-            <a:pPr indent="0" lvl="0" marL="0" rtl="0" algn="l">
-              <a:spcBef>
-                <a:spcPts val="0"/>
-              </a:spcBef>
-              <a:spcAft>
-                <a:spcPts val="0"/>
-              </a:spcAft>
-              <a:buNone/>
-            </a:pPr>
-            <a:r>
-              <a:t/>
-            </a:r>
+            <a:pPr marL="0" lvl="0" indent="0" algn="l" rtl="0">
+              <a:spcBef>
+                <a:spcPts val="0"/>
+              </a:spcBef>
+              <a:spcAft>
+                <a:spcPts val="0"/>
+              </a:spcAft>
+              <a:buNone/>
+            </a:pPr>
             <a:endParaRPr/>
           </a:p>
         </p:txBody>
@@ -6111,7 +6282,7 @@
         <p:spPr>
           <a:xfrm>
             <a:off x="343725" y="3176575"/>
-            <a:ext cx="5427600" cy="871800"/>
+            <a:ext cx="6652976" cy="871800"/>
           </a:xfrm>
           <a:prstGeom prst="rect">
             <a:avLst/>
@@ -6122,12 +6293,12 @@
           </a:ln>
         </p:spPr>
         <p:txBody>
-          <a:bodyPr anchorCtr="0" anchor="t" bIns="91425" lIns="91425" spcFirstLastPara="1" rIns="91425" wrap="square" tIns="91425">
+          <a:bodyPr spcFirstLastPara="1" wrap="square" lIns="91425" tIns="91425" rIns="91425" bIns="91425" anchor="t" anchorCtr="0">
             <a:noAutofit/>
           </a:bodyPr>
           <a:lstStyle/>
           <a:p>
-            <a:pPr indent="0" lvl="0" marL="0" rtl="0" algn="l">
+            <a:pPr marL="0" lvl="0" indent="0" algn="l" rtl="0">
               <a:spcBef>
                 <a:spcPts val="0"/>
               </a:spcBef>
@@ -6137,7 +6308,7 @@
               <a:buNone/>
             </a:pPr>
             <a:r>
-              <a:rPr b="1" lang="en" sz="5200">
+              <a:rPr lang="en" sz="5200" b="1" dirty="0">
                 <a:solidFill>
                   <a:srgbClr val="FFFFFF"/>
                 </a:solidFill>
@@ -6148,7 +6319,7 @@
               </a:rPr>
               <a:t>O projeto final!</a:t>
             </a:r>
-            <a:endParaRPr b="1" sz="5200">
+            <a:endParaRPr sz="5200" b="1" dirty="0">
               <a:solidFill>
                 <a:srgbClr val="FFFFFF"/>
               </a:solidFill>
@@ -6180,12 +6351,12 @@
           </a:ln>
         </p:spPr>
         <p:txBody>
-          <a:bodyPr anchorCtr="0" anchor="t" bIns="91425" lIns="91425" spcFirstLastPara="1" rIns="91425" wrap="square" tIns="91425">
+          <a:bodyPr spcFirstLastPara="1" wrap="square" lIns="91425" tIns="91425" rIns="91425" bIns="91425" anchor="t" anchorCtr="0">
             <a:noAutofit/>
           </a:bodyPr>
           <a:lstStyle/>
           <a:p>
-            <a:pPr indent="0" lvl="0" marL="0" rtl="0" algn="l">
+            <a:pPr marL="0" lvl="0" indent="0" algn="l" rtl="0">
               <a:lnSpc>
                 <a:spcPct val="150000"/>
               </a:lnSpc>
@@ -6220,7 +6391,7 @@
             </a:endParaRPr>
           </a:p>
           <a:p>
-            <a:pPr indent="0" lvl="0" marL="0" rtl="0" algn="l">
+            <a:pPr marL="0" lvl="0" indent="0" algn="l" rtl="0">
               <a:lnSpc>
                 <a:spcPct val="150000"/>
               </a:lnSpc>
@@ -6301,15 +6472,22 @@
   <p:clrMapOvr>
     <a:masterClrMapping/>
   </p:clrMapOvr>
+  <p:timing>
+    <p:tnLst>
+      <p:par>
+        <p:cTn id="1" dur="indefinite" restart="never" nodeType="tmRoot"/>
+      </p:par>
+    </p:tnLst>
+  </p:timing>
 </p:sld>
 </file>
 
 <file path=ppt/slides/slide2.xml><?xml version="1.0" encoding="utf-8"?>
-<p:sld xmlns:a="http://schemas.openxmlformats.org/drawingml/2006/main" xmlns:r="http://schemas.openxmlformats.org/officeDocument/2006/relationships" xmlns:mc="http://schemas.openxmlformats.org/markup-compatibility/2006" xmlns:mv="urn:schemas-microsoft-com:mac:vml" xmlns:p="http://schemas.openxmlformats.org/presentationml/2006/main" xmlns:c="http://schemas.openxmlformats.org/drawingml/2006/chart" xmlns:dgm="http://schemas.openxmlformats.org/drawingml/2006/diagram" xmlns:o="urn:schemas-microsoft-com:office:office" xmlns:v="urn:schemas-microsoft-com:vml" xmlns:pvml="urn:schemas-microsoft-com:office:powerpoint" xmlns:com="http://schemas.openxmlformats.org/drawingml/2006/compatibility" xmlns:p14="http://schemas.microsoft.com/office/powerpoint/2010/main" xmlns:p15="http://schemas.microsoft.com/office/powerpoint/2012/main" xmlns:ahyp="http://schemas.microsoft.com/office/drawing/2018/hyperlinkcolor">
+<p:sld xmlns:a="http://schemas.openxmlformats.org/drawingml/2006/main" xmlns:r="http://schemas.openxmlformats.org/officeDocument/2006/relationships" xmlns:p="http://schemas.openxmlformats.org/presentationml/2006/main">
   <p:cSld>
     <p:spTree>
       <p:nvGrpSpPr>
-        <p:cNvPr id="62" name="Shape 62"/>
+        <p:cNvPr id="1" name="Shape 62"/>
         <p:cNvGrpSpPr/>
         <p:nvPr/>
       </p:nvGrpSpPr>
@@ -6331,7 +6509,7 @@
           <a:blip r:embed="rId3">
             <a:alphaModFix/>
           </a:blip>
-          <a:srcRect b="0" l="8654" r="16996" t="0"/>
+          <a:srcRect l="8654" r="16996"/>
           <a:stretch/>
         </p:blipFill>
         <p:spPr>
@@ -6372,23 +6550,20 @@
           </a:ln>
         </p:spPr>
         <p:txBody>
-          <a:bodyPr anchorCtr="0" anchor="ctr" bIns="91425" lIns="91425" spcFirstLastPara="1" rIns="91425" wrap="square" tIns="91425">
+          <a:bodyPr spcFirstLastPara="1" wrap="square" lIns="91425" tIns="91425" rIns="91425" bIns="91425" anchor="ctr" anchorCtr="0">
             <a:noAutofit/>
           </a:bodyPr>
           <a:lstStyle/>
           <a:p>
-            <a:pPr indent="0" lvl="0" marL="0" rtl="0" algn="l">
-              <a:spcBef>
-                <a:spcPts val="0"/>
-              </a:spcBef>
-              <a:spcAft>
-                <a:spcPts val="0"/>
-              </a:spcAft>
-              <a:buNone/>
-            </a:pPr>
-            <a:r>
-              <a:t/>
-            </a:r>
+            <a:pPr marL="0" lvl="0" indent="0" algn="l" rtl="0">
+              <a:spcBef>
+                <a:spcPts val="0"/>
+              </a:spcBef>
+              <a:spcAft>
+                <a:spcPts val="0"/>
+              </a:spcAft>
+              <a:buNone/>
+            </a:pPr>
             <a:endParaRPr/>
           </a:p>
         </p:txBody>
@@ -6413,12 +6588,12 @@
           </a:ln>
         </p:spPr>
         <p:txBody>
-          <a:bodyPr anchorCtr="0" anchor="t" bIns="91425" lIns="91425" spcFirstLastPara="1" rIns="91425" wrap="square" tIns="91425">
+          <a:bodyPr spcFirstLastPara="1" wrap="square" lIns="91425" tIns="91425" rIns="91425" bIns="91425" anchor="t" anchorCtr="0">
             <a:noAutofit/>
           </a:bodyPr>
           <a:lstStyle/>
           <a:p>
-            <a:pPr indent="0" lvl="0" marL="0" rtl="0" algn="l">
+            <a:pPr marL="0" lvl="0" indent="0" algn="l" rtl="0">
               <a:spcBef>
                 <a:spcPts val="0"/>
               </a:spcBef>
@@ -6428,7 +6603,7 @@
               <a:buNone/>
             </a:pPr>
             <a:r>
-              <a:rPr b="1" lang="en" sz="2000">
+              <a:rPr lang="en" sz="2000" b="1">
                 <a:solidFill>
                   <a:srgbClr val="FFFFFF"/>
                 </a:solidFill>
@@ -6439,7 +6614,7 @@
               </a:rPr>
               <a:t>Achou que tinha acabado…</a:t>
             </a:r>
-            <a:endParaRPr b="1" sz="2000">
+            <a:endParaRPr sz="2000" b="1">
               <a:solidFill>
                 <a:srgbClr val="FFFFFF"/>
               </a:solidFill>
@@ -6450,19 +6625,16 @@
             </a:endParaRPr>
           </a:p>
           <a:p>
-            <a:pPr indent="0" lvl="0" marL="0" rtl="0" algn="l">
-              <a:spcBef>
-                <a:spcPts val="0"/>
-              </a:spcBef>
-              <a:spcAft>
-                <a:spcPts val="0"/>
-              </a:spcAft>
-              <a:buNone/>
-            </a:pPr>
-            <a:r>
-              <a:t/>
-            </a:r>
-            <a:endParaRPr b="1" sz="2000">
+            <a:pPr marL="0" lvl="0" indent="0" algn="l" rtl="0">
+              <a:spcBef>
+                <a:spcPts val="0"/>
+              </a:spcBef>
+              <a:spcAft>
+                <a:spcPts val="0"/>
+              </a:spcAft>
+              <a:buNone/>
+            </a:pPr>
+            <a:endParaRPr sz="2000" b="1">
               <a:solidFill>
                 <a:srgbClr val="FFFFFF"/>
               </a:solidFill>
@@ -6494,12 +6666,12 @@
           </a:ln>
         </p:spPr>
         <p:txBody>
-          <a:bodyPr anchorCtr="0" anchor="t" bIns="91425" lIns="91425" spcFirstLastPara="1" rIns="91425" wrap="square" tIns="91425">
+          <a:bodyPr spcFirstLastPara="1" wrap="square" lIns="91425" tIns="91425" rIns="91425" bIns="91425" anchor="t" anchorCtr="0">
             <a:noAutofit/>
           </a:bodyPr>
           <a:lstStyle/>
           <a:p>
-            <a:pPr indent="0" lvl="0" marL="0" rtl="0" algn="l">
+            <a:pPr marL="0" lvl="0" indent="0" algn="l" rtl="0">
               <a:spcBef>
                 <a:spcPts val="0"/>
               </a:spcBef>
@@ -6509,7 +6681,7 @@
               <a:buNone/>
             </a:pPr>
             <a:r>
-              <a:rPr b="1" lang="en" sz="2000">
+              <a:rPr lang="en" sz="2000" b="1">
                 <a:latin typeface="Comfortaa"/>
                 <a:ea typeface="Comfortaa"/>
                 <a:cs typeface="Comfortaa"/>
@@ -6517,7 +6689,7 @@
               </a:rPr>
               <a:t>O que tenho que fazer? </a:t>
             </a:r>
-            <a:endParaRPr b="1" sz="2000">
+            <a:endParaRPr sz="2000" b="1">
               <a:solidFill>
                 <a:srgbClr val="000000"/>
               </a:solidFill>
@@ -6549,12 +6721,12 @@
           </a:ln>
         </p:spPr>
         <p:txBody>
-          <a:bodyPr anchorCtr="0" anchor="t" bIns="91425" lIns="91425" spcFirstLastPara="1" rIns="91425" wrap="square" tIns="91425">
+          <a:bodyPr spcFirstLastPara="1" wrap="square" lIns="91425" tIns="91425" rIns="91425" bIns="91425" anchor="t" anchorCtr="0">
             <a:noAutofit/>
           </a:bodyPr>
           <a:lstStyle/>
           <a:p>
-            <a:pPr indent="0" lvl="0" marL="0" rtl="0" algn="l">
+            <a:pPr marL="0" lvl="0" indent="0" algn="l" rtl="0">
               <a:lnSpc>
                 <a:spcPct val="200000"/>
               </a:lnSpc>
@@ -6588,7 +6760,7 @@
             </a:endParaRPr>
           </a:p>
           <a:p>
-            <a:pPr indent="0" lvl="0" marL="0" rtl="0" algn="l">
+            <a:pPr marL="0" lvl="0" indent="0" algn="l" rtl="0">
               <a:lnSpc>
                 <a:spcPct val="200000"/>
               </a:lnSpc>
@@ -6605,9 +6777,6 @@
               <a:buFont typeface="Arial"/>
               <a:buNone/>
             </a:pPr>
-            <a:r>
-              <a:t/>
-            </a:r>
             <a:endParaRPr sz="1000">
               <a:latin typeface="Comfortaa Regular"/>
               <a:ea typeface="Comfortaa Regular"/>
@@ -6616,7 +6785,7 @@
             </a:endParaRPr>
           </a:p>
           <a:p>
-            <a:pPr indent="0" lvl="0" marL="0" rtl="0" algn="l">
+            <a:pPr marL="0" lvl="0" indent="0" algn="l" rtl="0">
               <a:lnSpc>
                 <a:spcPct val="200000"/>
               </a:lnSpc>
@@ -6633,9 +6802,6 @@
               <a:buFont typeface="Arial"/>
               <a:buNone/>
             </a:pPr>
-            <a:r>
-              <a:t/>
-            </a:r>
             <a:endParaRPr sz="1000">
               <a:latin typeface="Comfortaa Regular"/>
               <a:ea typeface="Comfortaa Regular"/>
@@ -6644,7 +6810,7 @@
             </a:endParaRPr>
           </a:p>
           <a:p>
-            <a:pPr indent="0" lvl="0" marL="0" rtl="0" algn="l">
+            <a:pPr marL="0" lvl="0" indent="0" algn="l" rtl="0">
               <a:lnSpc>
                 <a:spcPct val="200000"/>
               </a:lnSpc>
@@ -6708,12 +6874,12 @@
             </a:ln>
           </p:spPr>
           <p:txBody>
-            <a:bodyPr anchorCtr="0" anchor="ctr" bIns="91425" lIns="91425" spcFirstLastPara="1" rIns="91425" wrap="square" tIns="91425">
+            <a:bodyPr spcFirstLastPara="1" wrap="square" lIns="91425" tIns="91425" rIns="91425" bIns="91425" anchor="ctr" anchorCtr="0">
               <a:noAutofit/>
             </a:bodyPr>
             <a:lstStyle/>
             <a:p>
-              <a:pPr indent="0" lvl="0" marL="0" rtl="0" algn="l">
+              <a:pPr marL="0" lvl="0" indent="0" algn="l" rtl="0">
                 <a:spcBef>
                   <a:spcPts val="0"/>
                 </a:spcBef>
@@ -6722,9 +6888,6 @@
                 </a:spcAft>
                 <a:buNone/>
               </a:pPr>
-              <a:r>
-                <a:t/>
-              </a:r>
               <a:endParaRPr/>
             </a:p>
           </p:txBody>
@@ -6749,12 +6912,12 @@
             </a:ln>
           </p:spPr>
           <p:txBody>
-            <a:bodyPr anchorCtr="0" anchor="t" bIns="91425" lIns="91425" spcFirstLastPara="1" rIns="91425" wrap="square" tIns="91425">
+            <a:bodyPr spcFirstLastPara="1" wrap="square" lIns="91425" tIns="91425" rIns="91425" bIns="91425" anchor="t" anchorCtr="0">
               <a:noAutofit/>
             </a:bodyPr>
             <a:lstStyle/>
             <a:p>
-              <a:pPr indent="0" lvl="0" marL="0" rtl="0" algn="l">
+              <a:pPr marL="0" lvl="0" indent="0" algn="l" rtl="0">
                 <a:lnSpc>
                   <a:spcPct val="150000"/>
                 </a:lnSpc>
@@ -6767,24 +6930,15 @@
                 <a:buNone/>
               </a:pPr>
               <a:r>
-                <a:rPr b="1" lang="en" sz="1200">
+                <a:rPr lang="en" sz="1200" b="1">
                   <a:latin typeface="Comfortaa"/>
                   <a:ea typeface="Comfortaa"/>
                   <a:cs typeface="Comfortaa"/>
                   <a:sym typeface="Comfortaa"/>
                 </a:rPr>
-                <a:t>I</a:t>
+                <a:t>Input:</a:t>
               </a:r>
-              <a:r>
-                <a:rPr b="1" lang="en" sz="1200">
-                  <a:latin typeface="Comfortaa"/>
-                  <a:ea typeface="Comfortaa"/>
-                  <a:cs typeface="Comfortaa"/>
-                  <a:sym typeface="Comfortaa"/>
-                </a:rPr>
-                <a:t>nput:</a:t>
-              </a:r>
-              <a:endParaRPr b="1" sz="1200">
+              <a:endParaRPr sz="1200" b="1">
                 <a:latin typeface="Comfortaa"/>
                 <a:ea typeface="Comfortaa"/>
                 <a:cs typeface="Comfortaa"/>
@@ -6792,7 +6946,7 @@
               </a:endParaRPr>
             </a:p>
             <a:p>
-              <a:pPr indent="0" lvl="0" marL="0" rtl="0" algn="l">
+              <a:pPr marL="0" lvl="0" indent="0" algn="l" rtl="0">
                 <a:lnSpc>
                   <a:spcPct val="150000"/>
                 </a:lnSpc>
@@ -6805,7 +6959,7 @@
                 <a:buNone/>
               </a:pPr>
               <a:r>
-                <a:rPr b="1" lang="en" sz="1200">
+                <a:rPr lang="en" sz="1200" b="1">
                   <a:latin typeface="Comfortaa"/>
                   <a:ea typeface="Comfortaa"/>
                   <a:cs typeface="Comfortaa"/>
@@ -6813,7 +6967,7 @@
                 </a:rPr>
                 <a:t>o código gerador_de_pedidos.ipynb ficará rodando em looping e gerando vários pedidos aleatórios na pasta pedidos/</a:t>
               </a:r>
-              <a:endParaRPr b="1" sz="1200">
+              <a:endParaRPr sz="1200" b="1">
                 <a:latin typeface="Comfortaa"/>
                 <a:ea typeface="Comfortaa"/>
                 <a:cs typeface="Comfortaa"/>
@@ -6843,12 +6997,12 @@
           </a:ln>
         </p:spPr>
         <p:txBody>
-          <a:bodyPr anchorCtr="0" anchor="t" bIns="91425" lIns="91425" spcFirstLastPara="1" rIns="91425" wrap="square" tIns="91425">
+          <a:bodyPr spcFirstLastPara="1" wrap="square" lIns="91425" tIns="91425" rIns="91425" bIns="91425" anchor="t" anchorCtr="0">
             <a:noAutofit/>
           </a:bodyPr>
           <a:lstStyle/>
           <a:p>
-            <a:pPr indent="0" lvl="0" marL="0" rtl="0" algn="l">
+            <a:pPr marL="0" lvl="0" indent="0" algn="l" rtl="0">
               <a:lnSpc>
                 <a:spcPct val="150000"/>
               </a:lnSpc>
@@ -6861,25 +7015,16 @@
               <a:buNone/>
             </a:pPr>
             <a:r>
-              <a:rPr b="1" lang="en" sz="1000">
+              <a:rPr lang="en" sz="1000" b="1">
                 <a:latin typeface="Comfortaa"/>
                 <a:ea typeface="Comfortaa"/>
                 <a:cs typeface="Comfortaa"/>
                 <a:sym typeface="Comfortaa"/>
               </a:rPr>
-              <a:t>O projeto é dividido em 5 partes diferentes, sendo a primeira </a:t>
+              <a:t>O projeto é dividido em 5 partes diferentes, sendo a primeira essencial para avaliar o quanto você evoluiu e aprendeu neste curso! O restante,</a:t>
             </a:r>
             <a:r>
-              <a:rPr b="1" lang="en" sz="1000">
-                <a:latin typeface="Comfortaa"/>
-                <a:ea typeface="Comfortaa"/>
-                <a:cs typeface="Comfortaa"/>
-                <a:sym typeface="Comfortaa"/>
-              </a:rPr>
-              <a:t>essencial para avaliar o quanto você evoluiu e aprendeu neste curso! O restante,</a:t>
-            </a:r>
-            <a:r>
-              <a:rPr b="1" lang="en" sz="1100">
+              <a:rPr lang="en" sz="1100" b="1">
                 <a:latin typeface="Comfortaa"/>
                 <a:ea typeface="Comfortaa"/>
                 <a:cs typeface="Comfortaa"/>
@@ -6888,7 +7033,7 @@
               <a:t> </a:t>
             </a:r>
             <a:r>
-              <a:rPr b="1" lang="en" sz="1000">
+              <a:rPr lang="en" sz="1000" b="1">
                 <a:highlight>
                   <a:srgbClr val="FFFFFF"/>
                 </a:highlight>
@@ -6899,7 +7044,7 @@
               </a:rPr>
               <a:t>não se preocupe com a entrega, o foco está em te ajudar</a:t>
             </a:r>
-            <a:endParaRPr b="1" sz="1000">
+            <a:endParaRPr sz="1000" b="1">
               <a:latin typeface="Comfortaa"/>
               <a:ea typeface="Comfortaa"/>
               <a:cs typeface="Comfortaa"/>
@@ -6913,15 +7058,22 @@
   <p:clrMapOvr>
     <a:masterClrMapping/>
   </p:clrMapOvr>
+  <p:timing>
+    <p:tnLst>
+      <p:par>
+        <p:cTn id="1" dur="indefinite" restart="never" nodeType="tmRoot"/>
+      </p:par>
+    </p:tnLst>
+  </p:timing>
 </p:sld>
 </file>
 
 <file path=ppt/slides/slide3.xml><?xml version="1.0" encoding="utf-8"?>
-<p:sld xmlns:a="http://schemas.openxmlformats.org/drawingml/2006/main" xmlns:r="http://schemas.openxmlformats.org/officeDocument/2006/relationships" xmlns:mc="http://schemas.openxmlformats.org/markup-compatibility/2006" xmlns:mv="urn:schemas-microsoft-com:mac:vml" xmlns:p="http://schemas.openxmlformats.org/presentationml/2006/main" xmlns:c="http://schemas.openxmlformats.org/drawingml/2006/chart" xmlns:dgm="http://schemas.openxmlformats.org/drawingml/2006/diagram" xmlns:o="urn:schemas-microsoft-com:office:office" xmlns:v="urn:schemas-microsoft-com:vml" xmlns:pvml="urn:schemas-microsoft-com:office:powerpoint" xmlns:com="http://schemas.openxmlformats.org/drawingml/2006/compatibility" xmlns:p14="http://schemas.microsoft.com/office/powerpoint/2010/main" xmlns:p15="http://schemas.microsoft.com/office/powerpoint/2012/main" xmlns:ahyp="http://schemas.microsoft.com/office/drawing/2018/hyperlinkcolor">
+<p:sld xmlns:a="http://schemas.openxmlformats.org/drawingml/2006/main" xmlns:r="http://schemas.openxmlformats.org/officeDocument/2006/relationships" xmlns:p="http://schemas.openxmlformats.org/presentationml/2006/main">
   <p:cSld>
     <p:spTree>
       <p:nvGrpSpPr>
-        <p:cNvPr id="75" name="Shape 75"/>
+        <p:cNvPr id="1" name="Shape 75"/>
         <p:cNvGrpSpPr/>
         <p:nvPr/>
       </p:nvGrpSpPr>
@@ -6943,7 +7095,7 @@
           <a:blip r:embed="rId3">
             <a:alphaModFix/>
           </a:blip>
-          <a:srcRect b="0" l="8654" r="16996" t="0"/>
+          <a:srcRect l="8654" r="16996"/>
           <a:stretch/>
         </p:blipFill>
         <p:spPr>
@@ -6984,23 +7136,20 @@
           </a:ln>
         </p:spPr>
         <p:txBody>
-          <a:bodyPr anchorCtr="0" anchor="ctr" bIns="91425" lIns="91425" spcFirstLastPara="1" rIns="91425" wrap="square" tIns="91425">
+          <a:bodyPr spcFirstLastPara="1" wrap="square" lIns="91425" tIns="91425" rIns="91425" bIns="91425" anchor="ctr" anchorCtr="0">
             <a:noAutofit/>
           </a:bodyPr>
           <a:lstStyle/>
           <a:p>
-            <a:pPr indent="0" lvl="0" marL="0" rtl="0" algn="l">
-              <a:spcBef>
-                <a:spcPts val="0"/>
-              </a:spcBef>
-              <a:spcAft>
-                <a:spcPts val="0"/>
-              </a:spcAft>
-              <a:buNone/>
-            </a:pPr>
-            <a:r>
-              <a:t/>
-            </a:r>
+            <a:pPr marL="0" lvl="0" indent="0" algn="l" rtl="0">
+              <a:spcBef>
+                <a:spcPts val="0"/>
+              </a:spcBef>
+              <a:spcAft>
+                <a:spcPts val="0"/>
+              </a:spcAft>
+              <a:buNone/>
+            </a:pPr>
             <a:endParaRPr/>
           </a:p>
         </p:txBody>
@@ -7025,12 +7174,12 @@
           </a:ln>
         </p:spPr>
         <p:txBody>
-          <a:bodyPr anchorCtr="0" anchor="t" bIns="91425" lIns="91425" spcFirstLastPara="1" rIns="91425" wrap="square" tIns="91425">
+          <a:bodyPr spcFirstLastPara="1" wrap="square" lIns="91425" tIns="91425" rIns="91425" bIns="91425" anchor="t" anchorCtr="0">
             <a:noAutofit/>
           </a:bodyPr>
           <a:lstStyle/>
           <a:p>
-            <a:pPr indent="0" lvl="0" marL="0" rtl="0" algn="l">
+            <a:pPr marL="0" lvl="0" indent="0" algn="l" rtl="0">
               <a:spcBef>
                 <a:spcPts val="0"/>
               </a:spcBef>
@@ -7040,7 +7189,7 @@
               <a:buNone/>
             </a:pPr>
             <a:r>
-              <a:rPr b="1" lang="en" sz="2000">
+              <a:rPr lang="en" sz="2000" b="1">
                 <a:solidFill>
                   <a:srgbClr val="FFFFFF"/>
                 </a:solidFill>
@@ -7051,7 +7200,7 @@
               </a:rPr>
               <a:t>Achou que tinha acabado…</a:t>
             </a:r>
-            <a:endParaRPr b="1" sz="2000">
+            <a:endParaRPr sz="2000" b="1">
               <a:solidFill>
                 <a:srgbClr val="FFFFFF"/>
               </a:solidFill>
@@ -7062,19 +7211,16 @@
             </a:endParaRPr>
           </a:p>
           <a:p>
-            <a:pPr indent="0" lvl="0" marL="0" rtl="0" algn="l">
-              <a:spcBef>
-                <a:spcPts val="0"/>
-              </a:spcBef>
-              <a:spcAft>
-                <a:spcPts val="0"/>
-              </a:spcAft>
-              <a:buNone/>
-            </a:pPr>
-            <a:r>
-              <a:t/>
-            </a:r>
-            <a:endParaRPr b="1" sz="2000">
+            <a:pPr marL="0" lvl="0" indent="0" algn="l" rtl="0">
+              <a:spcBef>
+                <a:spcPts val="0"/>
+              </a:spcBef>
+              <a:spcAft>
+                <a:spcPts val="0"/>
+              </a:spcAft>
+              <a:buNone/>
+            </a:pPr>
+            <a:endParaRPr sz="2000" b="1">
               <a:solidFill>
                 <a:srgbClr val="FFFFFF"/>
               </a:solidFill>
@@ -7106,12 +7252,12 @@
           </a:ln>
         </p:spPr>
         <p:txBody>
-          <a:bodyPr anchorCtr="0" anchor="t" bIns="91425" lIns="91425" spcFirstLastPara="1" rIns="91425" wrap="square" tIns="91425">
+          <a:bodyPr spcFirstLastPara="1" wrap="square" lIns="91425" tIns="91425" rIns="91425" bIns="91425" anchor="t" anchorCtr="0">
             <a:noAutofit/>
           </a:bodyPr>
           <a:lstStyle/>
           <a:p>
-            <a:pPr indent="0" lvl="0" marL="0" rtl="0" algn="l">
+            <a:pPr marL="0" lvl="0" indent="0" algn="l" rtl="0">
               <a:spcBef>
                 <a:spcPts val="0"/>
               </a:spcBef>
@@ -7121,7 +7267,7 @@
               <a:buNone/>
             </a:pPr>
             <a:r>
-              <a:rPr b="1" lang="en" sz="2000">
+              <a:rPr lang="en" sz="2000" b="1">
                 <a:latin typeface="Comfortaa"/>
                 <a:ea typeface="Comfortaa"/>
                 <a:cs typeface="Comfortaa"/>
@@ -7129,7 +7275,7 @@
               </a:rPr>
               <a:t>Desafio 1:</a:t>
             </a:r>
-            <a:endParaRPr b="1" sz="2000">
+            <a:endParaRPr sz="2000" b="1">
               <a:latin typeface="Comfortaa"/>
               <a:ea typeface="Comfortaa"/>
               <a:cs typeface="Comfortaa"/>
@@ -7137,19 +7283,16 @@
             </a:endParaRPr>
           </a:p>
           <a:p>
-            <a:pPr indent="0" lvl="0" marL="0" rtl="0" algn="l">
-              <a:spcBef>
-                <a:spcPts val="0"/>
-              </a:spcBef>
-              <a:spcAft>
-                <a:spcPts val="0"/>
-              </a:spcAft>
-              <a:buNone/>
-            </a:pPr>
-            <a:r>
-              <a:t/>
-            </a:r>
-            <a:endParaRPr b="1" sz="2000">
+            <a:pPr marL="0" lvl="0" indent="0" algn="l" rtl="0">
+              <a:spcBef>
+                <a:spcPts val="0"/>
+              </a:spcBef>
+              <a:spcAft>
+                <a:spcPts val="0"/>
+              </a:spcAft>
+              <a:buNone/>
+            </a:pPr>
+            <a:endParaRPr sz="2000" b="1">
               <a:latin typeface="Comfortaa"/>
               <a:ea typeface="Comfortaa"/>
               <a:cs typeface="Comfortaa"/>
@@ -7157,19 +7300,16 @@
             </a:endParaRPr>
           </a:p>
           <a:p>
-            <a:pPr indent="0" lvl="0" marL="0" rtl="0" algn="l">
-              <a:spcBef>
-                <a:spcPts val="0"/>
-              </a:spcBef>
-              <a:spcAft>
-                <a:spcPts val="0"/>
-              </a:spcAft>
-              <a:buNone/>
-            </a:pPr>
-            <a:r>
-              <a:t/>
-            </a:r>
-            <a:endParaRPr b="1" sz="2000">
+            <a:pPr marL="0" lvl="0" indent="0" algn="l" rtl="0">
+              <a:spcBef>
+                <a:spcPts val="0"/>
+              </a:spcBef>
+              <a:spcAft>
+                <a:spcPts val="0"/>
+              </a:spcAft>
+              <a:buNone/>
+            </a:pPr>
+            <a:endParaRPr sz="2000" b="1">
               <a:latin typeface="Comfortaa"/>
               <a:ea typeface="Comfortaa"/>
               <a:cs typeface="Comfortaa"/>
@@ -7198,12 +7338,12 @@
           </a:ln>
         </p:spPr>
         <p:txBody>
-          <a:bodyPr anchorCtr="0" anchor="t" bIns="91425" lIns="91425" spcFirstLastPara="1" rIns="91425" wrap="square" tIns="91425">
+          <a:bodyPr spcFirstLastPara="1" wrap="square" lIns="91425" tIns="91425" rIns="91425" bIns="91425" anchor="t" anchorCtr="0">
             <a:noAutofit/>
           </a:bodyPr>
           <a:lstStyle/>
           <a:p>
-            <a:pPr indent="0" lvl="0" marL="0" rtl="0" algn="l">
+            <a:pPr marL="0" lvl="0" indent="0" algn="l" rtl="0">
               <a:lnSpc>
                 <a:spcPct val="200000"/>
               </a:lnSpc>
@@ -7237,7 +7377,7 @@
             </a:endParaRPr>
           </a:p>
           <a:p>
-            <a:pPr indent="0" lvl="0" marL="0" rtl="0" algn="l">
+            <a:pPr marL="0" lvl="0" indent="0" algn="l" rtl="0">
               <a:lnSpc>
                 <a:spcPct val="200000"/>
               </a:lnSpc>
@@ -7271,7 +7411,7 @@
             </a:endParaRPr>
           </a:p>
           <a:p>
-            <a:pPr indent="0" lvl="0" marL="0" rtl="0" algn="l">
+            <a:pPr marL="0" lvl="0" indent="0" algn="l" rtl="0">
               <a:lnSpc>
                 <a:spcPct val="200000"/>
               </a:lnSpc>
@@ -7305,7 +7445,7 @@
             </a:endParaRPr>
           </a:p>
           <a:p>
-            <a:pPr indent="0" lvl="0" marL="0" rtl="0" algn="l">
+            <a:pPr marL="0" lvl="0" indent="0" algn="l" rtl="0">
               <a:lnSpc>
                 <a:spcPct val="200000"/>
               </a:lnSpc>
@@ -7339,7 +7479,7 @@
             </a:endParaRPr>
           </a:p>
           <a:p>
-            <a:pPr indent="0" lvl="0" marL="0" rtl="0" algn="l">
+            <a:pPr marL="0" lvl="0" indent="0" algn="l" rtl="0">
               <a:lnSpc>
                 <a:spcPct val="200000"/>
               </a:lnSpc>
@@ -7373,7 +7513,7 @@
             </a:endParaRPr>
           </a:p>
           <a:p>
-            <a:pPr indent="0" lvl="0" marL="0" rtl="0" algn="l">
+            <a:pPr marL="0" lvl="0" indent="0" algn="l" rtl="0">
               <a:lnSpc>
                 <a:spcPct val="200000"/>
               </a:lnSpc>
@@ -7407,7 +7547,7 @@
             </a:endParaRPr>
           </a:p>
           <a:p>
-            <a:pPr indent="0" lvl="0" marL="0" rtl="0" algn="l">
+            <a:pPr marL="0" lvl="0" indent="0" algn="l" rtl="0">
               <a:lnSpc>
                 <a:spcPct val="200000"/>
               </a:lnSpc>
@@ -7424,9 +7564,6 @@
               <a:buFont typeface="Arial"/>
               <a:buNone/>
             </a:pPr>
-            <a:r>
-              <a:t/>
-            </a:r>
             <a:endParaRPr sz="1000">
               <a:latin typeface="Comfortaa Regular"/>
               <a:ea typeface="Comfortaa Regular"/>
@@ -7435,7 +7572,7 @@
             </a:endParaRPr>
           </a:p>
           <a:p>
-            <a:pPr indent="0" lvl="0" marL="0" rtl="0" algn="l">
+            <a:pPr marL="0" lvl="0" indent="0" algn="l" rtl="0">
               <a:lnSpc>
                 <a:spcPct val="200000"/>
               </a:lnSpc>
@@ -7452,9 +7589,6 @@
               <a:buFont typeface="Arial"/>
               <a:buNone/>
             </a:pPr>
-            <a:r>
-              <a:t/>
-            </a:r>
             <a:endParaRPr sz="1000">
               <a:latin typeface="Comfortaa Regular"/>
               <a:ea typeface="Comfortaa Regular"/>
@@ -7463,7 +7597,7 @@
             </a:endParaRPr>
           </a:p>
           <a:p>
-            <a:pPr indent="0" lvl="0" marL="0" rtl="0" algn="l">
+            <a:pPr marL="0" lvl="0" indent="0" algn="l" rtl="0">
               <a:lnSpc>
                 <a:spcPct val="200000"/>
               </a:lnSpc>
@@ -7480,9 +7614,6 @@
               <a:buFont typeface="Arial"/>
               <a:buNone/>
             </a:pPr>
-            <a:r>
-              <a:t/>
-            </a:r>
             <a:endParaRPr sz="1000">
               <a:latin typeface="Comfortaa Regular"/>
               <a:ea typeface="Comfortaa Regular"/>
@@ -7491,7 +7622,7 @@
             </a:endParaRPr>
           </a:p>
           <a:p>
-            <a:pPr indent="0" lvl="0" marL="0" rtl="0" algn="l">
+            <a:pPr marL="0" lvl="0" indent="0" algn="l" rtl="0">
               <a:lnSpc>
                 <a:spcPct val="200000"/>
               </a:lnSpc>
@@ -7529,7 +7660,7 @@
           <a:blip r:embed="rId4">
             <a:alphaModFix/>
           </a:blip>
-          <a:srcRect b="0" l="10189" r="11727" t="0"/>
+          <a:srcRect l="10189" r="11727"/>
           <a:stretch/>
         </p:blipFill>
         <p:spPr>
@@ -7551,15 +7682,22 @@
   <p:clrMapOvr>
     <a:masterClrMapping/>
   </p:clrMapOvr>
+  <p:timing>
+    <p:tnLst>
+      <p:par>
+        <p:cTn id="1" dur="indefinite" restart="never" nodeType="tmRoot"/>
+      </p:par>
+    </p:tnLst>
+  </p:timing>
 </p:sld>
 </file>
 
 <file path=ppt/slides/slide4.xml><?xml version="1.0" encoding="utf-8"?>
-<p:sld xmlns:a="http://schemas.openxmlformats.org/drawingml/2006/main" xmlns:r="http://schemas.openxmlformats.org/officeDocument/2006/relationships" xmlns:mc="http://schemas.openxmlformats.org/markup-compatibility/2006" xmlns:mv="urn:schemas-microsoft-com:mac:vml" xmlns:p="http://schemas.openxmlformats.org/presentationml/2006/main" xmlns:c="http://schemas.openxmlformats.org/drawingml/2006/chart" xmlns:dgm="http://schemas.openxmlformats.org/drawingml/2006/diagram" xmlns:o="urn:schemas-microsoft-com:office:office" xmlns:v="urn:schemas-microsoft-com:vml" xmlns:pvml="urn:schemas-microsoft-com:office:powerpoint" xmlns:com="http://schemas.openxmlformats.org/drawingml/2006/compatibility" xmlns:p14="http://schemas.microsoft.com/office/powerpoint/2010/main" xmlns:p15="http://schemas.microsoft.com/office/powerpoint/2012/main" xmlns:ahyp="http://schemas.microsoft.com/office/drawing/2018/hyperlinkcolor">
+<p:sld xmlns:a="http://schemas.openxmlformats.org/drawingml/2006/main" xmlns:r="http://schemas.openxmlformats.org/officeDocument/2006/relationships" xmlns:p="http://schemas.openxmlformats.org/presentationml/2006/main">
   <p:cSld>
     <p:spTree>
       <p:nvGrpSpPr>
-        <p:cNvPr id="85" name="Shape 85"/>
+        <p:cNvPr id="1" name="Shape 85"/>
         <p:cNvGrpSpPr/>
         <p:nvPr/>
       </p:nvGrpSpPr>
@@ -7581,7 +7719,7 @@
           <a:blip r:embed="rId3">
             <a:alphaModFix/>
           </a:blip>
-          <a:srcRect b="0" l="8654" r="16996" t="0"/>
+          <a:srcRect l="8654" r="16996"/>
           <a:stretch/>
         </p:blipFill>
         <p:spPr>
@@ -7622,23 +7760,20 @@
           </a:ln>
         </p:spPr>
         <p:txBody>
-          <a:bodyPr anchorCtr="0" anchor="ctr" bIns="91425" lIns="91425" spcFirstLastPara="1" rIns="91425" wrap="square" tIns="91425">
+          <a:bodyPr spcFirstLastPara="1" wrap="square" lIns="91425" tIns="91425" rIns="91425" bIns="91425" anchor="ctr" anchorCtr="0">
             <a:noAutofit/>
           </a:bodyPr>
           <a:lstStyle/>
           <a:p>
-            <a:pPr indent="0" lvl="0" marL="0" rtl="0" algn="l">
-              <a:spcBef>
-                <a:spcPts val="0"/>
-              </a:spcBef>
-              <a:spcAft>
-                <a:spcPts val="0"/>
-              </a:spcAft>
-              <a:buNone/>
-            </a:pPr>
-            <a:r>
-              <a:t/>
-            </a:r>
+            <a:pPr marL="0" lvl="0" indent="0" algn="l" rtl="0">
+              <a:spcBef>
+                <a:spcPts val="0"/>
+              </a:spcBef>
+              <a:spcAft>
+                <a:spcPts val="0"/>
+              </a:spcAft>
+              <a:buNone/>
+            </a:pPr>
             <a:endParaRPr/>
           </a:p>
         </p:txBody>
@@ -7663,12 +7798,12 @@
           </a:ln>
         </p:spPr>
         <p:txBody>
-          <a:bodyPr anchorCtr="0" anchor="t" bIns="91425" lIns="91425" spcFirstLastPara="1" rIns="91425" wrap="square" tIns="91425">
+          <a:bodyPr spcFirstLastPara="1" wrap="square" lIns="91425" tIns="91425" rIns="91425" bIns="91425" anchor="t" anchorCtr="0">
             <a:noAutofit/>
           </a:bodyPr>
           <a:lstStyle/>
           <a:p>
-            <a:pPr indent="0" lvl="0" marL="0" rtl="0" algn="l">
+            <a:pPr marL="0" lvl="0" indent="0" algn="l" rtl="0">
               <a:spcBef>
                 <a:spcPts val="0"/>
               </a:spcBef>
@@ -7678,7 +7813,7 @@
               <a:buNone/>
             </a:pPr>
             <a:r>
-              <a:rPr b="1" lang="en" sz="2000">
+              <a:rPr lang="en" sz="2000" b="1">
                 <a:solidFill>
                   <a:srgbClr val="FFFFFF"/>
                 </a:solidFill>
@@ -7689,7 +7824,7 @@
               </a:rPr>
               <a:t>Achou que tinha acabado…</a:t>
             </a:r>
-            <a:endParaRPr b="1" sz="2000">
+            <a:endParaRPr sz="2000" b="1">
               <a:solidFill>
                 <a:srgbClr val="FFFFFF"/>
               </a:solidFill>
@@ -7700,19 +7835,16 @@
             </a:endParaRPr>
           </a:p>
           <a:p>
-            <a:pPr indent="0" lvl="0" marL="0" rtl="0" algn="l">
-              <a:spcBef>
-                <a:spcPts val="0"/>
-              </a:spcBef>
-              <a:spcAft>
-                <a:spcPts val="0"/>
-              </a:spcAft>
-              <a:buNone/>
-            </a:pPr>
-            <a:r>
-              <a:t/>
-            </a:r>
-            <a:endParaRPr b="1" sz="2000">
+            <a:pPr marL="0" lvl="0" indent="0" algn="l" rtl="0">
+              <a:spcBef>
+                <a:spcPts val="0"/>
+              </a:spcBef>
+              <a:spcAft>
+                <a:spcPts val="0"/>
+              </a:spcAft>
+              <a:buNone/>
+            </a:pPr>
+            <a:endParaRPr sz="2000" b="1">
               <a:solidFill>
                 <a:srgbClr val="FFFFFF"/>
               </a:solidFill>
@@ -7744,12 +7876,12 @@
           </a:ln>
         </p:spPr>
         <p:txBody>
-          <a:bodyPr anchorCtr="0" anchor="t" bIns="91425" lIns="91425" spcFirstLastPara="1" rIns="91425" wrap="square" tIns="91425">
+          <a:bodyPr spcFirstLastPara="1" wrap="square" lIns="91425" tIns="91425" rIns="91425" bIns="91425" anchor="t" anchorCtr="0">
             <a:noAutofit/>
           </a:bodyPr>
           <a:lstStyle/>
           <a:p>
-            <a:pPr indent="0" lvl="0" marL="0" rtl="0" algn="l">
+            <a:pPr marL="0" lvl="0" indent="0" algn="l" rtl="0">
               <a:spcBef>
                 <a:spcPts val="0"/>
               </a:spcBef>
@@ -7764,7 +7896,7 @@
               <a:buNone/>
             </a:pPr>
             <a:r>
-              <a:rPr b="1" lang="en" sz="2000">
+              <a:rPr lang="en" sz="2000" b="1">
                 <a:latin typeface="Comfortaa"/>
                 <a:ea typeface="Comfortaa"/>
                 <a:cs typeface="Comfortaa"/>
@@ -7772,7 +7904,7 @@
               </a:rPr>
               <a:t>Desafio 2:</a:t>
             </a:r>
-            <a:endParaRPr b="1" sz="2000">
+            <a:endParaRPr sz="2000" b="1">
               <a:latin typeface="Comfortaa"/>
               <a:ea typeface="Comfortaa"/>
               <a:cs typeface="Comfortaa"/>
@@ -7780,7 +7912,7 @@
             </a:endParaRPr>
           </a:p>
           <a:p>
-            <a:pPr indent="0" lvl="0" marL="0" rtl="0" algn="l">
+            <a:pPr marL="0" lvl="0" indent="0" algn="l" rtl="0">
               <a:spcBef>
                 <a:spcPts val="0"/>
               </a:spcBef>
@@ -7794,10 +7926,7 @@
               <a:buFont typeface="Arial"/>
               <a:buNone/>
             </a:pPr>
-            <a:r>
-              <a:t/>
-            </a:r>
-            <a:endParaRPr b="1" sz="2000">
+            <a:endParaRPr sz="2000" b="1">
               <a:latin typeface="Comfortaa"/>
               <a:ea typeface="Comfortaa"/>
               <a:cs typeface="Comfortaa"/>
@@ -7805,19 +7934,16 @@
             </a:endParaRPr>
           </a:p>
           <a:p>
-            <a:pPr indent="0" lvl="0" marL="0" rtl="0" algn="l">
-              <a:spcBef>
-                <a:spcPts val="0"/>
-              </a:spcBef>
-              <a:spcAft>
-                <a:spcPts val="0"/>
-              </a:spcAft>
-              <a:buNone/>
-            </a:pPr>
-            <a:r>
-              <a:t/>
-            </a:r>
-            <a:endParaRPr b="1" sz="2000">
+            <a:pPr marL="0" lvl="0" indent="0" algn="l" rtl="0">
+              <a:spcBef>
+                <a:spcPts val="0"/>
+              </a:spcBef>
+              <a:spcAft>
+                <a:spcPts val="0"/>
+              </a:spcAft>
+              <a:buNone/>
+            </a:pPr>
+            <a:endParaRPr sz="2000" b="1">
               <a:latin typeface="Comfortaa"/>
               <a:ea typeface="Comfortaa"/>
               <a:cs typeface="Comfortaa"/>
@@ -7846,12 +7972,12 @@
           </a:ln>
         </p:spPr>
         <p:txBody>
-          <a:bodyPr anchorCtr="0" anchor="t" bIns="91425" lIns="91425" spcFirstLastPara="1" rIns="91425" wrap="square" tIns="91425">
+          <a:bodyPr spcFirstLastPara="1" wrap="square" lIns="91425" tIns="91425" rIns="91425" bIns="91425" anchor="t" anchorCtr="0">
             <a:noAutofit/>
           </a:bodyPr>
           <a:lstStyle/>
           <a:p>
-            <a:pPr indent="0" lvl="0" marL="0" rtl="0" algn="l">
+            <a:pPr marL="0" lvl="0" indent="0" algn="l" rtl="0">
               <a:lnSpc>
                 <a:spcPct val="200000"/>
               </a:lnSpc>
@@ -7885,7 +8011,7 @@
             </a:endParaRPr>
           </a:p>
           <a:p>
-            <a:pPr indent="0" lvl="0" marL="0" rtl="0" algn="l">
+            <a:pPr marL="0" lvl="0" indent="0" algn="l" rtl="0">
               <a:lnSpc>
                 <a:spcPct val="200000"/>
               </a:lnSpc>
@@ -7902,9 +8028,6 @@
               <a:buFont typeface="Arial"/>
               <a:buNone/>
             </a:pPr>
-            <a:r>
-              <a:t/>
-            </a:r>
             <a:endParaRPr sz="1000">
               <a:latin typeface="Comfortaa Regular"/>
               <a:ea typeface="Comfortaa Regular"/>
@@ -7913,7 +8036,7 @@
             </a:endParaRPr>
           </a:p>
           <a:p>
-            <a:pPr indent="0" lvl="0" marL="0" rtl="0" algn="l">
+            <a:pPr marL="0" lvl="0" indent="0" algn="l" rtl="0">
               <a:lnSpc>
                 <a:spcPct val="200000"/>
               </a:lnSpc>
@@ -7930,9 +8053,6 @@
               <a:buFont typeface="Arial"/>
               <a:buNone/>
             </a:pPr>
-            <a:r>
-              <a:t/>
-            </a:r>
             <a:endParaRPr sz="1000">
               <a:latin typeface="Comfortaa Regular"/>
               <a:ea typeface="Comfortaa Regular"/>
@@ -7941,7 +8061,7 @@
             </a:endParaRPr>
           </a:p>
           <a:p>
-            <a:pPr indent="0" lvl="0" marL="0" rtl="0" algn="l">
+            <a:pPr marL="0" lvl="0" indent="0" algn="l" rtl="0">
               <a:lnSpc>
                 <a:spcPct val="200000"/>
               </a:lnSpc>
@@ -7958,9 +8078,6 @@
               <a:buFont typeface="Arial"/>
               <a:buNone/>
             </a:pPr>
-            <a:r>
-              <a:t/>
-            </a:r>
             <a:endParaRPr sz="1000">
               <a:latin typeface="Comfortaa Regular"/>
               <a:ea typeface="Comfortaa Regular"/>
@@ -7969,7 +8086,7 @@
             </a:endParaRPr>
           </a:p>
           <a:p>
-            <a:pPr indent="0" lvl="0" marL="0" rtl="0" algn="l">
+            <a:pPr marL="0" lvl="0" indent="0" algn="l" rtl="0">
               <a:lnSpc>
                 <a:spcPct val="200000"/>
               </a:lnSpc>
@@ -7986,9 +8103,6 @@
               <a:buFont typeface="Arial"/>
               <a:buNone/>
             </a:pPr>
-            <a:r>
-              <a:t/>
-            </a:r>
             <a:endParaRPr sz="1000">
               <a:latin typeface="Comfortaa Regular"/>
               <a:ea typeface="Comfortaa Regular"/>
@@ -7997,7 +8111,7 @@
             </a:endParaRPr>
           </a:p>
           <a:p>
-            <a:pPr indent="0" lvl="0" marL="0" rtl="0" algn="l">
+            <a:pPr marL="0" lvl="0" indent="0" algn="l" rtl="0">
               <a:lnSpc>
                 <a:spcPct val="200000"/>
               </a:lnSpc>
@@ -8014,9 +8128,6 @@
               <a:buFont typeface="Arial"/>
               <a:buNone/>
             </a:pPr>
-            <a:r>
-              <a:t/>
-            </a:r>
             <a:endParaRPr sz="1000">
               <a:latin typeface="Comfortaa Regular"/>
               <a:ea typeface="Comfortaa Regular"/>
@@ -8025,7 +8136,7 @@
             </a:endParaRPr>
           </a:p>
           <a:p>
-            <a:pPr indent="0" lvl="0" marL="0" rtl="0" algn="l">
+            <a:pPr marL="0" lvl="0" indent="0" algn="l" rtl="0">
               <a:lnSpc>
                 <a:spcPct val="200000"/>
               </a:lnSpc>
@@ -8073,12 +8184,12 @@
           </a:ln>
         </p:spPr>
         <p:txBody>
-          <a:bodyPr anchorCtr="0" anchor="t" bIns="91425" lIns="91425" spcFirstLastPara="1" rIns="91425" wrap="square" tIns="91425">
+          <a:bodyPr spcFirstLastPara="1" wrap="square" lIns="91425" tIns="91425" rIns="91425" bIns="91425" anchor="t" anchorCtr="0">
             <a:noAutofit/>
           </a:bodyPr>
           <a:lstStyle/>
           <a:p>
-            <a:pPr indent="0" lvl="0" marL="0" rtl="0" algn="l">
+            <a:pPr marL="0" lvl="0" indent="0" algn="l" rtl="0">
               <a:spcBef>
                 <a:spcPts val="0"/>
               </a:spcBef>
@@ -8088,7 +8199,7 @@
               <a:buNone/>
             </a:pPr>
             <a:r>
-              <a:rPr b="1" lang="en" sz="2000">
+              <a:rPr lang="en" sz="2000" b="1">
                 <a:latin typeface="Comfortaa"/>
                 <a:ea typeface="Comfortaa"/>
                 <a:cs typeface="Comfortaa"/>
@@ -8096,7 +8207,7 @@
               </a:rPr>
               <a:t>Desafio 3 :</a:t>
             </a:r>
-            <a:endParaRPr b="1" sz="2000">
+            <a:endParaRPr sz="2000" b="1">
               <a:latin typeface="Comfortaa"/>
               <a:ea typeface="Comfortaa"/>
               <a:cs typeface="Comfortaa"/>
@@ -8104,19 +8215,16 @@
             </a:endParaRPr>
           </a:p>
           <a:p>
-            <a:pPr indent="0" lvl="0" marL="0" rtl="0" algn="l">
-              <a:spcBef>
-                <a:spcPts val="0"/>
-              </a:spcBef>
-              <a:spcAft>
-                <a:spcPts val="0"/>
-              </a:spcAft>
-              <a:buNone/>
-            </a:pPr>
-            <a:r>
-              <a:t/>
-            </a:r>
-            <a:endParaRPr b="1" sz="2000">
+            <a:pPr marL="0" lvl="0" indent="0" algn="l" rtl="0">
+              <a:spcBef>
+                <a:spcPts val="0"/>
+              </a:spcBef>
+              <a:spcAft>
+                <a:spcPts val="0"/>
+              </a:spcAft>
+              <a:buNone/>
+            </a:pPr>
+            <a:endParaRPr sz="2000" b="1">
               <a:latin typeface="Comfortaa"/>
               <a:ea typeface="Comfortaa"/>
               <a:cs typeface="Comfortaa"/>
@@ -8124,19 +8232,16 @@
             </a:endParaRPr>
           </a:p>
           <a:p>
-            <a:pPr indent="0" lvl="0" marL="0" rtl="0" algn="l">
-              <a:spcBef>
-                <a:spcPts val="0"/>
-              </a:spcBef>
-              <a:spcAft>
-                <a:spcPts val="0"/>
-              </a:spcAft>
-              <a:buNone/>
-            </a:pPr>
-            <a:r>
-              <a:t/>
-            </a:r>
-            <a:endParaRPr b="1" sz="2000">
+            <a:pPr marL="0" lvl="0" indent="0" algn="l" rtl="0">
+              <a:spcBef>
+                <a:spcPts val="0"/>
+              </a:spcBef>
+              <a:spcAft>
+                <a:spcPts val="0"/>
+              </a:spcAft>
+              <a:buNone/>
+            </a:pPr>
+            <a:endParaRPr sz="2000" b="1">
               <a:latin typeface="Comfortaa"/>
               <a:ea typeface="Comfortaa"/>
               <a:cs typeface="Comfortaa"/>
@@ -8165,12 +8270,12 @@
           </a:ln>
         </p:spPr>
         <p:txBody>
-          <a:bodyPr anchorCtr="0" anchor="t" bIns="91425" lIns="91425" spcFirstLastPara="1" rIns="91425" wrap="square" tIns="91425">
+          <a:bodyPr spcFirstLastPara="1" wrap="square" lIns="91425" tIns="91425" rIns="91425" bIns="91425" anchor="t" anchorCtr="0">
             <a:noAutofit/>
           </a:bodyPr>
           <a:lstStyle/>
           <a:p>
-            <a:pPr indent="0" lvl="0" marL="0" rtl="0" algn="l">
+            <a:pPr marL="0" lvl="0" indent="0" algn="l" rtl="0">
               <a:lnSpc>
                 <a:spcPct val="200000"/>
               </a:lnSpc>
@@ -8204,7 +8309,7 @@
             </a:endParaRPr>
           </a:p>
           <a:p>
-            <a:pPr indent="0" lvl="0" marL="0" rtl="0" algn="l">
+            <a:pPr marL="0" lvl="0" indent="0" algn="l" rtl="0">
               <a:lnSpc>
                 <a:spcPct val="200000"/>
               </a:lnSpc>
@@ -8221,9 +8326,6 @@
               <a:buFont typeface="Arial"/>
               <a:buNone/>
             </a:pPr>
-            <a:r>
-              <a:t/>
-            </a:r>
             <a:endParaRPr sz="1000">
               <a:latin typeface="Comfortaa Regular"/>
               <a:ea typeface="Comfortaa Regular"/>
@@ -8232,7 +8334,7 @@
             </a:endParaRPr>
           </a:p>
           <a:p>
-            <a:pPr indent="0" lvl="0" marL="0" rtl="0" algn="l">
+            <a:pPr marL="0" lvl="0" indent="0" algn="l" rtl="0">
               <a:lnSpc>
                 <a:spcPct val="200000"/>
               </a:lnSpc>
@@ -8249,9 +8351,6 @@
               <a:buFont typeface="Arial"/>
               <a:buNone/>
             </a:pPr>
-            <a:r>
-              <a:t/>
-            </a:r>
             <a:endParaRPr sz="1000">
               <a:latin typeface="Comfortaa Regular"/>
               <a:ea typeface="Comfortaa Regular"/>
@@ -8260,7 +8359,7 @@
             </a:endParaRPr>
           </a:p>
           <a:p>
-            <a:pPr indent="0" lvl="0" marL="0" rtl="0" algn="l">
+            <a:pPr marL="0" lvl="0" indent="0" algn="l" rtl="0">
               <a:lnSpc>
                 <a:spcPct val="200000"/>
               </a:lnSpc>
@@ -8277,9 +8376,6 @@
               <a:buFont typeface="Arial"/>
               <a:buNone/>
             </a:pPr>
-            <a:r>
-              <a:t/>
-            </a:r>
             <a:endParaRPr sz="1000">
               <a:latin typeface="Comfortaa Regular"/>
               <a:ea typeface="Comfortaa Regular"/>
@@ -8288,7 +8384,7 @@
             </a:endParaRPr>
           </a:p>
           <a:p>
-            <a:pPr indent="0" lvl="0" marL="0" rtl="0" algn="l">
+            <a:pPr marL="0" lvl="0" indent="0" algn="l" rtl="0">
               <a:lnSpc>
                 <a:spcPct val="200000"/>
               </a:lnSpc>
@@ -8305,9 +8401,6 @@
               <a:buFont typeface="Arial"/>
               <a:buNone/>
             </a:pPr>
-            <a:r>
-              <a:t/>
-            </a:r>
             <a:endParaRPr sz="1000">
               <a:latin typeface="Comfortaa Regular"/>
               <a:ea typeface="Comfortaa Regular"/>
@@ -8316,7 +8409,7 @@
             </a:endParaRPr>
           </a:p>
           <a:p>
-            <a:pPr indent="0" lvl="0" marL="0" rtl="0" algn="l">
+            <a:pPr marL="0" lvl="0" indent="0" algn="l" rtl="0">
               <a:lnSpc>
                 <a:spcPct val="200000"/>
               </a:lnSpc>
@@ -8333,9 +8426,6 @@
               <a:buFont typeface="Arial"/>
               <a:buNone/>
             </a:pPr>
-            <a:r>
-              <a:t/>
-            </a:r>
             <a:endParaRPr sz="1000">
               <a:latin typeface="Comfortaa Regular"/>
               <a:ea typeface="Comfortaa Regular"/>
@@ -8344,7 +8434,7 @@
             </a:endParaRPr>
           </a:p>
           <a:p>
-            <a:pPr indent="0" lvl="0" marL="0" rtl="0" algn="l">
+            <a:pPr marL="0" lvl="0" indent="0" algn="l" rtl="0">
               <a:lnSpc>
                 <a:spcPct val="200000"/>
               </a:lnSpc>
@@ -8361,9 +8451,6 @@
               <a:buFont typeface="Arial"/>
               <a:buNone/>
             </a:pPr>
-            <a:r>
-              <a:t/>
-            </a:r>
             <a:endParaRPr sz="1000">
               <a:latin typeface="Comfortaa Regular"/>
               <a:ea typeface="Comfortaa Regular"/>
@@ -8372,7 +8459,7 @@
             </a:endParaRPr>
           </a:p>
           <a:p>
-            <a:pPr indent="0" lvl="0" marL="0" rtl="0" algn="l">
+            <a:pPr marL="0" lvl="0" indent="0" algn="l" rtl="0">
               <a:lnSpc>
                 <a:spcPct val="200000"/>
               </a:lnSpc>
@@ -8409,11 +8496,11 @@
 </file>
 
 <file path=ppt/slides/slide5.xml><?xml version="1.0" encoding="utf-8"?>
-<p:sld xmlns:a="http://schemas.openxmlformats.org/drawingml/2006/main" xmlns:r="http://schemas.openxmlformats.org/officeDocument/2006/relationships" xmlns:mc="http://schemas.openxmlformats.org/markup-compatibility/2006" xmlns:mv="urn:schemas-microsoft-com:mac:vml" xmlns:p="http://schemas.openxmlformats.org/presentationml/2006/main" xmlns:c="http://schemas.openxmlformats.org/drawingml/2006/chart" xmlns:dgm="http://schemas.openxmlformats.org/drawingml/2006/diagram" xmlns:o="urn:schemas-microsoft-com:office:office" xmlns:v="urn:schemas-microsoft-com:vml" xmlns:pvml="urn:schemas-microsoft-com:office:powerpoint" xmlns:com="http://schemas.openxmlformats.org/drawingml/2006/compatibility" xmlns:p14="http://schemas.microsoft.com/office/powerpoint/2010/main" xmlns:p15="http://schemas.microsoft.com/office/powerpoint/2012/main" xmlns:ahyp="http://schemas.microsoft.com/office/drawing/2018/hyperlinkcolor">
+<p:sld xmlns:a="http://schemas.openxmlformats.org/drawingml/2006/main" xmlns:r="http://schemas.openxmlformats.org/officeDocument/2006/relationships" xmlns:p="http://schemas.openxmlformats.org/presentationml/2006/main">
   <p:cSld>
     <p:spTree>
       <p:nvGrpSpPr>
-        <p:cNvPr id="96" name="Shape 96"/>
+        <p:cNvPr id="1" name="Shape 96"/>
         <p:cNvGrpSpPr/>
         <p:nvPr/>
       </p:nvGrpSpPr>
@@ -8435,7 +8522,7 @@
           <a:blip r:embed="rId3">
             <a:alphaModFix/>
           </a:blip>
-          <a:srcRect b="0" l="8654" r="16996" t="0"/>
+          <a:srcRect l="8654" r="16996"/>
           <a:stretch/>
         </p:blipFill>
         <p:spPr>
@@ -8476,23 +8563,20 @@
           </a:ln>
         </p:spPr>
         <p:txBody>
-          <a:bodyPr anchorCtr="0" anchor="ctr" bIns="91425" lIns="91425" spcFirstLastPara="1" rIns="91425" wrap="square" tIns="91425">
+          <a:bodyPr spcFirstLastPara="1" wrap="square" lIns="91425" tIns="91425" rIns="91425" bIns="91425" anchor="ctr" anchorCtr="0">
             <a:noAutofit/>
           </a:bodyPr>
           <a:lstStyle/>
           <a:p>
-            <a:pPr indent="0" lvl="0" marL="0" rtl="0" algn="l">
-              <a:spcBef>
-                <a:spcPts val="0"/>
-              </a:spcBef>
-              <a:spcAft>
-                <a:spcPts val="0"/>
-              </a:spcAft>
-              <a:buNone/>
-            </a:pPr>
-            <a:r>
-              <a:t/>
-            </a:r>
+            <a:pPr marL="0" lvl="0" indent="0" algn="l" rtl="0">
+              <a:spcBef>
+                <a:spcPts val="0"/>
+              </a:spcBef>
+              <a:spcAft>
+                <a:spcPts val="0"/>
+              </a:spcAft>
+              <a:buNone/>
+            </a:pPr>
             <a:endParaRPr/>
           </a:p>
         </p:txBody>
@@ -8517,12 +8601,12 @@
           </a:ln>
         </p:spPr>
         <p:txBody>
-          <a:bodyPr anchorCtr="0" anchor="t" bIns="91425" lIns="91425" spcFirstLastPara="1" rIns="91425" wrap="square" tIns="91425">
+          <a:bodyPr spcFirstLastPara="1" wrap="square" lIns="91425" tIns="91425" rIns="91425" bIns="91425" anchor="t" anchorCtr="0">
             <a:noAutofit/>
           </a:bodyPr>
           <a:lstStyle/>
           <a:p>
-            <a:pPr indent="0" lvl="0" marL="0" rtl="0" algn="l">
+            <a:pPr marL="0" lvl="0" indent="0" algn="l" rtl="0">
               <a:spcBef>
                 <a:spcPts val="0"/>
               </a:spcBef>
@@ -8532,7 +8616,7 @@
               <a:buNone/>
             </a:pPr>
             <a:r>
-              <a:rPr b="1" lang="en" sz="2000">
+              <a:rPr lang="en" sz="2000" b="1">
                 <a:solidFill>
                   <a:srgbClr val="FFFFFF"/>
                 </a:solidFill>
@@ -8543,7 +8627,7 @@
               </a:rPr>
               <a:t>Achou que tinha acabado…</a:t>
             </a:r>
-            <a:endParaRPr b="1" sz="2000">
+            <a:endParaRPr sz="2000" b="1">
               <a:solidFill>
                 <a:srgbClr val="FFFFFF"/>
               </a:solidFill>
@@ -8554,19 +8638,16 @@
             </a:endParaRPr>
           </a:p>
           <a:p>
-            <a:pPr indent="0" lvl="0" marL="0" rtl="0" algn="l">
-              <a:spcBef>
-                <a:spcPts val="0"/>
-              </a:spcBef>
-              <a:spcAft>
-                <a:spcPts val="0"/>
-              </a:spcAft>
-              <a:buNone/>
-            </a:pPr>
-            <a:r>
-              <a:t/>
-            </a:r>
-            <a:endParaRPr b="1" sz="2000">
+            <a:pPr marL="0" lvl="0" indent="0" algn="l" rtl="0">
+              <a:spcBef>
+                <a:spcPts val="0"/>
+              </a:spcBef>
+              <a:spcAft>
+                <a:spcPts val="0"/>
+              </a:spcAft>
+              <a:buNone/>
+            </a:pPr>
+            <a:endParaRPr sz="2000" b="1">
               <a:solidFill>
                 <a:srgbClr val="FFFFFF"/>
               </a:solidFill>
@@ -8598,12 +8679,12 @@
           </a:ln>
         </p:spPr>
         <p:txBody>
-          <a:bodyPr anchorCtr="0" anchor="t" bIns="91425" lIns="91425" spcFirstLastPara="1" rIns="91425" wrap="square" tIns="91425">
+          <a:bodyPr spcFirstLastPara="1" wrap="square" lIns="91425" tIns="91425" rIns="91425" bIns="91425" anchor="t" anchorCtr="0">
             <a:noAutofit/>
           </a:bodyPr>
           <a:lstStyle/>
           <a:p>
-            <a:pPr indent="0" lvl="0" marL="0" rtl="0" algn="l">
+            <a:pPr marL="0" lvl="0" indent="0" algn="l" rtl="0">
               <a:spcBef>
                 <a:spcPts val="0"/>
               </a:spcBef>
@@ -8613,7 +8694,7 @@
               <a:buNone/>
             </a:pPr>
             <a:r>
-              <a:rPr b="1" lang="en" sz="2000">
+              <a:rPr lang="en" sz="2000" b="1">
                 <a:latin typeface="Comfortaa"/>
                 <a:ea typeface="Comfortaa"/>
                 <a:cs typeface="Comfortaa"/>
@@ -8621,7 +8702,7 @@
               </a:rPr>
               <a:t>Desafio 4:</a:t>
             </a:r>
-            <a:endParaRPr b="1" sz="2000">
+            <a:endParaRPr sz="2000" b="1">
               <a:latin typeface="Comfortaa"/>
               <a:ea typeface="Comfortaa"/>
               <a:cs typeface="Comfortaa"/>
@@ -8629,19 +8710,16 @@
             </a:endParaRPr>
           </a:p>
           <a:p>
-            <a:pPr indent="0" lvl="0" marL="0" rtl="0" algn="l">
-              <a:spcBef>
-                <a:spcPts val="0"/>
-              </a:spcBef>
-              <a:spcAft>
-                <a:spcPts val="0"/>
-              </a:spcAft>
-              <a:buNone/>
-            </a:pPr>
-            <a:r>
-              <a:t/>
-            </a:r>
-            <a:endParaRPr b="1" sz="2000">
+            <a:pPr marL="0" lvl="0" indent="0" algn="l" rtl="0">
+              <a:spcBef>
+                <a:spcPts val="0"/>
+              </a:spcBef>
+              <a:spcAft>
+                <a:spcPts val="0"/>
+              </a:spcAft>
+              <a:buNone/>
+            </a:pPr>
+            <a:endParaRPr sz="2000" b="1">
               <a:latin typeface="Comfortaa"/>
               <a:ea typeface="Comfortaa"/>
               <a:cs typeface="Comfortaa"/>
@@ -8649,19 +8727,16 @@
             </a:endParaRPr>
           </a:p>
           <a:p>
-            <a:pPr indent="0" lvl="0" marL="0" rtl="0" algn="l">
-              <a:spcBef>
-                <a:spcPts val="0"/>
-              </a:spcBef>
-              <a:spcAft>
-                <a:spcPts val="0"/>
-              </a:spcAft>
-              <a:buNone/>
-            </a:pPr>
-            <a:r>
-              <a:t/>
-            </a:r>
-            <a:endParaRPr b="1" sz="2000">
+            <a:pPr marL="0" lvl="0" indent="0" algn="l" rtl="0">
+              <a:spcBef>
+                <a:spcPts val="0"/>
+              </a:spcBef>
+              <a:spcAft>
+                <a:spcPts val="0"/>
+              </a:spcAft>
+              <a:buNone/>
+            </a:pPr>
+            <a:endParaRPr sz="2000" b="1">
               <a:latin typeface="Comfortaa"/>
               <a:ea typeface="Comfortaa"/>
               <a:cs typeface="Comfortaa"/>
@@ -8690,12 +8765,12 @@
           </a:ln>
         </p:spPr>
         <p:txBody>
-          <a:bodyPr anchorCtr="0" anchor="t" bIns="91425" lIns="91425" spcFirstLastPara="1" rIns="91425" wrap="square" tIns="91425">
+          <a:bodyPr spcFirstLastPara="1" wrap="square" lIns="91425" tIns="91425" rIns="91425" bIns="91425" anchor="t" anchorCtr="0">
             <a:noAutofit/>
           </a:bodyPr>
           <a:lstStyle/>
           <a:p>
-            <a:pPr indent="0" lvl="0" marL="0" rtl="0" algn="l">
+            <a:pPr marL="0" lvl="0" indent="0" algn="l" rtl="0">
               <a:lnSpc>
                 <a:spcPct val="200000"/>
               </a:lnSpc>
@@ -8729,7 +8804,7 @@
             </a:endParaRPr>
           </a:p>
           <a:p>
-            <a:pPr indent="0" lvl="0" marL="0" rtl="0" algn="l">
+            <a:pPr marL="0" lvl="0" indent="0" algn="l" rtl="0">
               <a:lnSpc>
                 <a:spcPct val="200000"/>
               </a:lnSpc>
@@ -8753,16 +8828,7 @@
                 <a:cs typeface="Comfortaa Regular"/>
                 <a:sym typeface="Comfortaa Regular"/>
               </a:rPr>
-              <a:t>1.  O </a:t>
-            </a:r>
-            <a:r>
-              <a:rPr lang="en" sz="1000">
-                <a:latin typeface="Comfortaa Regular"/>
-                <a:ea typeface="Comfortaa Regular"/>
-                <a:cs typeface="Comfortaa Regular"/>
-                <a:sym typeface="Comfortaa Regular"/>
-              </a:rPr>
-              <a:t>garçom que trouxe o maior lucro para o restaurante.</a:t>
+              <a:t>1.  O garçom que trouxe o maior lucro para o restaurante.</a:t>
             </a:r>
             <a:endParaRPr sz="1000">
               <a:latin typeface="Comfortaa Regular"/>
@@ -8772,7 +8838,7 @@
             </a:endParaRPr>
           </a:p>
           <a:p>
-            <a:pPr indent="0" lvl="0" marL="0" rtl="0" algn="l">
+            <a:pPr marL="0" lvl="0" indent="0" algn="l" rtl="0">
               <a:lnSpc>
                 <a:spcPct val="200000"/>
               </a:lnSpc>
@@ -8818,7 +8884,7 @@
             </a:endParaRPr>
           </a:p>
           <a:p>
-            <a:pPr indent="0" lvl="0" marL="0" rtl="0" algn="l">
+            <a:pPr marL="0" lvl="0" indent="0" algn="l" rtl="0">
               <a:lnSpc>
                 <a:spcPct val="200000"/>
               </a:lnSpc>
@@ -8835,9 +8901,6 @@
               <a:buFont typeface="Arial"/>
               <a:buNone/>
             </a:pPr>
-            <a:r>
-              <a:t/>
-            </a:r>
             <a:endParaRPr sz="1000">
               <a:latin typeface="Comfortaa Regular"/>
               <a:ea typeface="Comfortaa Regular"/>
@@ -8846,7 +8909,7 @@
             </a:endParaRPr>
           </a:p>
           <a:p>
-            <a:pPr indent="0" lvl="0" marL="0" rtl="0" algn="l">
+            <a:pPr marL="0" lvl="0" indent="0" algn="l" rtl="0">
               <a:lnSpc>
                 <a:spcPct val="200000"/>
               </a:lnSpc>
@@ -8863,9 +8926,6 @@
               <a:buFont typeface="Arial"/>
               <a:buNone/>
             </a:pPr>
-            <a:r>
-              <a:t/>
-            </a:r>
             <a:endParaRPr sz="1000">
               <a:latin typeface="Comfortaa Regular"/>
               <a:ea typeface="Comfortaa Regular"/>
@@ -8874,7 +8934,7 @@
             </a:endParaRPr>
           </a:p>
           <a:p>
-            <a:pPr indent="0" lvl="0" marL="0" rtl="0" algn="l">
+            <a:pPr marL="0" lvl="0" indent="0" algn="l" rtl="0">
               <a:lnSpc>
                 <a:spcPct val="200000"/>
               </a:lnSpc>
@@ -8891,9 +8951,6 @@
               <a:buFont typeface="Arial"/>
               <a:buNone/>
             </a:pPr>
-            <a:r>
-              <a:t/>
-            </a:r>
             <a:endParaRPr sz="1000">
               <a:latin typeface="Comfortaa Regular"/>
               <a:ea typeface="Comfortaa Regular"/>
@@ -8902,7 +8959,7 @@
             </a:endParaRPr>
           </a:p>
           <a:p>
-            <a:pPr indent="0" lvl="0" marL="0" rtl="0" algn="l">
+            <a:pPr marL="0" lvl="0" indent="0" algn="l" rtl="0">
               <a:lnSpc>
                 <a:spcPct val="200000"/>
               </a:lnSpc>
@@ -8919,9 +8976,6 @@
               <a:buFont typeface="Arial"/>
               <a:buNone/>
             </a:pPr>
-            <a:r>
-              <a:t/>
-            </a:r>
             <a:endParaRPr sz="1000">
               <a:latin typeface="Comfortaa Regular"/>
               <a:ea typeface="Comfortaa Regular"/>
@@ -8930,7 +8984,7 @@
             </a:endParaRPr>
           </a:p>
           <a:p>
-            <a:pPr indent="0" lvl="0" marL="0" rtl="0" algn="l">
+            <a:pPr marL="0" lvl="0" indent="0" algn="l" rtl="0">
               <a:lnSpc>
                 <a:spcPct val="200000"/>
               </a:lnSpc>
@@ -8947,9 +9001,6 @@
               <a:buFont typeface="Arial"/>
               <a:buNone/>
             </a:pPr>
-            <a:r>
-              <a:t/>
-            </a:r>
             <a:endParaRPr sz="1000">
               <a:latin typeface="Comfortaa Regular"/>
               <a:ea typeface="Comfortaa Regular"/>
@@ -8958,7 +9009,7 @@
             </a:endParaRPr>
           </a:p>
           <a:p>
-            <a:pPr indent="0" lvl="0" marL="0" rtl="0" algn="l">
+            <a:pPr marL="0" lvl="0" indent="0" algn="l" rtl="0">
               <a:lnSpc>
                 <a:spcPct val="200000"/>
               </a:lnSpc>
@@ -8975,9 +9026,6 @@
               <a:buFont typeface="Arial"/>
               <a:buNone/>
             </a:pPr>
-            <a:r>
-              <a:t/>
-            </a:r>
             <a:endParaRPr sz="1000">
               <a:latin typeface="Comfortaa Regular"/>
               <a:ea typeface="Comfortaa Regular"/>
@@ -8986,7 +9034,7 @@
             </a:endParaRPr>
           </a:p>
           <a:p>
-            <a:pPr indent="0" lvl="0" marL="0" rtl="0" algn="l">
+            <a:pPr marL="0" lvl="0" indent="0" algn="l" rtl="0">
               <a:lnSpc>
                 <a:spcPct val="200000"/>
               </a:lnSpc>
@@ -9003,9 +9051,6 @@
               <a:buFont typeface="Arial"/>
               <a:buNone/>
             </a:pPr>
-            <a:r>
-              <a:t/>
-            </a:r>
             <a:endParaRPr sz="1000">
               <a:latin typeface="Comfortaa Regular"/>
               <a:ea typeface="Comfortaa Regular"/>
@@ -9014,7 +9059,7 @@
             </a:endParaRPr>
           </a:p>
           <a:p>
-            <a:pPr indent="0" lvl="0" marL="0" rtl="0" algn="l">
+            <a:pPr marL="0" lvl="0" indent="0" algn="l" rtl="0">
               <a:lnSpc>
                 <a:spcPct val="200000"/>
               </a:lnSpc>
@@ -9062,12 +9107,12 @@
           </a:ln>
         </p:spPr>
         <p:txBody>
-          <a:bodyPr anchorCtr="0" anchor="t" bIns="91425" lIns="91425" spcFirstLastPara="1" rIns="91425" wrap="square" tIns="91425">
+          <a:bodyPr spcFirstLastPara="1" wrap="square" lIns="91425" tIns="91425" rIns="91425" bIns="91425" anchor="t" anchorCtr="0">
             <a:noAutofit/>
           </a:bodyPr>
           <a:lstStyle/>
           <a:p>
-            <a:pPr indent="0" lvl="0" marL="0" rtl="0" algn="l">
+            <a:pPr marL="0" lvl="0" indent="0" algn="l" rtl="0">
               <a:spcBef>
                 <a:spcPts val="0"/>
               </a:spcBef>
@@ -9077,7 +9122,7 @@
               <a:buNone/>
             </a:pPr>
             <a:r>
-              <a:rPr b="1" lang="en" sz="2000">
+              <a:rPr lang="en" sz="2000" b="1">
                 <a:latin typeface="Comfortaa"/>
                 <a:ea typeface="Comfortaa"/>
                 <a:cs typeface="Comfortaa"/>
@@ -9085,7 +9130,7 @@
               </a:rPr>
               <a:t>Desafio 5 :</a:t>
             </a:r>
-            <a:endParaRPr b="1" sz="2000">
+            <a:endParaRPr sz="2000" b="1">
               <a:latin typeface="Comfortaa"/>
               <a:ea typeface="Comfortaa"/>
               <a:cs typeface="Comfortaa"/>
@@ -9093,19 +9138,16 @@
             </a:endParaRPr>
           </a:p>
           <a:p>
-            <a:pPr indent="0" lvl="0" marL="0" rtl="0" algn="l">
-              <a:spcBef>
-                <a:spcPts val="0"/>
-              </a:spcBef>
-              <a:spcAft>
-                <a:spcPts val="0"/>
-              </a:spcAft>
-              <a:buNone/>
-            </a:pPr>
-            <a:r>
-              <a:t/>
-            </a:r>
-            <a:endParaRPr b="1" sz="2000">
+            <a:pPr marL="0" lvl="0" indent="0" algn="l" rtl="0">
+              <a:spcBef>
+                <a:spcPts val="0"/>
+              </a:spcBef>
+              <a:spcAft>
+                <a:spcPts val="0"/>
+              </a:spcAft>
+              <a:buNone/>
+            </a:pPr>
+            <a:endParaRPr sz="2000" b="1">
               <a:latin typeface="Comfortaa"/>
               <a:ea typeface="Comfortaa"/>
               <a:cs typeface="Comfortaa"/>
@@ -9113,19 +9155,16 @@
             </a:endParaRPr>
           </a:p>
           <a:p>
-            <a:pPr indent="0" lvl="0" marL="0" rtl="0" algn="l">
-              <a:spcBef>
-                <a:spcPts val="0"/>
-              </a:spcBef>
-              <a:spcAft>
-                <a:spcPts val="0"/>
-              </a:spcAft>
-              <a:buNone/>
-            </a:pPr>
-            <a:r>
-              <a:t/>
-            </a:r>
-            <a:endParaRPr b="1" sz="2000">
+            <a:pPr marL="0" lvl="0" indent="0" algn="l" rtl="0">
+              <a:spcBef>
+                <a:spcPts val="0"/>
+              </a:spcBef>
+              <a:spcAft>
+                <a:spcPts val="0"/>
+              </a:spcAft>
+              <a:buNone/>
+            </a:pPr>
+            <a:endParaRPr sz="2000" b="1">
               <a:latin typeface="Comfortaa"/>
               <a:ea typeface="Comfortaa"/>
               <a:cs typeface="Comfortaa"/>
@@ -9154,12 +9193,12 @@
           </a:ln>
         </p:spPr>
         <p:txBody>
-          <a:bodyPr anchorCtr="0" anchor="t" bIns="91425" lIns="91425" spcFirstLastPara="1" rIns="91425" wrap="square" tIns="91425">
+          <a:bodyPr spcFirstLastPara="1" wrap="square" lIns="91425" tIns="91425" rIns="91425" bIns="91425" anchor="t" anchorCtr="0">
             <a:noAutofit/>
           </a:bodyPr>
           <a:lstStyle/>
           <a:p>
-            <a:pPr indent="0" lvl="0" marL="0" rtl="0" algn="l">
+            <a:pPr marL="0" lvl="0" indent="0" algn="l" rtl="0">
               <a:lnSpc>
                 <a:spcPct val="200000"/>
               </a:lnSpc>
@@ -9193,7 +9232,7 @@
             </a:endParaRPr>
           </a:p>
           <a:p>
-            <a:pPr indent="0" lvl="0" marL="0" rtl="0" algn="l">
+            <a:pPr marL="0" lvl="0" indent="0" algn="l" rtl="0">
               <a:lnSpc>
                 <a:spcPct val="200000"/>
               </a:lnSpc>
@@ -9229,19 +9268,7 @@
                 <a:cs typeface="Comfortaa Regular"/>
                 <a:sym typeface="Comfortaa Regular"/>
               </a:rPr>
-              <a:t>O</a:t>
-            </a:r>
-            <a:r>
-              <a:rPr lang="en" sz="1000">
-                <a:solidFill>
-                  <a:schemeClr val="dk1"/>
-                </a:solidFill>
-                <a:latin typeface="Comfortaa Regular"/>
-                <a:ea typeface="Comfortaa Regular"/>
-                <a:cs typeface="Comfortaa Regular"/>
-                <a:sym typeface="Comfortaa Regular"/>
-              </a:rPr>
-              <a:t>s produtos que são mais vendidos no decorrer de um dia</a:t>
+              <a:t>Os produtos que são mais vendidos no decorrer de um dia</a:t>
             </a:r>
             <a:endParaRPr sz="1000">
               <a:solidFill>
@@ -9254,7 +9281,7 @@
             </a:endParaRPr>
           </a:p>
           <a:p>
-            <a:pPr indent="0" lvl="0" marL="0" rtl="0" algn="l">
+            <a:pPr marL="0" lvl="0" indent="0" algn="l" rtl="0">
               <a:lnSpc>
                 <a:spcPct val="200000"/>
               </a:lnSpc>
@@ -9271,9 +9298,6 @@
               <a:buFont typeface="Arial"/>
               <a:buNone/>
             </a:pPr>
-            <a:r>
-              <a:t/>
-            </a:r>
             <a:endParaRPr sz="1000">
               <a:solidFill>
                 <a:schemeClr val="dk1"/>
@@ -9285,7 +9309,7 @@
             </a:endParaRPr>
           </a:p>
           <a:p>
-            <a:pPr indent="0" lvl="0" marL="0" rtl="0" algn="l">
+            <a:pPr marL="0" lvl="0" indent="0" algn="l" rtl="0">
               <a:lnSpc>
                 <a:spcPct val="200000"/>
               </a:lnSpc>
@@ -9302,9 +9326,6 @@
               <a:buFont typeface="Arial"/>
               <a:buNone/>
             </a:pPr>
-            <a:r>
-              <a:t/>
-            </a:r>
             <a:endParaRPr sz="1000">
               <a:latin typeface="Comfortaa Regular"/>
               <a:ea typeface="Comfortaa Regular"/>
@@ -9313,7 +9334,7 @@
             </a:endParaRPr>
           </a:p>
           <a:p>
-            <a:pPr indent="0" lvl="0" marL="0" rtl="0" algn="l">
+            <a:pPr marL="0" lvl="0" indent="0" algn="l" rtl="0">
               <a:lnSpc>
                 <a:spcPct val="200000"/>
               </a:lnSpc>
@@ -9330,9 +9351,6 @@
               <a:buFont typeface="Arial"/>
               <a:buNone/>
             </a:pPr>
-            <a:r>
-              <a:t/>
-            </a:r>
             <a:endParaRPr sz="1000">
               <a:latin typeface="Comfortaa Regular"/>
               <a:ea typeface="Comfortaa Regular"/>
@@ -9341,7 +9359,7 @@
             </a:endParaRPr>
           </a:p>
           <a:p>
-            <a:pPr indent="0" lvl="0" marL="0" rtl="0" algn="l">
+            <a:pPr marL="0" lvl="0" indent="0" algn="l" rtl="0">
               <a:lnSpc>
                 <a:spcPct val="200000"/>
               </a:lnSpc>
@@ -9358,9 +9376,6 @@
               <a:buFont typeface="Arial"/>
               <a:buNone/>
             </a:pPr>
-            <a:r>
-              <a:t/>
-            </a:r>
             <a:endParaRPr sz="1000">
               <a:latin typeface="Comfortaa Regular"/>
               <a:ea typeface="Comfortaa Regular"/>
@@ -9369,7 +9384,7 @@
             </a:endParaRPr>
           </a:p>
           <a:p>
-            <a:pPr indent="0" lvl="0" marL="0" rtl="0" algn="l">
+            <a:pPr marL="0" lvl="0" indent="0" algn="l" rtl="0">
               <a:lnSpc>
                 <a:spcPct val="200000"/>
               </a:lnSpc>
@@ -9386,9 +9401,6 @@
               <a:buFont typeface="Arial"/>
               <a:buNone/>
             </a:pPr>
-            <a:r>
-              <a:t/>
-            </a:r>
             <a:endParaRPr sz="1000">
               <a:latin typeface="Comfortaa Regular"/>
               <a:ea typeface="Comfortaa Regular"/>
@@ -9397,7 +9409,7 @@
             </a:endParaRPr>
           </a:p>
           <a:p>
-            <a:pPr indent="0" lvl="0" marL="0" rtl="0" algn="l">
+            <a:pPr marL="0" lvl="0" indent="0" algn="l" rtl="0">
               <a:lnSpc>
                 <a:spcPct val="200000"/>
               </a:lnSpc>
@@ -9414,9 +9426,6 @@
               <a:buFont typeface="Arial"/>
               <a:buNone/>
             </a:pPr>
-            <a:r>
-              <a:t/>
-            </a:r>
             <a:endParaRPr sz="1000">
               <a:latin typeface="Comfortaa Regular"/>
               <a:ea typeface="Comfortaa Regular"/>
@@ -9425,7 +9434,7 @@
             </a:endParaRPr>
           </a:p>
           <a:p>
-            <a:pPr indent="0" lvl="0" marL="0" rtl="0" algn="l">
+            <a:pPr marL="0" lvl="0" indent="0" algn="l" rtl="0">
               <a:lnSpc>
                 <a:spcPct val="200000"/>
               </a:lnSpc>
@@ -9437,9 +9446,6 @@
               </a:spcAft>
               <a:buNone/>
             </a:pPr>
-            <a:r>
-              <a:t/>
-            </a:r>
             <a:endParaRPr sz="1000">
               <a:latin typeface="Comfortaa Regular"/>
               <a:ea typeface="Comfortaa Regular"/>
@@ -9448,7 +9454,7 @@
             </a:endParaRPr>
           </a:p>
           <a:p>
-            <a:pPr indent="0" lvl="0" marL="0" rtl="0" algn="l">
+            <a:pPr marL="0" lvl="0" indent="0" algn="l" rtl="0">
               <a:lnSpc>
                 <a:spcPct val="200000"/>
               </a:lnSpc>
@@ -9465,9 +9471,6 @@
               <a:buFont typeface="Arial"/>
               <a:buNone/>
             </a:pPr>
-            <a:r>
-              <a:t/>
-            </a:r>
             <a:endParaRPr sz="1000">
               <a:latin typeface="Comfortaa Regular"/>
               <a:ea typeface="Comfortaa Regular"/>
@@ -9476,7 +9479,7 @@
             </a:endParaRPr>
           </a:p>
           <a:p>
-            <a:pPr indent="0" lvl="0" marL="0" rtl="0" algn="l">
+            <a:pPr marL="0" lvl="0" indent="0" algn="l" rtl="0">
               <a:lnSpc>
                 <a:spcPct val="200000"/>
               </a:lnSpc>
@@ -9493,9 +9496,6 @@
               <a:buFont typeface="Arial"/>
               <a:buNone/>
             </a:pPr>
-            <a:r>
-              <a:t/>
-            </a:r>
             <a:endParaRPr sz="1000">
               <a:latin typeface="Comfortaa Regular"/>
               <a:ea typeface="Comfortaa Regular"/>
@@ -9504,7 +9504,7 @@
             </a:endParaRPr>
           </a:p>
           <a:p>
-            <a:pPr indent="0" lvl="0" marL="0" rtl="0" algn="l">
+            <a:pPr marL="0" lvl="0" indent="0" algn="l" rtl="0">
               <a:lnSpc>
                 <a:spcPct val="200000"/>
               </a:lnSpc>
@@ -9521,9 +9521,6 @@
               <a:buFont typeface="Arial"/>
               <a:buNone/>
             </a:pPr>
-            <a:r>
-              <a:t/>
-            </a:r>
             <a:endParaRPr sz="1000">
               <a:latin typeface="Comfortaa Regular"/>
               <a:ea typeface="Comfortaa Regular"/>
@@ -9532,7 +9529,7 @@
             </a:endParaRPr>
           </a:p>
           <a:p>
-            <a:pPr indent="0" lvl="0" marL="0" rtl="0" algn="l">
+            <a:pPr marL="0" lvl="0" indent="0" algn="l" rtl="0">
               <a:lnSpc>
                 <a:spcPct val="200000"/>
               </a:lnSpc>
@@ -9549,9 +9546,6 @@
               <a:buFont typeface="Arial"/>
               <a:buNone/>
             </a:pPr>
-            <a:r>
-              <a:t/>
-            </a:r>
             <a:endParaRPr sz="1000">
               <a:latin typeface="Comfortaa Regular"/>
               <a:ea typeface="Comfortaa Regular"/>
@@ -9560,7 +9554,7 @@
             </a:endParaRPr>
           </a:p>
           <a:p>
-            <a:pPr indent="0" lvl="0" marL="0" rtl="0" algn="l">
+            <a:pPr marL="0" lvl="0" indent="0" algn="l" rtl="0">
               <a:lnSpc>
                 <a:spcPct val="200000"/>
               </a:lnSpc>
@@ -9577,9 +9571,6 @@
               <a:buFont typeface="Arial"/>
               <a:buNone/>
             </a:pPr>
-            <a:r>
-              <a:t/>
-            </a:r>
             <a:endParaRPr sz="1000">
               <a:latin typeface="Comfortaa Regular"/>
               <a:ea typeface="Comfortaa Regular"/>
@@ -9588,7 +9579,7 @@
             </a:endParaRPr>
           </a:p>
           <a:p>
-            <a:pPr indent="0" lvl="0" marL="0" rtl="0" algn="l">
+            <a:pPr marL="0" lvl="0" indent="0" algn="l" rtl="0">
               <a:lnSpc>
                 <a:spcPct val="200000"/>
               </a:lnSpc>
@@ -9605,9 +9596,6 @@
               <a:buFont typeface="Arial"/>
               <a:buNone/>
             </a:pPr>
-            <a:r>
-              <a:t/>
-            </a:r>
             <a:endParaRPr sz="1000">
               <a:latin typeface="Comfortaa Regular"/>
               <a:ea typeface="Comfortaa Regular"/>
@@ -9616,7 +9604,7 @@
             </a:endParaRPr>
           </a:p>
           <a:p>
-            <a:pPr indent="0" lvl="0" marL="0" rtl="0" algn="l">
+            <a:pPr marL="0" lvl="0" indent="0" algn="l" rtl="0">
               <a:lnSpc>
                 <a:spcPct val="200000"/>
               </a:lnSpc>
@@ -9633,9 +9621,6 @@
               <a:buFont typeface="Arial"/>
               <a:buNone/>
             </a:pPr>
-            <a:r>
-              <a:t/>
-            </a:r>
             <a:endParaRPr sz="1000">
               <a:latin typeface="Comfortaa Regular"/>
               <a:ea typeface="Comfortaa Regular"/>
@@ -9644,7 +9629,7 @@
             </a:endParaRPr>
           </a:p>
           <a:p>
-            <a:pPr indent="0" lvl="0" marL="0" rtl="0" algn="l">
+            <a:pPr marL="0" lvl="0" indent="0" algn="l" rtl="0">
               <a:lnSpc>
                 <a:spcPct val="200000"/>
               </a:lnSpc>
@@ -9681,11 +9666,11 @@
 </file>
 
 <file path=ppt/slides/slide6.xml><?xml version="1.0" encoding="utf-8"?>
-<p:sld xmlns:a="http://schemas.openxmlformats.org/drawingml/2006/main" xmlns:r="http://schemas.openxmlformats.org/officeDocument/2006/relationships" xmlns:mc="http://schemas.openxmlformats.org/markup-compatibility/2006" xmlns:mv="urn:schemas-microsoft-com:mac:vml" xmlns:p="http://schemas.openxmlformats.org/presentationml/2006/main" xmlns:c="http://schemas.openxmlformats.org/drawingml/2006/chart" xmlns:dgm="http://schemas.openxmlformats.org/drawingml/2006/diagram" xmlns:o="urn:schemas-microsoft-com:office:office" xmlns:v="urn:schemas-microsoft-com:vml" xmlns:pvml="urn:schemas-microsoft-com:office:powerpoint" xmlns:com="http://schemas.openxmlformats.org/drawingml/2006/compatibility" xmlns:p14="http://schemas.microsoft.com/office/powerpoint/2010/main" xmlns:p15="http://schemas.microsoft.com/office/powerpoint/2012/main" xmlns:ahyp="http://schemas.microsoft.com/office/drawing/2018/hyperlinkcolor">
+<p:sld xmlns:a="http://schemas.openxmlformats.org/drawingml/2006/main" xmlns:r="http://schemas.openxmlformats.org/officeDocument/2006/relationships" xmlns:p="http://schemas.openxmlformats.org/presentationml/2006/main">
   <p:cSld>
     <p:spTree>
       <p:nvGrpSpPr>
-        <p:cNvPr id="107" name="Shape 107"/>
+        <p:cNvPr id="1" name="Shape 107"/>
         <p:cNvGrpSpPr/>
         <p:nvPr/>
       </p:nvGrpSpPr>
@@ -9707,7 +9692,7 @@
           <a:blip r:embed="rId3">
             <a:alphaModFix/>
           </a:blip>
-          <a:srcRect b="0" l="0" r="0" t="15626"/>
+          <a:srcRect t="15626"/>
           <a:stretch/>
         </p:blipFill>
         <p:spPr>
@@ -9748,23 +9733,20 @@
           </a:ln>
         </p:spPr>
         <p:txBody>
-          <a:bodyPr anchorCtr="0" anchor="ctr" bIns="91425" lIns="91425" spcFirstLastPara="1" rIns="91425" wrap="square" tIns="91425">
+          <a:bodyPr spcFirstLastPara="1" wrap="square" lIns="91425" tIns="91425" rIns="91425" bIns="91425" anchor="ctr" anchorCtr="0">
             <a:noAutofit/>
           </a:bodyPr>
           <a:lstStyle/>
           <a:p>
-            <a:pPr indent="0" lvl="0" marL="0" rtl="0" algn="l">
-              <a:spcBef>
-                <a:spcPts val="0"/>
-              </a:spcBef>
-              <a:spcAft>
-                <a:spcPts val="0"/>
-              </a:spcAft>
-              <a:buNone/>
-            </a:pPr>
-            <a:r>
-              <a:t/>
-            </a:r>
+            <a:pPr marL="0" lvl="0" indent="0" algn="l" rtl="0">
+              <a:spcBef>
+                <a:spcPts val="0"/>
+              </a:spcBef>
+              <a:spcAft>
+                <a:spcPts val="0"/>
+              </a:spcAft>
+              <a:buNone/>
+            </a:pPr>
             <a:endParaRPr/>
           </a:p>
         </p:txBody>
@@ -9789,12 +9771,12 @@
           </a:ln>
         </p:spPr>
         <p:txBody>
-          <a:bodyPr anchorCtr="0" anchor="t" bIns="91425" lIns="91425" spcFirstLastPara="1" rIns="91425" wrap="square" tIns="91425">
+          <a:bodyPr spcFirstLastPara="1" wrap="square" lIns="91425" tIns="91425" rIns="91425" bIns="91425" anchor="t" anchorCtr="0">
             <a:noAutofit/>
           </a:bodyPr>
           <a:lstStyle/>
           <a:p>
-            <a:pPr indent="0" lvl="0" marL="0" rtl="0" algn="l">
+            <a:pPr marL="0" lvl="0" indent="0" algn="l" rtl="0">
               <a:spcBef>
                 <a:spcPts val="0"/>
               </a:spcBef>
@@ -9804,7 +9786,7 @@
               <a:buNone/>
             </a:pPr>
             <a:r>
-              <a:rPr b="1" lang="en" sz="5200">
+              <a:rPr lang="en" sz="5200" b="1">
                 <a:solidFill>
                   <a:srgbClr val="FFFFFF"/>
                 </a:solidFill>
@@ -9815,7 +9797,7 @@
               </a:rPr>
               <a:t>Boa sorte!</a:t>
             </a:r>
-            <a:endParaRPr b="1" sz="5200">
+            <a:endParaRPr sz="5200" b="1">
               <a:solidFill>
                 <a:srgbClr val="FFFFFF"/>
               </a:solidFill>
@@ -9864,7 +9846,288 @@
 </file>
 
 <file path=ppt/theme/theme1.xml><?xml version="1.0" encoding="utf-8"?>
-<a:theme xmlns:a="http://schemas.openxmlformats.org/drawingml/2006/main" xmlns:r="http://schemas.openxmlformats.org/officeDocument/2006/relationships">
+<a:theme xmlns:a="http://schemas.openxmlformats.org/drawingml/2006/main" name="Simple Light">
+  <a:themeElements>
+    <a:clrScheme name="Simple Light">
+      <a:dk1>
+        <a:srgbClr val="000000"/>
+      </a:dk1>
+      <a:lt1>
+        <a:srgbClr val="FFFFFF"/>
+      </a:lt1>
+      <a:dk2>
+        <a:srgbClr val="595959"/>
+      </a:dk2>
+      <a:lt2>
+        <a:srgbClr val="EEEEEE"/>
+      </a:lt2>
+      <a:accent1>
+        <a:srgbClr val="FFAB40"/>
+      </a:accent1>
+      <a:accent2>
+        <a:srgbClr val="212121"/>
+      </a:accent2>
+      <a:accent3>
+        <a:srgbClr val="78909C"/>
+      </a:accent3>
+      <a:accent4>
+        <a:srgbClr val="FFAB40"/>
+      </a:accent4>
+      <a:accent5>
+        <a:srgbClr val="0097A7"/>
+      </a:accent5>
+      <a:accent6>
+        <a:srgbClr val="EEFF41"/>
+      </a:accent6>
+      <a:hlink>
+        <a:srgbClr val="0097A7"/>
+      </a:hlink>
+      <a:folHlink>
+        <a:srgbClr val="0097A7"/>
+      </a:folHlink>
+    </a:clrScheme>
+    <a:fontScheme name="Office">
+      <a:majorFont>
+        <a:latin typeface="Arial"/>
+        <a:ea typeface=""/>
+        <a:cs typeface=""/>
+        <a:font script="Jpan" typeface="ＭＳ Ｐゴシック"/>
+        <a:font script="Hang" typeface="맑은 고딕"/>
+        <a:font script="Hans" typeface="宋体"/>
+        <a:font script="Hant" typeface="新細明體"/>
+        <a:font script="Arab" typeface="Times New Roman"/>
+        <a:font script="Hebr" typeface="Times New Roman"/>
+        <a:font script="Thai" typeface="Angsana New"/>
+        <a:font script="Ethi" typeface="Nyala"/>
+        <a:font script="Beng" typeface="Vrinda"/>
+        <a:font script="Gujr" typeface="Shruti"/>
+        <a:font script="Khmr" typeface="MoolBoran"/>
+        <a:font script="Knda" typeface="Tunga"/>
+        <a:font script="Guru" typeface="Raavi"/>
+        <a:font script="Cans" typeface="Euphemia"/>
+        <a:font script="Cher" typeface="Plantagenet Cherokee"/>
+        <a:font script="Yiii" typeface="Microsoft Yi Baiti"/>
+        <a:font script="Tibt" typeface="Microsoft Himalaya"/>
+        <a:font script="Thaa" typeface="MV Boli"/>
+        <a:font script="Deva" typeface="Mangal"/>
+        <a:font script="Telu" typeface="Gautami"/>
+        <a:font script="Taml" typeface="Latha"/>
+        <a:font script="Syrc" typeface="Estrangelo Edessa"/>
+        <a:font script="Orya" typeface="Kalinga"/>
+        <a:font script="Mlym" typeface="Kartika"/>
+        <a:font script="Laoo" typeface="DokChampa"/>
+        <a:font script="Sinh" typeface="Iskoola Pota"/>
+        <a:font script="Mong" typeface="Mongolian Baiti"/>
+        <a:font script="Viet" typeface="Times New Roman"/>
+        <a:font script="Uigh" typeface="Microsoft Uighur"/>
+        <a:font script="Geor" typeface="Sylfaen"/>
+      </a:majorFont>
+      <a:minorFont>
+        <a:latin typeface="Arial"/>
+        <a:ea typeface=""/>
+        <a:cs typeface=""/>
+        <a:font script="Jpan" typeface="ＭＳ Ｐゴシック"/>
+        <a:font script="Hang" typeface="맑은 고딕"/>
+        <a:font script="Hans" typeface="宋体"/>
+        <a:font script="Hant" typeface="新細明體"/>
+        <a:font script="Arab" typeface="Arial"/>
+        <a:font script="Hebr" typeface="Arial"/>
+        <a:font script="Thai" typeface="Cordia New"/>
+        <a:font script="Ethi" typeface="Nyala"/>
+        <a:font script="Beng" typeface="Vrinda"/>
+        <a:font script="Gujr" typeface="Shruti"/>
+        <a:font script="Khmr" typeface="DaunPenh"/>
+        <a:font script="Knda" typeface="Tunga"/>
+        <a:font script="Guru" typeface="Raavi"/>
+        <a:font script="Cans" typeface="Euphemia"/>
+        <a:font script="Cher" typeface="Plantagenet Cherokee"/>
+        <a:font script="Yiii" typeface="Microsoft Yi Baiti"/>
+        <a:font script="Tibt" typeface="Microsoft Himalaya"/>
+        <a:font script="Thaa" typeface="MV Boli"/>
+        <a:font script="Deva" typeface="Mangal"/>
+        <a:font script="Telu" typeface="Gautami"/>
+        <a:font script="Taml" typeface="Latha"/>
+        <a:font script="Syrc" typeface="Estrangelo Edessa"/>
+        <a:font script="Orya" typeface="Kalinga"/>
+        <a:font script="Mlym" typeface="Kartika"/>
+        <a:font script="Laoo" typeface="DokChampa"/>
+        <a:font script="Sinh" typeface="Iskoola Pota"/>
+        <a:font script="Mong" typeface="Mongolian Baiti"/>
+        <a:font script="Viet" typeface="Arial"/>
+        <a:font script="Uigh" typeface="Microsoft Uighur"/>
+        <a:font script="Geor" typeface="Sylfaen"/>
+      </a:minorFont>
+    </a:fontScheme>
+    <a:fmtScheme name="Office">
+      <a:fillStyleLst>
+        <a:solidFill>
+          <a:schemeClr val="phClr"/>
+        </a:solidFill>
+        <a:gradFill rotWithShape="1">
+          <a:gsLst>
+            <a:gs pos="0">
+              <a:schemeClr val="phClr">
+                <a:tint val="50000"/>
+                <a:satMod val="300000"/>
+              </a:schemeClr>
+            </a:gs>
+            <a:gs pos="35000">
+              <a:schemeClr val="phClr">
+                <a:tint val="37000"/>
+                <a:satMod val="300000"/>
+              </a:schemeClr>
+            </a:gs>
+            <a:gs pos="100000">
+              <a:schemeClr val="phClr">
+                <a:tint val="15000"/>
+                <a:satMod val="350000"/>
+              </a:schemeClr>
+            </a:gs>
+          </a:gsLst>
+          <a:lin ang="16200000" scaled="1"/>
+        </a:gradFill>
+        <a:gradFill rotWithShape="1">
+          <a:gsLst>
+            <a:gs pos="0">
+              <a:schemeClr val="phClr">
+                <a:tint val="100000"/>
+                <a:shade val="100000"/>
+                <a:satMod val="130000"/>
+              </a:schemeClr>
+            </a:gs>
+            <a:gs pos="100000">
+              <a:schemeClr val="phClr">
+                <a:tint val="50000"/>
+                <a:shade val="100000"/>
+                <a:satMod val="350000"/>
+              </a:schemeClr>
+            </a:gs>
+          </a:gsLst>
+          <a:lin ang="16200000" scaled="0"/>
+        </a:gradFill>
+      </a:fillStyleLst>
+      <a:lnStyleLst>
+        <a:ln w="9525" cap="flat" cmpd="sng" algn="ctr">
+          <a:solidFill>
+            <a:schemeClr val="phClr">
+              <a:shade val="95000"/>
+              <a:satMod val="105000"/>
+            </a:schemeClr>
+          </a:solidFill>
+          <a:prstDash val="solid"/>
+        </a:ln>
+        <a:ln w="25400" cap="flat" cmpd="sng" algn="ctr">
+          <a:solidFill>
+            <a:schemeClr val="phClr"/>
+          </a:solidFill>
+          <a:prstDash val="solid"/>
+        </a:ln>
+        <a:ln w="38100" cap="flat" cmpd="sng" algn="ctr">
+          <a:solidFill>
+            <a:schemeClr val="phClr"/>
+          </a:solidFill>
+          <a:prstDash val="solid"/>
+        </a:ln>
+      </a:lnStyleLst>
+      <a:effectStyleLst>
+        <a:effectStyle>
+          <a:effectLst>
+            <a:outerShdw blurRad="40000" dist="20000" dir="5400000" rotWithShape="0">
+              <a:srgbClr val="000000">
+                <a:alpha val="38000"/>
+              </a:srgbClr>
+            </a:outerShdw>
+          </a:effectLst>
+        </a:effectStyle>
+        <a:effectStyle>
+          <a:effectLst>
+            <a:outerShdw blurRad="40000" dist="23000" dir="5400000" rotWithShape="0">
+              <a:srgbClr val="000000">
+                <a:alpha val="35000"/>
+              </a:srgbClr>
+            </a:outerShdw>
+          </a:effectLst>
+        </a:effectStyle>
+        <a:effectStyle>
+          <a:effectLst>
+            <a:outerShdw blurRad="40000" dist="23000" dir="5400000" rotWithShape="0">
+              <a:srgbClr val="000000">
+                <a:alpha val="35000"/>
+              </a:srgbClr>
+            </a:outerShdw>
+          </a:effectLst>
+          <a:scene3d>
+            <a:camera prst="orthographicFront">
+              <a:rot lat="0" lon="0" rev="0"/>
+            </a:camera>
+            <a:lightRig rig="threePt" dir="t">
+              <a:rot lat="0" lon="0" rev="1200000"/>
+            </a:lightRig>
+          </a:scene3d>
+          <a:sp3d>
+            <a:bevelT w="63500" h="25400"/>
+          </a:sp3d>
+        </a:effectStyle>
+      </a:effectStyleLst>
+      <a:bgFillStyleLst>
+        <a:solidFill>
+          <a:schemeClr val="phClr"/>
+        </a:solidFill>
+        <a:gradFill rotWithShape="1">
+          <a:gsLst>
+            <a:gs pos="0">
+              <a:schemeClr val="phClr">
+                <a:tint val="40000"/>
+                <a:satMod val="350000"/>
+              </a:schemeClr>
+            </a:gs>
+            <a:gs pos="40000">
+              <a:schemeClr val="phClr">
+                <a:tint val="45000"/>
+                <a:shade val="99000"/>
+                <a:satMod val="350000"/>
+              </a:schemeClr>
+            </a:gs>
+            <a:gs pos="100000">
+              <a:schemeClr val="phClr">
+                <a:shade val="20000"/>
+                <a:satMod val="255000"/>
+              </a:schemeClr>
+            </a:gs>
+          </a:gsLst>
+          <a:path path="circle">
+            <a:fillToRect l="50000" t="-80000" r="50000" b="180000"/>
+          </a:path>
+        </a:gradFill>
+        <a:gradFill rotWithShape="1">
+          <a:gsLst>
+            <a:gs pos="0">
+              <a:schemeClr val="phClr">
+                <a:tint val="80000"/>
+                <a:satMod val="300000"/>
+              </a:schemeClr>
+            </a:gs>
+            <a:gs pos="100000">
+              <a:schemeClr val="phClr">
+                <a:shade val="30000"/>
+                <a:satMod val="200000"/>
+              </a:schemeClr>
+            </a:gs>
+          </a:gsLst>
+          <a:path path="circle">
+            <a:fillToRect l="50000" t="50000" r="50000" b="50000"/>
+          </a:path>
+        </a:gradFill>
+      </a:bgFillStyleLst>
+    </a:fmtScheme>
+  </a:themeElements>
+  <a:objectDefaults/>
+  <a:extraClrSchemeLst/>
+</a:theme>
+</file>
+
+<file path=ppt/theme/theme2.xml><?xml version="1.0" encoding="utf-8"?>
+<a:theme xmlns:a="http://schemas.openxmlformats.org/drawingml/2006/main">
   <a:themeElements>
     <a:clrScheme name="Default">
       <a:dk1>
@@ -10139,284 +10402,7 @@
       </a:bgFillStyleLst>
     </a:fmtScheme>
   </a:themeElements>
-</a:theme>
-</file>
-
-<file path=ppt/theme/theme2.xml><?xml version="1.0" encoding="utf-8"?>
-<a:theme xmlns:a="http://schemas.openxmlformats.org/drawingml/2006/main" xmlns:r="http://schemas.openxmlformats.org/officeDocument/2006/relationships" name="Simple Light">
-  <a:themeElements>
-    <a:clrScheme name="Simple Light">
-      <a:dk1>
-        <a:srgbClr val="000000"/>
-      </a:dk1>
-      <a:lt1>
-        <a:srgbClr val="FFFFFF"/>
-      </a:lt1>
-      <a:dk2>
-        <a:srgbClr val="595959"/>
-      </a:dk2>
-      <a:lt2>
-        <a:srgbClr val="EEEEEE"/>
-      </a:lt2>
-      <a:accent1>
-        <a:srgbClr val="FFAB40"/>
-      </a:accent1>
-      <a:accent2>
-        <a:srgbClr val="212121"/>
-      </a:accent2>
-      <a:accent3>
-        <a:srgbClr val="78909C"/>
-      </a:accent3>
-      <a:accent4>
-        <a:srgbClr val="FFAB40"/>
-      </a:accent4>
-      <a:accent5>
-        <a:srgbClr val="0097A7"/>
-      </a:accent5>
-      <a:accent6>
-        <a:srgbClr val="EEFF41"/>
-      </a:accent6>
-      <a:hlink>
-        <a:srgbClr val="0097A7"/>
-      </a:hlink>
-      <a:folHlink>
-        <a:srgbClr val="0097A7"/>
-      </a:folHlink>
-    </a:clrScheme>
-    <a:fontScheme name="Office">
-      <a:majorFont>
-        <a:latin typeface="Arial"/>
-        <a:ea typeface=""/>
-        <a:cs typeface=""/>
-        <a:font script="Jpan" typeface="ＭＳ Ｐゴシック"/>
-        <a:font script="Hang" typeface="맑은 고딕"/>
-        <a:font script="Hans" typeface="宋体"/>
-        <a:font script="Hant" typeface="新細明體"/>
-        <a:font script="Arab" typeface="Times New Roman"/>
-        <a:font script="Hebr" typeface="Times New Roman"/>
-        <a:font script="Thai" typeface="Angsana New"/>
-        <a:font script="Ethi" typeface="Nyala"/>
-        <a:font script="Beng" typeface="Vrinda"/>
-        <a:font script="Gujr" typeface="Shruti"/>
-        <a:font script="Khmr" typeface="MoolBoran"/>
-        <a:font script="Knda" typeface="Tunga"/>
-        <a:font script="Guru" typeface="Raavi"/>
-        <a:font script="Cans" typeface="Euphemia"/>
-        <a:font script="Cher" typeface="Plantagenet Cherokee"/>
-        <a:font script="Yiii" typeface="Microsoft Yi Baiti"/>
-        <a:font script="Tibt" typeface="Microsoft Himalaya"/>
-        <a:font script="Thaa" typeface="MV Boli"/>
-        <a:font script="Deva" typeface="Mangal"/>
-        <a:font script="Telu" typeface="Gautami"/>
-        <a:font script="Taml" typeface="Latha"/>
-        <a:font script="Syrc" typeface="Estrangelo Edessa"/>
-        <a:font script="Orya" typeface="Kalinga"/>
-        <a:font script="Mlym" typeface="Kartika"/>
-        <a:font script="Laoo" typeface="DokChampa"/>
-        <a:font script="Sinh" typeface="Iskoola Pota"/>
-        <a:font script="Mong" typeface="Mongolian Baiti"/>
-        <a:font script="Viet" typeface="Times New Roman"/>
-        <a:font script="Uigh" typeface="Microsoft Uighur"/>
-        <a:font script="Geor" typeface="Sylfaen"/>
-      </a:majorFont>
-      <a:minorFont>
-        <a:latin typeface="Arial"/>
-        <a:ea typeface=""/>
-        <a:cs typeface=""/>
-        <a:font script="Jpan" typeface="ＭＳ Ｐゴシック"/>
-        <a:font script="Hang" typeface="맑은 고딕"/>
-        <a:font script="Hans" typeface="宋体"/>
-        <a:font script="Hant" typeface="新細明體"/>
-        <a:font script="Arab" typeface="Arial"/>
-        <a:font script="Hebr" typeface="Arial"/>
-        <a:font script="Thai" typeface="Cordia New"/>
-        <a:font script="Ethi" typeface="Nyala"/>
-        <a:font script="Beng" typeface="Vrinda"/>
-        <a:font script="Gujr" typeface="Shruti"/>
-        <a:font script="Khmr" typeface="DaunPenh"/>
-        <a:font script="Knda" typeface="Tunga"/>
-        <a:font script="Guru" typeface="Raavi"/>
-        <a:font script="Cans" typeface="Euphemia"/>
-        <a:font script="Cher" typeface="Plantagenet Cherokee"/>
-        <a:font script="Yiii" typeface="Microsoft Yi Baiti"/>
-        <a:font script="Tibt" typeface="Microsoft Himalaya"/>
-        <a:font script="Thaa" typeface="MV Boli"/>
-        <a:font script="Deva" typeface="Mangal"/>
-        <a:font script="Telu" typeface="Gautami"/>
-        <a:font script="Taml" typeface="Latha"/>
-        <a:font script="Syrc" typeface="Estrangelo Edessa"/>
-        <a:font script="Orya" typeface="Kalinga"/>
-        <a:font script="Mlym" typeface="Kartika"/>
-        <a:font script="Laoo" typeface="DokChampa"/>
-        <a:font script="Sinh" typeface="Iskoola Pota"/>
-        <a:font script="Mong" typeface="Mongolian Baiti"/>
-        <a:font script="Viet" typeface="Arial"/>
-        <a:font script="Uigh" typeface="Microsoft Uighur"/>
-        <a:font script="Geor" typeface="Sylfaen"/>
-      </a:minorFont>
-    </a:fontScheme>
-    <a:fmtScheme name="Office">
-      <a:fillStyleLst>
-        <a:solidFill>
-          <a:schemeClr val="phClr"/>
-        </a:solidFill>
-        <a:gradFill rotWithShape="1">
-          <a:gsLst>
-            <a:gs pos="0">
-              <a:schemeClr val="phClr">
-                <a:tint val="50000"/>
-                <a:satMod val="300000"/>
-              </a:schemeClr>
-            </a:gs>
-            <a:gs pos="35000">
-              <a:schemeClr val="phClr">
-                <a:tint val="37000"/>
-                <a:satMod val="300000"/>
-              </a:schemeClr>
-            </a:gs>
-            <a:gs pos="100000">
-              <a:schemeClr val="phClr">
-                <a:tint val="15000"/>
-                <a:satMod val="350000"/>
-              </a:schemeClr>
-            </a:gs>
-          </a:gsLst>
-          <a:lin ang="16200000" scaled="1"/>
-        </a:gradFill>
-        <a:gradFill rotWithShape="1">
-          <a:gsLst>
-            <a:gs pos="0">
-              <a:schemeClr val="phClr">
-                <a:tint val="100000"/>
-                <a:shade val="100000"/>
-                <a:satMod val="130000"/>
-              </a:schemeClr>
-            </a:gs>
-            <a:gs pos="100000">
-              <a:schemeClr val="phClr">
-                <a:tint val="50000"/>
-                <a:shade val="100000"/>
-                <a:satMod val="350000"/>
-              </a:schemeClr>
-            </a:gs>
-          </a:gsLst>
-          <a:lin ang="16200000" scaled="0"/>
-        </a:gradFill>
-      </a:fillStyleLst>
-      <a:lnStyleLst>
-        <a:ln w="9525" cap="flat" cmpd="sng" algn="ctr">
-          <a:solidFill>
-            <a:schemeClr val="phClr">
-              <a:shade val="95000"/>
-              <a:satMod val="105000"/>
-            </a:schemeClr>
-          </a:solidFill>
-          <a:prstDash val="solid"/>
-        </a:ln>
-        <a:ln w="25400" cap="flat" cmpd="sng" algn="ctr">
-          <a:solidFill>
-            <a:schemeClr val="phClr"/>
-          </a:solidFill>
-          <a:prstDash val="solid"/>
-        </a:ln>
-        <a:ln w="38100" cap="flat" cmpd="sng" algn="ctr">
-          <a:solidFill>
-            <a:schemeClr val="phClr"/>
-          </a:solidFill>
-          <a:prstDash val="solid"/>
-        </a:ln>
-      </a:lnStyleLst>
-      <a:effectStyleLst>
-        <a:effectStyle>
-          <a:effectLst>
-            <a:outerShdw blurRad="40000" dist="20000" dir="5400000" rotWithShape="0">
-              <a:srgbClr val="000000">
-                <a:alpha val="38000"/>
-              </a:srgbClr>
-            </a:outerShdw>
-          </a:effectLst>
-        </a:effectStyle>
-        <a:effectStyle>
-          <a:effectLst>
-            <a:outerShdw blurRad="40000" dist="23000" dir="5400000" rotWithShape="0">
-              <a:srgbClr val="000000">
-                <a:alpha val="35000"/>
-              </a:srgbClr>
-            </a:outerShdw>
-          </a:effectLst>
-        </a:effectStyle>
-        <a:effectStyle>
-          <a:effectLst>
-            <a:outerShdw blurRad="40000" dist="23000" dir="5400000" rotWithShape="0">
-              <a:srgbClr val="000000">
-                <a:alpha val="35000"/>
-              </a:srgbClr>
-            </a:outerShdw>
-          </a:effectLst>
-          <a:scene3d>
-            <a:camera prst="orthographicFront">
-              <a:rot lat="0" lon="0" rev="0"/>
-            </a:camera>
-            <a:lightRig rig="threePt" dir="t">
-              <a:rot lat="0" lon="0" rev="1200000"/>
-            </a:lightRig>
-          </a:scene3d>
-          <a:sp3d>
-            <a:bevelT w="63500" h="25400"/>
-          </a:sp3d>
-        </a:effectStyle>
-      </a:effectStyleLst>
-      <a:bgFillStyleLst>
-        <a:solidFill>
-          <a:schemeClr val="phClr"/>
-        </a:solidFill>
-        <a:gradFill rotWithShape="1">
-          <a:gsLst>
-            <a:gs pos="0">
-              <a:schemeClr val="phClr">
-                <a:tint val="40000"/>
-                <a:satMod val="350000"/>
-              </a:schemeClr>
-            </a:gs>
-            <a:gs pos="40000">
-              <a:schemeClr val="phClr">
-                <a:tint val="45000"/>
-                <a:shade val="99000"/>
-                <a:satMod val="350000"/>
-              </a:schemeClr>
-            </a:gs>
-            <a:gs pos="100000">
-              <a:schemeClr val="phClr">
-                <a:shade val="20000"/>
-                <a:satMod val="255000"/>
-              </a:schemeClr>
-            </a:gs>
-          </a:gsLst>
-          <a:path path="circle">
-            <a:fillToRect l="50000" t="-80000" r="50000" b="180000"/>
-          </a:path>
-        </a:gradFill>
-        <a:gradFill rotWithShape="1">
-          <a:gsLst>
-            <a:gs pos="0">
-              <a:schemeClr val="phClr">
-                <a:tint val="80000"/>
-                <a:satMod val="300000"/>
-              </a:schemeClr>
-            </a:gs>
-            <a:gs pos="100000">
-              <a:schemeClr val="phClr">
-                <a:shade val="30000"/>
-                <a:satMod val="200000"/>
-              </a:schemeClr>
-            </a:gs>
-          </a:gsLst>
-          <a:path path="circle">
-            <a:fillToRect l="50000" t="50000" r="50000" b="50000"/>
-          </a:path>
-        </a:gradFill>
-      </a:bgFillStyleLst>
-    </a:fmtScheme>
-  </a:themeElements>
+  <a:objectDefaults/>
+  <a:extraClrSchemeLst/>
 </a:theme>
 </file>